--- a/教學簡報/JavaScript - 4.pptx
+++ b/教學簡報/JavaScript - 4.pptx
@@ -250,7 +250,7 @@
             <a:fld id="{A5DCF4EA-E40D-43F8-B4CB-7F82BC812DB7}" type="datetimeFigureOut">
               <a:rPr lang="zh-TW" altLang="en-US" smtClean="0"/>
               <a:pPr/>
-              <a:t>2020/7/14</a:t>
+              <a:t>2020/7/18</a:t>
             </a:fld>
             <a:endParaRPr lang="zh-TW" altLang="en-US" dirty="0"/>
           </a:p>
@@ -1599,7 +1599,7 @@
           <a:p>
             <a:fld id="{3D8CBC75-8284-403E-92F0-16B75D676E39}" type="datetimeFigureOut">
               <a:rPr lang="zh-TW" altLang="en-US" smtClean="0"/>
-              <a:t>2020/7/14</a:t>
+              <a:t>2020/7/18</a:t>
             </a:fld>
             <a:endParaRPr lang="zh-TW" altLang="en-US"/>
           </a:p>
@@ -1727,7 +1727,7 @@
           <a:p>
             <a:fld id="{3D8CBC75-8284-403E-92F0-16B75D676E39}" type="datetimeFigureOut">
               <a:rPr lang="zh-TW" altLang="en-US" smtClean="0"/>
-              <a:t>2020/7/14</a:t>
+              <a:t>2020/7/18</a:t>
             </a:fld>
             <a:endParaRPr lang="zh-TW" altLang="en-US"/>
           </a:p>
@@ -2070,7 +2070,7 @@
           <a:p>
             <a:fld id="{3D8CBC75-8284-403E-92F0-16B75D676E39}" type="datetimeFigureOut">
               <a:rPr lang="zh-TW" altLang="en-US" smtClean="0"/>
-              <a:t>2020/7/14</a:t>
+              <a:t>2020/7/18</a:t>
             </a:fld>
             <a:endParaRPr lang="zh-TW" altLang="en-US"/>
           </a:p>
@@ -2403,7 +2403,7 @@
           <a:p>
             <a:fld id="{3D8CBC75-8284-403E-92F0-16B75D676E39}" type="datetimeFigureOut">
               <a:rPr lang="zh-TW" altLang="en-US" smtClean="0"/>
-              <a:t>2020/7/14</a:t>
+              <a:t>2020/7/18</a:t>
             </a:fld>
             <a:endParaRPr lang="zh-TW" altLang="en-US"/>
           </a:p>
@@ -2772,7 +2772,7 @@
           <a:p>
             <a:fld id="{3D8CBC75-8284-403E-92F0-16B75D676E39}" type="datetimeFigureOut">
               <a:rPr lang="zh-TW" altLang="en-US" smtClean="0"/>
-              <a:t>2020/7/14</a:t>
+              <a:t>2020/7/18</a:t>
             </a:fld>
             <a:endParaRPr lang="zh-TW" altLang="en-US"/>
           </a:p>
@@ -2995,7 +2995,7 @@
           <a:p>
             <a:fld id="{3D8CBC75-8284-403E-92F0-16B75D676E39}" type="datetimeFigureOut">
               <a:rPr lang="zh-TW" altLang="en-US" smtClean="0"/>
-              <a:t>2020/7/14</a:t>
+              <a:t>2020/7/18</a:t>
             </a:fld>
             <a:endParaRPr lang="zh-TW" altLang="en-US"/>
           </a:p>
@@ -3525,7 +3525,7 @@
           <a:p>
             <a:fld id="{3D8CBC75-8284-403E-92F0-16B75D676E39}" type="datetimeFigureOut">
               <a:rPr lang="zh-TW" altLang="en-US" smtClean="0"/>
-              <a:t>2020/7/14</a:t>
+              <a:t>2020/7/18</a:t>
             </a:fld>
             <a:endParaRPr lang="zh-TW" altLang="en-US"/>
           </a:p>
@@ -3806,7 +3806,7 @@
           <a:p>
             <a:fld id="{3D8CBC75-8284-403E-92F0-16B75D676E39}" type="datetimeFigureOut">
               <a:rPr lang="zh-TW" altLang="en-US" smtClean="0"/>
-              <a:t>2020/7/14</a:t>
+              <a:t>2020/7/18</a:t>
             </a:fld>
             <a:endParaRPr lang="zh-TW" altLang="en-US"/>
           </a:p>
@@ -3993,7 +3993,7 @@
           <a:p>
             <a:fld id="{3D8CBC75-8284-403E-92F0-16B75D676E39}" type="datetimeFigureOut">
               <a:rPr lang="zh-TW" altLang="en-US" smtClean="0"/>
-              <a:t>2020/7/14</a:t>
+              <a:t>2020/7/18</a:t>
             </a:fld>
             <a:endParaRPr lang="zh-TW" altLang="en-US"/>
           </a:p>
@@ -4395,7 +4395,7 @@
           <a:p>
             <a:fld id="{3D8CBC75-8284-403E-92F0-16B75D676E39}" type="datetimeFigureOut">
               <a:rPr lang="zh-TW" altLang="en-US" smtClean="0"/>
-              <a:t>2020/7/14</a:t>
+              <a:t>2020/7/18</a:t>
             </a:fld>
             <a:endParaRPr lang="zh-TW" altLang="en-US"/>
           </a:p>
@@ -4815,7 +4815,7 @@
           <a:p>
             <a:fld id="{3D8CBC75-8284-403E-92F0-16B75D676E39}" type="datetimeFigureOut">
               <a:rPr lang="zh-TW" altLang="en-US" smtClean="0"/>
-              <a:t>2020/7/14</a:t>
+              <a:t>2020/7/18</a:t>
             </a:fld>
             <a:endParaRPr lang="zh-TW" altLang="en-US"/>
           </a:p>
@@ -5202,7 +5202,7 @@
             <a:fld id="{3D8CBC75-8284-403E-92F0-16B75D676E39}" type="datetimeFigureOut">
               <a:rPr lang="zh-TW" altLang="en-US" smtClean="0"/>
               <a:pPr/>
-              <a:t>2020/7/14</a:t>
+              <a:t>2020/7/18</a:t>
             </a:fld>
             <a:endParaRPr lang="zh-TW" altLang="en-US" dirty="0"/>
           </a:p>
@@ -7855,12 +7855,14 @@
         </p:nvSpPr>
         <p:spPr>
           <a:xfrm>
-            <a:off x="251520" y="1988841"/>
-            <a:ext cx="8640960" cy="2808312"/>
+            <a:off x="251520" y="1412776"/>
+            <a:ext cx="8640960" cy="4536504"/>
           </a:xfrm>
         </p:spPr>
         <p:txBody>
-          <a:bodyPr/>
+          <a:bodyPr>
+            <a:normAutofit lnSpcReduction="10000"/>
+          </a:bodyPr>
           <a:lstStyle/>
           <a:p>
             <a:pPr marL="0" indent="0" algn="ctr">
@@ -7976,6 +7978,14 @@
               </a:rPr>
               <a:t>function()</a:t>
             </a:r>
+          </a:p>
+          <a:p>
+            <a:pPr marL="0" indent="0" algn="ctr">
+              <a:lnSpc>
+                <a:spcPct val="150000"/>
+              </a:lnSpc>
+              <a:buNone/>
+            </a:pPr>
             <a:endParaRPr lang="en-US" altLang="zh-TW" sz="2500" dirty="0">
               <a:solidFill>
                 <a:srgbClr val="0070C0"/>
@@ -8007,7 +8017,7 @@
             </a:endParaRPr>
           </a:p>
           <a:p>
-            <a:pPr marL="0" indent="0" algn="ctr">
+            <a:pPr marL="0" indent="0">
               <a:lnSpc>
                 <a:spcPct val="150000"/>
               </a:lnSpc>
@@ -8020,7 +8030,7 @@
                 </a:solidFill>
                 <a:latin typeface="微軟正黑體" panose="020B0604030504040204" pitchFamily="34" charset="-120"/>
               </a:rPr>
-              <a:t>$("</a:t>
+              <a:t>			  $("</a:t>
             </a:r>
             <a:r>
               <a:rPr lang="en-US" altLang="zh-TW" sz="2500" dirty="0">
@@ -8038,7 +8048,74 @@
                 </a:solidFill>
                 <a:latin typeface="微軟正黑體" panose="020B0604030504040204" pitchFamily="34" charset="-120"/>
               </a:rPr>
-              <a:t>") . click()</a:t>
+              <a:t>") . click(function() {</a:t>
+            </a:r>
+          </a:p>
+          <a:p>
+            <a:pPr marL="0" indent="0">
+              <a:lnSpc>
+                <a:spcPct val="150000"/>
+              </a:lnSpc>
+              <a:buNone/>
+            </a:pPr>
+            <a:r>
+              <a:rPr lang="en-US" altLang="zh-TW" sz="2500" dirty="0">
+                <a:solidFill>
+                  <a:srgbClr val="0070C0"/>
+                </a:solidFill>
+                <a:latin typeface="微軟正黑體" panose="020B0604030504040204" pitchFamily="34" charset="-120"/>
+              </a:rPr>
+              <a:t>				  </a:t>
+            </a:r>
+            <a:r>
+              <a:rPr lang="zh-TW" altLang="en-US" sz="2400" dirty="0">
+                <a:solidFill>
+                  <a:schemeClr val="accent2"/>
+                </a:solidFill>
+                <a:latin typeface="微軟正黑體" panose="020B0604030504040204" pitchFamily="34" charset="-120"/>
+              </a:rPr>
+              <a:t>妳的</a:t>
+            </a:r>
+            <a:r>
+              <a:rPr lang="en-US" altLang="zh-TW" sz="2400" dirty="0" err="1">
+                <a:solidFill>
+                  <a:schemeClr val="accent2"/>
+                </a:solidFill>
+                <a:latin typeface="微軟正黑體" panose="020B0604030504040204" pitchFamily="34" charset="-120"/>
+              </a:rPr>
+              <a:t>JQuery</a:t>
+            </a:r>
+            <a:r>
+              <a:rPr lang="zh-TW" altLang="en-US" sz="2400" dirty="0">
+                <a:solidFill>
+                  <a:schemeClr val="accent2"/>
+                </a:solidFill>
+                <a:latin typeface="微軟正黑體" panose="020B0604030504040204" pitchFamily="34" charset="-120"/>
+              </a:rPr>
+              <a:t>程式</a:t>
+            </a:r>
+            <a:endParaRPr lang="en-US" altLang="zh-TW" sz="2500" dirty="0">
+              <a:solidFill>
+                <a:srgbClr val="0070C0"/>
+              </a:solidFill>
+              <a:latin typeface="微軟正黑體" panose="020B0604030504040204" pitchFamily="34" charset="-120"/>
+            </a:endParaRPr>
+          </a:p>
+          <a:p>
+            <a:pPr marL="0" indent="0">
+              <a:lnSpc>
+                <a:spcPct val="150000"/>
+              </a:lnSpc>
+              <a:buNone/>
+            </a:pPr>
+            <a:r>
+              <a:rPr lang="en-US" altLang="zh-TW" sz="2500" dirty="0">
+                <a:solidFill>
+                  <a:srgbClr val="0070C0"/>
+                </a:solidFill>
+                <a:latin typeface="微軟正黑體" panose="020B0604030504040204" pitchFamily="34" charset="-120"/>
+              </a:rPr>
+              <a:t>			  });</a:t>
             </a:r>
           </a:p>
         </p:txBody>

--- a/教學簡報/JavaScript - 4.pptx
+++ b/教學簡報/JavaScript - 4.pptx
@@ -250,7 +250,7 @@
             <a:fld id="{A5DCF4EA-E40D-43F8-B4CB-7F82BC812DB7}" type="datetimeFigureOut">
               <a:rPr lang="zh-TW" altLang="en-US" smtClean="0"/>
               <a:pPr/>
-              <a:t>2020/7/18</a:t>
+              <a:t>2020/7/24</a:t>
             </a:fld>
             <a:endParaRPr lang="zh-TW" altLang="en-US" dirty="0"/>
           </a:p>
@@ -826,10 +826,7 @@
           <a:bodyPr/>
           <a:lstStyle/>
           <a:p>
-            <a:r>
-              <a:rPr lang="zh-TW" altLang="en-US" dirty="0"/>
-              <a:t>好，那剛剛科普完了，現在我們終於回到正題。</a:t>
-            </a:r>
+            <a:endParaRPr lang="zh-TW" altLang="en-US" dirty="0"/>
           </a:p>
         </p:txBody>
       </p:sp>
@@ -1599,7 +1596,7 @@
           <a:p>
             <a:fld id="{3D8CBC75-8284-403E-92F0-16B75D676E39}" type="datetimeFigureOut">
               <a:rPr lang="zh-TW" altLang="en-US" smtClean="0"/>
-              <a:t>2020/7/18</a:t>
+              <a:t>2020/7/24</a:t>
             </a:fld>
             <a:endParaRPr lang="zh-TW" altLang="en-US"/>
           </a:p>
@@ -1727,7 +1724,7 @@
           <a:p>
             <a:fld id="{3D8CBC75-8284-403E-92F0-16B75D676E39}" type="datetimeFigureOut">
               <a:rPr lang="zh-TW" altLang="en-US" smtClean="0"/>
-              <a:t>2020/7/18</a:t>
+              <a:t>2020/7/24</a:t>
             </a:fld>
             <a:endParaRPr lang="zh-TW" altLang="en-US"/>
           </a:p>
@@ -2070,7 +2067,7 @@
           <a:p>
             <a:fld id="{3D8CBC75-8284-403E-92F0-16B75D676E39}" type="datetimeFigureOut">
               <a:rPr lang="zh-TW" altLang="en-US" smtClean="0"/>
-              <a:t>2020/7/18</a:t>
+              <a:t>2020/7/24</a:t>
             </a:fld>
             <a:endParaRPr lang="zh-TW" altLang="en-US"/>
           </a:p>
@@ -2403,7 +2400,7 @@
           <a:p>
             <a:fld id="{3D8CBC75-8284-403E-92F0-16B75D676E39}" type="datetimeFigureOut">
               <a:rPr lang="zh-TW" altLang="en-US" smtClean="0"/>
-              <a:t>2020/7/18</a:t>
+              <a:t>2020/7/24</a:t>
             </a:fld>
             <a:endParaRPr lang="zh-TW" altLang="en-US"/>
           </a:p>
@@ -2772,7 +2769,7 @@
           <a:p>
             <a:fld id="{3D8CBC75-8284-403E-92F0-16B75D676E39}" type="datetimeFigureOut">
               <a:rPr lang="zh-TW" altLang="en-US" smtClean="0"/>
-              <a:t>2020/7/18</a:t>
+              <a:t>2020/7/24</a:t>
             </a:fld>
             <a:endParaRPr lang="zh-TW" altLang="en-US"/>
           </a:p>
@@ -2995,7 +2992,7 @@
           <a:p>
             <a:fld id="{3D8CBC75-8284-403E-92F0-16B75D676E39}" type="datetimeFigureOut">
               <a:rPr lang="zh-TW" altLang="en-US" smtClean="0"/>
-              <a:t>2020/7/18</a:t>
+              <a:t>2020/7/24</a:t>
             </a:fld>
             <a:endParaRPr lang="zh-TW" altLang="en-US"/>
           </a:p>
@@ -3525,7 +3522,7 @@
           <a:p>
             <a:fld id="{3D8CBC75-8284-403E-92F0-16B75D676E39}" type="datetimeFigureOut">
               <a:rPr lang="zh-TW" altLang="en-US" smtClean="0"/>
-              <a:t>2020/7/18</a:t>
+              <a:t>2020/7/24</a:t>
             </a:fld>
             <a:endParaRPr lang="zh-TW" altLang="en-US"/>
           </a:p>
@@ -3806,7 +3803,7 @@
           <a:p>
             <a:fld id="{3D8CBC75-8284-403E-92F0-16B75D676E39}" type="datetimeFigureOut">
               <a:rPr lang="zh-TW" altLang="en-US" smtClean="0"/>
-              <a:t>2020/7/18</a:t>
+              <a:t>2020/7/24</a:t>
             </a:fld>
             <a:endParaRPr lang="zh-TW" altLang="en-US"/>
           </a:p>
@@ -3993,7 +3990,7 @@
           <a:p>
             <a:fld id="{3D8CBC75-8284-403E-92F0-16B75D676E39}" type="datetimeFigureOut">
               <a:rPr lang="zh-TW" altLang="en-US" smtClean="0"/>
-              <a:t>2020/7/18</a:t>
+              <a:t>2020/7/24</a:t>
             </a:fld>
             <a:endParaRPr lang="zh-TW" altLang="en-US"/>
           </a:p>
@@ -4395,7 +4392,7 @@
           <a:p>
             <a:fld id="{3D8CBC75-8284-403E-92F0-16B75D676E39}" type="datetimeFigureOut">
               <a:rPr lang="zh-TW" altLang="en-US" smtClean="0"/>
-              <a:t>2020/7/18</a:t>
+              <a:t>2020/7/24</a:t>
             </a:fld>
             <a:endParaRPr lang="zh-TW" altLang="en-US"/>
           </a:p>
@@ -4815,7 +4812,7 @@
           <a:p>
             <a:fld id="{3D8CBC75-8284-403E-92F0-16B75D676E39}" type="datetimeFigureOut">
               <a:rPr lang="zh-TW" altLang="en-US" smtClean="0"/>
-              <a:t>2020/7/18</a:t>
+              <a:t>2020/7/24</a:t>
             </a:fld>
             <a:endParaRPr lang="zh-TW" altLang="en-US"/>
           </a:p>
@@ -5202,7 +5199,7 @@
             <a:fld id="{3D8CBC75-8284-403E-92F0-16B75D676E39}" type="datetimeFigureOut">
               <a:rPr lang="zh-TW" altLang="en-US" smtClean="0"/>
               <a:pPr/>
-              <a:t>2020/7/18</a:t>
+              <a:t>2020/7/24</a:t>
             </a:fld>
             <a:endParaRPr lang="zh-TW" altLang="en-US" dirty="0"/>
           </a:p>
@@ -5685,7 +5682,7 @@
                 <a:latin typeface="微軟正黑體" panose="020B0604030504040204" pitchFamily="34" charset="-120"/>
                 <a:ea typeface="微軟正黑體" panose="020B0604030504040204" pitchFamily="34" charset="-120"/>
               </a:rPr>
-              <a:t>回家作業</a:t>
+              <a:t>作業</a:t>
             </a:r>
           </a:p>
         </p:txBody>
@@ -5723,12 +5720,8 @@
               <a:t> 更改成 </a:t>
             </a:r>
             <a:r>
-              <a:rPr lang="en-US" altLang="zh-TW" dirty="0" err="1"/>
+              <a:rPr lang="en-US" altLang="zh-TW"/>
               <a:t>JQuery</a:t>
-            </a:r>
-            <a:r>
-              <a:rPr lang="zh-TW" altLang="en-US" dirty="0"/>
-              <a:t>。</a:t>
             </a:r>
             <a:endParaRPr lang="en-US" altLang="zh-TW" dirty="0"/>
           </a:p>

--- a/教學簡報/JavaScript - 4.pptx
+++ b/教學簡報/JavaScript - 4.pptx
@@ -12,8 +12,8 @@
     <p:sldId id="300" r:id="rId3"/>
     <p:sldId id="301" r:id="rId4"/>
     <p:sldId id="357" r:id="rId5"/>
-    <p:sldId id="356" r:id="rId6"/>
-    <p:sldId id="303" r:id="rId7"/>
+    <p:sldId id="303" r:id="rId6"/>
+    <p:sldId id="356" r:id="rId7"/>
     <p:sldId id="304" r:id="rId8"/>
     <p:sldId id="305" r:id="rId9"/>
     <p:sldId id="355" r:id="rId10"/>
@@ -130,8 +130,8 @@
             <p14:sldId id="300"/>
             <p14:sldId id="301"/>
             <p14:sldId id="357"/>
+            <p14:sldId id="303"/>
             <p14:sldId id="356"/>
-            <p14:sldId id="303"/>
             <p14:sldId id="304"/>
             <p14:sldId id="305"/>
             <p14:sldId id="355"/>
@@ -250,7 +250,7 @@
             <a:fld id="{A5DCF4EA-E40D-43F8-B4CB-7F82BC812DB7}" type="datetimeFigureOut">
               <a:rPr lang="zh-TW" altLang="en-US" smtClean="0"/>
               <a:pPr/>
-              <a:t>2020/7/24</a:t>
+              <a:t>2020/11/15</a:t>
             </a:fld>
             <a:endParaRPr lang="zh-TW" altLang="en-US" dirty="0"/>
           </a:p>
@@ -1119,7 +1119,7 @@
     </p:spTree>
     <p:extLst>
       <p:ext uri="{BB962C8B-B14F-4D97-AF65-F5344CB8AC3E}">
-        <p14:creationId xmlns:p14="http://schemas.microsoft.com/office/powerpoint/2010/main" val="1817557296"/>
+        <p14:creationId xmlns:p14="http://schemas.microsoft.com/office/powerpoint/2010/main" val="349027444"/>
       </p:ext>
     </p:extLst>
   </p:cSld>
@@ -1203,7 +1203,7 @@
     </p:spTree>
     <p:extLst>
       <p:ext uri="{BB962C8B-B14F-4D97-AF65-F5344CB8AC3E}">
-        <p14:creationId xmlns:p14="http://schemas.microsoft.com/office/powerpoint/2010/main" val="349027444"/>
+        <p14:creationId xmlns:p14="http://schemas.microsoft.com/office/powerpoint/2010/main" val="1817557296"/>
       </p:ext>
     </p:extLst>
   </p:cSld>
@@ -1596,7 +1596,7 @@
           <a:p>
             <a:fld id="{3D8CBC75-8284-403E-92F0-16B75D676E39}" type="datetimeFigureOut">
               <a:rPr lang="zh-TW" altLang="en-US" smtClean="0"/>
-              <a:t>2020/7/24</a:t>
+              <a:t>2020/11/15</a:t>
             </a:fld>
             <a:endParaRPr lang="zh-TW" altLang="en-US"/>
           </a:p>
@@ -1724,7 +1724,7 @@
           <a:p>
             <a:fld id="{3D8CBC75-8284-403E-92F0-16B75D676E39}" type="datetimeFigureOut">
               <a:rPr lang="zh-TW" altLang="en-US" smtClean="0"/>
-              <a:t>2020/7/24</a:t>
+              <a:t>2020/11/15</a:t>
             </a:fld>
             <a:endParaRPr lang="zh-TW" altLang="en-US"/>
           </a:p>
@@ -2067,7 +2067,7 @@
           <a:p>
             <a:fld id="{3D8CBC75-8284-403E-92F0-16B75D676E39}" type="datetimeFigureOut">
               <a:rPr lang="zh-TW" altLang="en-US" smtClean="0"/>
-              <a:t>2020/7/24</a:t>
+              <a:t>2020/11/15</a:t>
             </a:fld>
             <a:endParaRPr lang="zh-TW" altLang="en-US"/>
           </a:p>
@@ -2400,7 +2400,7 @@
           <a:p>
             <a:fld id="{3D8CBC75-8284-403E-92F0-16B75D676E39}" type="datetimeFigureOut">
               <a:rPr lang="zh-TW" altLang="en-US" smtClean="0"/>
-              <a:t>2020/7/24</a:t>
+              <a:t>2020/11/15</a:t>
             </a:fld>
             <a:endParaRPr lang="zh-TW" altLang="en-US"/>
           </a:p>
@@ -2769,7 +2769,7 @@
           <a:p>
             <a:fld id="{3D8CBC75-8284-403E-92F0-16B75D676E39}" type="datetimeFigureOut">
               <a:rPr lang="zh-TW" altLang="en-US" smtClean="0"/>
-              <a:t>2020/7/24</a:t>
+              <a:t>2020/11/15</a:t>
             </a:fld>
             <a:endParaRPr lang="zh-TW" altLang="en-US"/>
           </a:p>
@@ -2992,7 +2992,7 @@
           <a:p>
             <a:fld id="{3D8CBC75-8284-403E-92F0-16B75D676E39}" type="datetimeFigureOut">
               <a:rPr lang="zh-TW" altLang="en-US" smtClean="0"/>
-              <a:t>2020/7/24</a:t>
+              <a:t>2020/11/15</a:t>
             </a:fld>
             <a:endParaRPr lang="zh-TW" altLang="en-US"/>
           </a:p>
@@ -3522,7 +3522,7 @@
           <a:p>
             <a:fld id="{3D8CBC75-8284-403E-92F0-16B75D676E39}" type="datetimeFigureOut">
               <a:rPr lang="zh-TW" altLang="en-US" smtClean="0"/>
-              <a:t>2020/7/24</a:t>
+              <a:t>2020/11/15</a:t>
             </a:fld>
             <a:endParaRPr lang="zh-TW" altLang="en-US"/>
           </a:p>
@@ -3803,7 +3803,7 @@
           <a:p>
             <a:fld id="{3D8CBC75-8284-403E-92F0-16B75D676E39}" type="datetimeFigureOut">
               <a:rPr lang="zh-TW" altLang="en-US" smtClean="0"/>
-              <a:t>2020/7/24</a:t>
+              <a:t>2020/11/15</a:t>
             </a:fld>
             <a:endParaRPr lang="zh-TW" altLang="en-US"/>
           </a:p>
@@ -3990,7 +3990,7 @@
           <a:p>
             <a:fld id="{3D8CBC75-8284-403E-92F0-16B75D676E39}" type="datetimeFigureOut">
               <a:rPr lang="zh-TW" altLang="en-US" smtClean="0"/>
-              <a:t>2020/7/24</a:t>
+              <a:t>2020/11/15</a:t>
             </a:fld>
             <a:endParaRPr lang="zh-TW" altLang="en-US"/>
           </a:p>
@@ -4392,7 +4392,7 @@
           <a:p>
             <a:fld id="{3D8CBC75-8284-403E-92F0-16B75D676E39}" type="datetimeFigureOut">
               <a:rPr lang="zh-TW" altLang="en-US" smtClean="0"/>
-              <a:t>2020/7/24</a:t>
+              <a:t>2020/11/15</a:t>
             </a:fld>
             <a:endParaRPr lang="zh-TW" altLang="en-US"/>
           </a:p>
@@ -4812,7 +4812,7 @@
           <a:p>
             <a:fld id="{3D8CBC75-8284-403E-92F0-16B75D676E39}" type="datetimeFigureOut">
               <a:rPr lang="zh-TW" altLang="en-US" smtClean="0"/>
-              <a:t>2020/7/24</a:t>
+              <a:t>2020/11/15</a:t>
             </a:fld>
             <a:endParaRPr lang="zh-TW" altLang="en-US"/>
           </a:p>
@@ -5199,7 +5199,7 @@
             <a:fld id="{3D8CBC75-8284-403E-92F0-16B75D676E39}" type="datetimeFigureOut">
               <a:rPr lang="zh-TW" altLang="en-US" smtClean="0"/>
               <a:pPr/>
-              <a:t>2020/7/24</a:t>
+              <a:t>2020/11/15</a:t>
             </a:fld>
             <a:endParaRPr lang="zh-TW" altLang="en-US" dirty="0"/>
           </a:p>
@@ -6289,8 +6289,8 @@
         </p:nvSpPr>
         <p:spPr>
           <a:xfrm>
-            <a:off x="0" y="2213484"/>
-            <a:ext cx="9144000" cy="1332148"/>
+            <a:off x="0" y="1952836"/>
+            <a:ext cx="9144000" cy="2952328"/>
           </a:xfrm>
         </p:spPr>
         <p:txBody>
@@ -6306,6 +6306,15 @@
               <a:buNone/>
             </a:pPr>
             <a:r>
+              <a:rPr lang="zh-TW" altLang="en-US" sz="3000" dirty="0">
+                <a:solidFill>
+                  <a:srgbClr val="0070C0"/>
+                </a:solidFill>
+                <a:latin typeface="Consolas" panose="020B0609020204030204" pitchFamily="49" charset="0"/>
+              </a:rPr>
+              <a:t>套用 </a:t>
+            </a:r>
+            <a:r>
               <a:rPr lang="en-US" altLang="zh-TW" sz="3000" dirty="0" err="1">
                 <a:solidFill>
                   <a:srgbClr val="0070C0"/>
@@ -6391,7 +6400,76 @@
               </a:rPr>
               <a:t>&gt;</a:t>
             </a:r>
-            <a:endParaRPr lang="en-US" altLang="zh-TW" sz="1750" dirty="0"/>
+          </a:p>
+          <a:p>
+            <a:pPr marL="0" indent="0" algn="ctr">
+              <a:lnSpc>
+                <a:spcPct val="150000"/>
+              </a:lnSpc>
+              <a:buNone/>
+            </a:pPr>
+            <a:endParaRPr lang="en-US" altLang="zh-TW" sz="1750" dirty="0">
+              <a:latin typeface="Consolas" panose="020B0609020204030204" pitchFamily="49" charset="0"/>
+            </a:endParaRPr>
+          </a:p>
+          <a:p>
+            <a:pPr marL="0" indent="0" algn="ctr">
+              <a:lnSpc>
+                <a:spcPct val="150000"/>
+              </a:lnSpc>
+              <a:buNone/>
+            </a:pPr>
+            <a:r>
+              <a:rPr lang="zh-TW" altLang="en-US" sz="3000" dirty="0">
+                <a:solidFill>
+                  <a:srgbClr val="0070C0"/>
+                </a:solidFill>
+                <a:latin typeface="Consolas" panose="020B0609020204030204" pitchFamily="49" charset="0"/>
+              </a:rPr>
+              <a:t>下載下來</a:t>
+            </a:r>
+            <a:endParaRPr lang="en-US" altLang="zh-TW" sz="3000" dirty="0">
+              <a:solidFill>
+                <a:srgbClr val="0070C0"/>
+              </a:solidFill>
+              <a:latin typeface="Consolas" panose="020B0609020204030204" pitchFamily="49" charset="0"/>
+            </a:endParaRPr>
+          </a:p>
+          <a:p>
+            <a:pPr marL="0" indent="0" algn="ctr">
+              <a:lnSpc>
+                <a:spcPct val="150000"/>
+              </a:lnSpc>
+              <a:buNone/>
+            </a:pPr>
+            <a:r>
+              <a:rPr lang="en-US" altLang="zh-TW" sz="1800" dirty="0">
+                <a:solidFill>
+                  <a:srgbClr val="00B050"/>
+                </a:solidFill>
+                <a:latin typeface="Consolas" panose="020B0609020204030204" pitchFamily="49" charset="0"/>
+              </a:rPr>
+              <a:t>https://</a:t>
+            </a:r>
+            <a:r>
+              <a:rPr lang="en-US" altLang="zh-TW" sz="1800" dirty="0" err="1">
+                <a:solidFill>
+                  <a:srgbClr val="00B050"/>
+                </a:solidFill>
+                <a:latin typeface="Consolas" panose="020B0609020204030204" pitchFamily="49" charset="0"/>
+              </a:rPr>
+              <a:t>code.jquery.com</a:t>
+            </a:r>
+            <a:r>
+              <a:rPr lang="en-US" altLang="zh-TW" sz="1800" dirty="0">
+                <a:solidFill>
+                  <a:srgbClr val="00B050"/>
+                </a:solidFill>
+                <a:latin typeface="Consolas" panose="020B0609020204030204" pitchFamily="49" charset="0"/>
+              </a:rPr>
+              <a:t>/jquery-3.5.1.slim.min.js</a:t>
+            </a:r>
+            <a:endParaRPr lang="en-US" altLang="zh-TW" sz="1800" dirty="0"/>
           </a:p>
         </p:txBody>
       </p:sp>
@@ -6409,289 +6487,6 @@
 </file>
 
 <file path=ppt/slides/slide5.xml><?xml version="1.0" encoding="utf-8"?>
-<p:sld xmlns:a="http://schemas.openxmlformats.org/drawingml/2006/main" xmlns:r="http://schemas.openxmlformats.org/officeDocument/2006/relationships" xmlns:p="http://schemas.openxmlformats.org/presentationml/2006/main">
-  <p:cSld>
-    <p:spTree>
-      <p:nvGrpSpPr>
-        <p:cNvPr id="1" name=""/>
-        <p:cNvGrpSpPr/>
-        <p:nvPr/>
-      </p:nvGrpSpPr>
-      <p:grpSpPr>
-        <a:xfrm>
-          <a:off x="0" y="0"/>
-          <a:ext cx="0" cy="0"/>
-          <a:chOff x="0" y="0"/>
-          <a:chExt cx="0" cy="0"/>
-        </a:xfrm>
-      </p:grpSpPr>
-      <p:sp>
-        <p:nvSpPr>
-          <p:cNvPr id="2" name="標題 1"/>
-          <p:cNvSpPr>
-            <a:spLocks noGrp="1"/>
-          </p:cNvSpPr>
-          <p:nvPr>
-            <p:ph type="title"/>
-          </p:nvPr>
-        </p:nvSpPr>
-        <p:spPr>
-          <a:xfrm>
-            <a:off x="0" y="1"/>
-            <a:ext cx="9144000" cy="836712"/>
-          </a:xfrm>
-        </p:spPr>
-        <p:txBody>
-          <a:bodyPr anchor="b">
-            <a:normAutofit/>
-          </a:bodyPr>
-          <a:lstStyle/>
-          <a:p>
-            <a:pPr algn="ctr"/>
-            <a:r>
-              <a:rPr lang="en-US" altLang="zh-TW" sz="4000" dirty="0">
-                <a:solidFill>
-                  <a:srgbClr val="0070C0"/>
-                </a:solidFill>
-                <a:latin typeface="微軟正黑體" panose="020B0604030504040204" pitchFamily="34" charset="-120"/>
-              </a:rPr>
-              <a:t>$(document).ready( function () {}</a:t>
-            </a:r>
-            <a:r>
-              <a:rPr lang="zh-TW" altLang="en-US" sz="4000" dirty="0">
-                <a:solidFill>
-                  <a:srgbClr val="0070C0"/>
-                </a:solidFill>
-                <a:latin typeface="微軟正黑體" panose="020B0604030504040204" pitchFamily="34" charset="-120"/>
-              </a:rPr>
-              <a:t> </a:t>
-            </a:r>
-            <a:r>
-              <a:rPr lang="en-US" altLang="zh-TW" sz="4000" dirty="0">
-                <a:solidFill>
-                  <a:srgbClr val="0070C0"/>
-                </a:solidFill>
-                <a:latin typeface="微軟正黑體" panose="020B0604030504040204" pitchFamily="34" charset="-120"/>
-              </a:rPr>
-              <a:t>)</a:t>
-            </a:r>
-            <a:endParaRPr lang="zh-TW" altLang="en-US" sz="4000" dirty="0">
-              <a:solidFill>
-                <a:srgbClr val="0070C0"/>
-              </a:solidFill>
-              <a:latin typeface="微軟正黑體" panose="020B0604030504040204" pitchFamily="34" charset="-120"/>
-              <a:ea typeface="微軟正黑體" panose="020B0604030504040204" pitchFamily="34" charset="-120"/>
-            </a:endParaRPr>
-          </a:p>
-        </p:txBody>
-      </p:sp>
-      <p:sp>
-        <p:nvSpPr>
-          <p:cNvPr id="5" name="內容版面配置區 4">
-            <a:extLst>
-              <a:ext uri="{FF2B5EF4-FFF2-40B4-BE49-F238E27FC236}">
-                <a16:creationId xmlns:a16="http://schemas.microsoft.com/office/drawing/2014/main" id="{6E0B32DB-5057-9F4F-9670-073195DD147E}"/>
-              </a:ext>
-            </a:extLst>
-          </p:cNvPr>
-          <p:cNvSpPr>
-            <a:spLocks noGrp="1"/>
-          </p:cNvSpPr>
-          <p:nvPr>
-            <p:ph idx="1"/>
-          </p:nvPr>
-        </p:nvSpPr>
-        <p:spPr>
-          <a:xfrm>
-            <a:off x="251520" y="1124745"/>
-            <a:ext cx="8640960" cy="836712"/>
-          </a:xfrm>
-        </p:spPr>
-        <p:txBody>
-          <a:bodyPr/>
-          <a:lstStyle/>
-          <a:p>
-            <a:pPr marL="0" indent="0" algn="ctr">
-              <a:lnSpc>
-                <a:spcPct val="150000"/>
-              </a:lnSpc>
-              <a:buNone/>
-            </a:pPr>
-            <a:r>
-              <a:rPr lang="zh-TW" altLang="en-US" sz="2500" dirty="0">
-                <a:solidFill>
-                  <a:srgbClr val="0070C0"/>
-                </a:solidFill>
-              </a:rPr>
-              <a:t>為了防止在網頁完全加載完之前運行</a:t>
-            </a:r>
-            <a:r>
-              <a:rPr lang="en-US" altLang="zh-TW" sz="2500" dirty="0" err="1">
-                <a:solidFill>
-                  <a:srgbClr val="0070C0"/>
-                </a:solidFill>
-              </a:rPr>
-              <a:t>JQuery</a:t>
-            </a:r>
-            <a:endParaRPr lang="en-US" altLang="zh-TW" sz="2500" dirty="0">
-              <a:solidFill>
-                <a:srgbClr val="0070C0"/>
-              </a:solidFill>
-            </a:endParaRPr>
-          </a:p>
-        </p:txBody>
-      </p:sp>
-      <p:sp>
-        <p:nvSpPr>
-          <p:cNvPr id="3" name="文字方塊 2">
-            <a:extLst>
-              <a:ext uri="{FF2B5EF4-FFF2-40B4-BE49-F238E27FC236}">
-                <a16:creationId xmlns:a16="http://schemas.microsoft.com/office/drawing/2014/main" id="{F83584EC-BA96-4810-AB19-D58535C90265}"/>
-              </a:ext>
-            </a:extLst>
-          </p:cNvPr>
-          <p:cNvSpPr txBox="1"/>
-          <p:nvPr/>
-        </p:nvSpPr>
-        <p:spPr>
-          <a:xfrm>
-            <a:off x="1822570" y="2448058"/>
-            <a:ext cx="5498860" cy="1961884"/>
-          </a:xfrm>
-          <a:prstGeom prst="rect">
-            <a:avLst/>
-          </a:prstGeom>
-          <a:noFill/>
-        </p:spPr>
-        <p:txBody>
-          <a:bodyPr wrap="square" rtlCol="0">
-            <a:spAutoFit/>
-          </a:bodyPr>
-          <a:lstStyle/>
-          <a:p>
-            <a:pPr>
-              <a:lnSpc>
-                <a:spcPct val="150000"/>
-              </a:lnSpc>
-            </a:pPr>
-            <a:r>
-              <a:rPr lang="en-US" altLang="zh-TW" sz="2800" dirty="0">
-                <a:solidFill>
-                  <a:srgbClr val="0070C0"/>
-                </a:solidFill>
-                <a:latin typeface="微軟正黑體" panose="020B0604030504040204" pitchFamily="34" charset="-120"/>
-              </a:rPr>
-              <a:t>$(document).ready( function ()</a:t>
-            </a:r>
-            <a:r>
-              <a:rPr lang="zh-TW" altLang="en-US" sz="2800" dirty="0">
-                <a:solidFill>
-                  <a:srgbClr val="0070C0"/>
-                </a:solidFill>
-                <a:latin typeface="微軟正黑體" panose="020B0604030504040204" pitchFamily="34" charset="-120"/>
-              </a:rPr>
-              <a:t> </a:t>
-            </a:r>
-            <a:r>
-              <a:rPr lang="en-US" altLang="zh-TW" sz="2800" dirty="0">
-                <a:solidFill>
-                  <a:srgbClr val="0070C0"/>
-                </a:solidFill>
-                <a:latin typeface="微軟正黑體" panose="020B0604030504040204" pitchFamily="34" charset="-120"/>
-              </a:rPr>
-              <a:t>{</a:t>
-            </a:r>
-          </a:p>
-          <a:p>
-            <a:pPr>
-              <a:lnSpc>
-                <a:spcPct val="150000"/>
-              </a:lnSpc>
-            </a:pPr>
-            <a:r>
-              <a:rPr lang="en-US" altLang="zh-TW" sz="2800" dirty="0">
-                <a:solidFill>
-                  <a:srgbClr val="0070C0"/>
-                </a:solidFill>
-                <a:latin typeface="微軟正黑體" panose="020B0604030504040204" pitchFamily="34" charset="-120"/>
-              </a:rPr>
-              <a:t>	</a:t>
-            </a:r>
-            <a:r>
-              <a:rPr lang="zh-TW" altLang="en-US" sz="2800" dirty="0">
-                <a:solidFill>
-                  <a:schemeClr val="accent2"/>
-                </a:solidFill>
-                <a:latin typeface="微軟正黑體" panose="020B0604030504040204" pitchFamily="34" charset="-120"/>
-                <a:ea typeface="微軟正黑體" panose="020B0604030504040204" pitchFamily="34" charset="-120"/>
-              </a:rPr>
-              <a:t>妳的</a:t>
-            </a:r>
-            <a:r>
-              <a:rPr lang="en-US" altLang="zh-TW" sz="2800" dirty="0" err="1">
-                <a:solidFill>
-                  <a:schemeClr val="accent2"/>
-                </a:solidFill>
-                <a:latin typeface="微軟正黑體" panose="020B0604030504040204" pitchFamily="34" charset="-120"/>
-                <a:ea typeface="微軟正黑體" panose="020B0604030504040204" pitchFamily="34" charset="-120"/>
-              </a:rPr>
-              <a:t>JQuery</a:t>
-            </a:r>
-            <a:r>
-              <a:rPr lang="zh-TW" altLang="en-US" sz="2800" dirty="0">
-                <a:solidFill>
-                  <a:schemeClr val="accent2"/>
-                </a:solidFill>
-                <a:latin typeface="微軟正黑體" panose="020B0604030504040204" pitchFamily="34" charset="-120"/>
-                <a:ea typeface="微軟正黑體" panose="020B0604030504040204" pitchFamily="34" charset="-120"/>
-              </a:rPr>
-              <a:t>程式</a:t>
-            </a:r>
-            <a:endParaRPr lang="en-US" altLang="zh-TW" sz="2800" dirty="0">
-              <a:solidFill>
-                <a:schemeClr val="accent2"/>
-              </a:solidFill>
-              <a:latin typeface="微軟正黑體" panose="020B0604030504040204" pitchFamily="34" charset="-120"/>
-              <a:ea typeface="微軟正黑體" panose="020B0604030504040204" pitchFamily="34" charset="-120"/>
-            </a:endParaRPr>
-          </a:p>
-          <a:p>
-            <a:pPr>
-              <a:lnSpc>
-                <a:spcPct val="150000"/>
-              </a:lnSpc>
-            </a:pPr>
-            <a:r>
-              <a:rPr lang="en-US" altLang="zh-TW" sz="2800" dirty="0">
-                <a:solidFill>
-                  <a:srgbClr val="0070C0"/>
-                </a:solidFill>
-                <a:latin typeface="微軟正黑體" panose="020B0604030504040204" pitchFamily="34" charset="-120"/>
-              </a:rPr>
-              <a:t>});</a:t>
-            </a:r>
-            <a:endParaRPr lang="en-US" altLang="zh-TW" sz="2800" dirty="0">
-              <a:solidFill>
-                <a:srgbClr val="0070C0"/>
-              </a:solidFill>
-            </a:endParaRPr>
-          </a:p>
-        </p:txBody>
-      </p:sp>
-    </p:spTree>
-    <p:extLst>
-      <p:ext uri="{BB962C8B-B14F-4D97-AF65-F5344CB8AC3E}">
-        <p14:creationId xmlns:p14="http://schemas.microsoft.com/office/powerpoint/2010/main" val="1745454859"/>
-      </p:ext>
-    </p:extLst>
-  </p:cSld>
-  <p:clrMapOvr>
-    <a:masterClrMapping/>
-  </p:clrMapOvr>
-</p:sld>
-</file>
-
-<file path=ppt/slides/slide6.xml><?xml version="1.0" encoding="utf-8"?>
 <p:sld xmlns:a="http://schemas.openxmlformats.org/drawingml/2006/main" xmlns:r="http://schemas.openxmlformats.org/officeDocument/2006/relationships" xmlns:p="http://schemas.openxmlformats.org/presentationml/2006/main">
   <p:cSld>
     <p:spTree>
@@ -7383,6 +7178,289 @@
 </p:sld>
 </file>
 
+<file path=ppt/slides/slide6.xml><?xml version="1.0" encoding="utf-8"?>
+<p:sld xmlns:a="http://schemas.openxmlformats.org/drawingml/2006/main" xmlns:r="http://schemas.openxmlformats.org/officeDocument/2006/relationships" xmlns:p="http://schemas.openxmlformats.org/presentationml/2006/main">
+  <p:cSld>
+    <p:spTree>
+      <p:nvGrpSpPr>
+        <p:cNvPr id="1" name=""/>
+        <p:cNvGrpSpPr/>
+        <p:nvPr/>
+      </p:nvGrpSpPr>
+      <p:grpSpPr>
+        <a:xfrm>
+          <a:off x="0" y="0"/>
+          <a:ext cx="0" cy="0"/>
+          <a:chOff x="0" y="0"/>
+          <a:chExt cx="0" cy="0"/>
+        </a:xfrm>
+      </p:grpSpPr>
+      <p:sp>
+        <p:nvSpPr>
+          <p:cNvPr id="2" name="標題 1"/>
+          <p:cNvSpPr>
+            <a:spLocks noGrp="1"/>
+          </p:cNvSpPr>
+          <p:nvPr>
+            <p:ph type="title"/>
+          </p:nvPr>
+        </p:nvSpPr>
+        <p:spPr>
+          <a:xfrm>
+            <a:off x="0" y="1"/>
+            <a:ext cx="9144000" cy="836712"/>
+          </a:xfrm>
+        </p:spPr>
+        <p:txBody>
+          <a:bodyPr anchor="b">
+            <a:normAutofit/>
+          </a:bodyPr>
+          <a:lstStyle/>
+          <a:p>
+            <a:pPr algn="ctr"/>
+            <a:r>
+              <a:rPr lang="en-US" altLang="zh-TW" sz="4000" dirty="0">
+                <a:solidFill>
+                  <a:srgbClr val="0070C0"/>
+                </a:solidFill>
+                <a:latin typeface="微軟正黑體" panose="020B0604030504040204" pitchFamily="34" charset="-120"/>
+              </a:rPr>
+              <a:t>$(document).ready( function () {}</a:t>
+            </a:r>
+            <a:r>
+              <a:rPr lang="zh-TW" altLang="en-US" sz="4000" dirty="0">
+                <a:solidFill>
+                  <a:srgbClr val="0070C0"/>
+                </a:solidFill>
+                <a:latin typeface="微軟正黑體" panose="020B0604030504040204" pitchFamily="34" charset="-120"/>
+              </a:rPr>
+              <a:t> </a:t>
+            </a:r>
+            <a:r>
+              <a:rPr lang="en-US" altLang="zh-TW" sz="4000" dirty="0">
+                <a:solidFill>
+                  <a:srgbClr val="0070C0"/>
+                </a:solidFill>
+                <a:latin typeface="微軟正黑體" panose="020B0604030504040204" pitchFamily="34" charset="-120"/>
+              </a:rPr>
+              <a:t>)</a:t>
+            </a:r>
+            <a:endParaRPr lang="zh-TW" altLang="en-US" sz="4000" dirty="0">
+              <a:solidFill>
+                <a:srgbClr val="0070C0"/>
+              </a:solidFill>
+              <a:latin typeface="微軟正黑體" panose="020B0604030504040204" pitchFamily="34" charset="-120"/>
+              <a:ea typeface="微軟正黑體" panose="020B0604030504040204" pitchFamily="34" charset="-120"/>
+            </a:endParaRPr>
+          </a:p>
+        </p:txBody>
+      </p:sp>
+      <p:sp>
+        <p:nvSpPr>
+          <p:cNvPr id="5" name="內容版面配置區 4">
+            <a:extLst>
+              <a:ext uri="{FF2B5EF4-FFF2-40B4-BE49-F238E27FC236}">
+                <a16:creationId xmlns:a16="http://schemas.microsoft.com/office/drawing/2014/main" id="{6E0B32DB-5057-9F4F-9670-073195DD147E}"/>
+              </a:ext>
+            </a:extLst>
+          </p:cNvPr>
+          <p:cNvSpPr>
+            <a:spLocks noGrp="1"/>
+          </p:cNvSpPr>
+          <p:nvPr>
+            <p:ph idx="1"/>
+          </p:nvPr>
+        </p:nvSpPr>
+        <p:spPr>
+          <a:xfrm>
+            <a:off x="251520" y="1124745"/>
+            <a:ext cx="8640960" cy="836712"/>
+          </a:xfrm>
+        </p:spPr>
+        <p:txBody>
+          <a:bodyPr/>
+          <a:lstStyle/>
+          <a:p>
+            <a:pPr marL="0" indent="0" algn="ctr">
+              <a:lnSpc>
+                <a:spcPct val="150000"/>
+              </a:lnSpc>
+              <a:buNone/>
+            </a:pPr>
+            <a:r>
+              <a:rPr lang="zh-TW" altLang="en-US" sz="2500" dirty="0">
+                <a:solidFill>
+                  <a:srgbClr val="0070C0"/>
+                </a:solidFill>
+              </a:rPr>
+              <a:t>為了防止在網頁完全加載完之前運行</a:t>
+            </a:r>
+            <a:r>
+              <a:rPr lang="en-US" altLang="zh-TW" sz="2500" dirty="0" err="1">
+                <a:solidFill>
+                  <a:srgbClr val="0070C0"/>
+                </a:solidFill>
+              </a:rPr>
+              <a:t>JQuery</a:t>
+            </a:r>
+            <a:endParaRPr lang="en-US" altLang="zh-TW" sz="2500" dirty="0">
+              <a:solidFill>
+                <a:srgbClr val="0070C0"/>
+              </a:solidFill>
+            </a:endParaRPr>
+          </a:p>
+        </p:txBody>
+      </p:sp>
+      <p:sp>
+        <p:nvSpPr>
+          <p:cNvPr id="3" name="文字方塊 2">
+            <a:extLst>
+              <a:ext uri="{FF2B5EF4-FFF2-40B4-BE49-F238E27FC236}">
+                <a16:creationId xmlns:a16="http://schemas.microsoft.com/office/drawing/2014/main" id="{F83584EC-BA96-4810-AB19-D58535C90265}"/>
+              </a:ext>
+            </a:extLst>
+          </p:cNvPr>
+          <p:cNvSpPr txBox="1"/>
+          <p:nvPr/>
+        </p:nvSpPr>
+        <p:spPr>
+          <a:xfrm>
+            <a:off x="1822570" y="2448058"/>
+            <a:ext cx="5498860" cy="1961884"/>
+          </a:xfrm>
+          <a:prstGeom prst="rect">
+            <a:avLst/>
+          </a:prstGeom>
+          <a:noFill/>
+        </p:spPr>
+        <p:txBody>
+          <a:bodyPr wrap="square" rtlCol="0">
+            <a:spAutoFit/>
+          </a:bodyPr>
+          <a:lstStyle/>
+          <a:p>
+            <a:pPr>
+              <a:lnSpc>
+                <a:spcPct val="150000"/>
+              </a:lnSpc>
+            </a:pPr>
+            <a:r>
+              <a:rPr lang="en-US" altLang="zh-TW" sz="2800" dirty="0">
+                <a:solidFill>
+                  <a:srgbClr val="0070C0"/>
+                </a:solidFill>
+                <a:latin typeface="微軟正黑體" panose="020B0604030504040204" pitchFamily="34" charset="-120"/>
+              </a:rPr>
+              <a:t>$(document).ready( function ()</a:t>
+            </a:r>
+            <a:r>
+              <a:rPr lang="zh-TW" altLang="en-US" sz="2800" dirty="0">
+                <a:solidFill>
+                  <a:srgbClr val="0070C0"/>
+                </a:solidFill>
+                <a:latin typeface="微軟正黑體" panose="020B0604030504040204" pitchFamily="34" charset="-120"/>
+              </a:rPr>
+              <a:t> </a:t>
+            </a:r>
+            <a:r>
+              <a:rPr lang="en-US" altLang="zh-TW" sz="2800" dirty="0">
+                <a:solidFill>
+                  <a:srgbClr val="0070C0"/>
+                </a:solidFill>
+                <a:latin typeface="微軟正黑體" panose="020B0604030504040204" pitchFamily="34" charset="-120"/>
+              </a:rPr>
+              <a:t>{</a:t>
+            </a:r>
+          </a:p>
+          <a:p>
+            <a:pPr>
+              <a:lnSpc>
+                <a:spcPct val="150000"/>
+              </a:lnSpc>
+            </a:pPr>
+            <a:r>
+              <a:rPr lang="en-US" altLang="zh-TW" sz="2800" dirty="0">
+                <a:solidFill>
+                  <a:srgbClr val="0070C0"/>
+                </a:solidFill>
+                <a:latin typeface="微軟正黑體" panose="020B0604030504040204" pitchFamily="34" charset="-120"/>
+              </a:rPr>
+              <a:t>	</a:t>
+            </a:r>
+            <a:r>
+              <a:rPr lang="zh-TW" altLang="en-US" sz="2800" dirty="0">
+                <a:solidFill>
+                  <a:schemeClr val="accent2"/>
+                </a:solidFill>
+                <a:latin typeface="微軟正黑體" panose="020B0604030504040204" pitchFamily="34" charset="-120"/>
+                <a:ea typeface="微軟正黑體" panose="020B0604030504040204" pitchFamily="34" charset="-120"/>
+              </a:rPr>
+              <a:t>妳的</a:t>
+            </a:r>
+            <a:r>
+              <a:rPr lang="en-US" altLang="zh-TW" sz="2800" dirty="0" err="1">
+                <a:solidFill>
+                  <a:schemeClr val="accent2"/>
+                </a:solidFill>
+                <a:latin typeface="微軟正黑體" panose="020B0604030504040204" pitchFamily="34" charset="-120"/>
+                <a:ea typeface="微軟正黑體" panose="020B0604030504040204" pitchFamily="34" charset="-120"/>
+              </a:rPr>
+              <a:t>JQuery</a:t>
+            </a:r>
+            <a:r>
+              <a:rPr lang="zh-TW" altLang="en-US" sz="2800" dirty="0">
+                <a:solidFill>
+                  <a:schemeClr val="accent2"/>
+                </a:solidFill>
+                <a:latin typeface="微軟正黑體" panose="020B0604030504040204" pitchFamily="34" charset="-120"/>
+                <a:ea typeface="微軟正黑體" panose="020B0604030504040204" pitchFamily="34" charset="-120"/>
+              </a:rPr>
+              <a:t>程式</a:t>
+            </a:r>
+            <a:endParaRPr lang="en-US" altLang="zh-TW" sz="2800" dirty="0">
+              <a:solidFill>
+                <a:schemeClr val="accent2"/>
+              </a:solidFill>
+              <a:latin typeface="微軟正黑體" panose="020B0604030504040204" pitchFamily="34" charset="-120"/>
+              <a:ea typeface="微軟正黑體" panose="020B0604030504040204" pitchFamily="34" charset="-120"/>
+            </a:endParaRPr>
+          </a:p>
+          <a:p>
+            <a:pPr>
+              <a:lnSpc>
+                <a:spcPct val="150000"/>
+              </a:lnSpc>
+            </a:pPr>
+            <a:r>
+              <a:rPr lang="en-US" altLang="zh-TW" sz="2800" dirty="0">
+                <a:solidFill>
+                  <a:srgbClr val="0070C0"/>
+                </a:solidFill>
+                <a:latin typeface="微軟正黑體" panose="020B0604030504040204" pitchFamily="34" charset="-120"/>
+              </a:rPr>
+              <a:t>});</a:t>
+            </a:r>
+            <a:endParaRPr lang="en-US" altLang="zh-TW" sz="2800" dirty="0">
+              <a:solidFill>
+                <a:srgbClr val="0070C0"/>
+              </a:solidFill>
+            </a:endParaRPr>
+          </a:p>
+        </p:txBody>
+      </p:sp>
+    </p:spTree>
+    <p:extLst>
+      <p:ext uri="{BB962C8B-B14F-4D97-AF65-F5344CB8AC3E}">
+        <p14:creationId xmlns:p14="http://schemas.microsoft.com/office/powerpoint/2010/main" val="1745454859"/>
+      </p:ext>
+    </p:extLst>
+  </p:cSld>
+  <p:clrMapOvr>
+    <a:masterClrMapping/>
+  </p:clrMapOvr>
+</p:sld>
+</file>
+
 <file path=ppt/slides/slide7.xml><?xml version="1.0" encoding="utf-8"?>
 <p:sld xmlns:a="http://schemas.openxmlformats.org/drawingml/2006/main" xmlns:r="http://schemas.openxmlformats.org/officeDocument/2006/relationships" xmlns:p="http://schemas.openxmlformats.org/presentationml/2006/main">
   <p:cSld>
@@ -7462,7 +7540,7 @@
         </p:nvSpPr>
         <p:spPr>
           <a:xfrm>
-            <a:off x="251520" y="1916832"/>
+            <a:off x="251520" y="1628800"/>
             <a:ext cx="8640960" cy="3024336"/>
           </a:xfrm>
         </p:spPr>
@@ -7549,6 +7627,20 @@
               </a:rPr>
               <a:t>" "</a:t>
             </a:r>
+          </a:p>
+          <a:p>
+            <a:pPr marL="0" indent="0" algn="ctr">
+              <a:lnSpc>
+                <a:spcPct val="150000"/>
+              </a:lnSpc>
+              <a:buNone/>
+            </a:pPr>
+            <a:endParaRPr lang="en-US" altLang="zh-TW" sz="2700" dirty="0">
+              <a:solidFill>
+                <a:schemeClr val="accent2"/>
+              </a:solidFill>
+              <a:latin typeface="微軟正黑體" panose="020B0604030504040204" pitchFamily="34" charset="-120"/>
+            </a:endParaRPr>
           </a:p>
           <a:p>
             <a:pPr marL="0" indent="0" algn="ctr">
@@ -7854,7 +7946,7 @@
         </p:spPr>
         <p:txBody>
           <a:bodyPr>
-            <a:normAutofit lnSpcReduction="10000"/>
+            <a:normAutofit fontScale="92500" lnSpcReduction="20000"/>
           </a:bodyPr>
           <a:lstStyle/>
           <a:p>
@@ -7945,13 +8037,22 @@
               <a:t>") . </a:t>
             </a:r>
             <a:r>
+              <a:rPr lang="en" altLang="zh-TW" sz="2500" dirty="0" err="1">
+                <a:solidFill>
+                  <a:srgbClr val="0070C0"/>
+                </a:solidFill>
+                <a:latin typeface="arial" panose="020B0604020202020204" pitchFamily="34" charset="0"/>
+              </a:rPr>
+              <a:t>addEventListener</a:t>
+            </a:r>
+            <a:r>
               <a:rPr lang="en-US" altLang="zh-TW" sz="2500" dirty="0">
                 <a:solidFill>
                   <a:srgbClr val="00B050"/>
                 </a:solidFill>
                 <a:latin typeface="微軟正黑體" panose="020B0604030504040204" pitchFamily="34" charset="-120"/>
               </a:rPr>
-              <a:t>onclick</a:t>
+              <a:t>( </a:t>
             </a:r>
             <a:r>
               <a:rPr lang="en-US" altLang="zh-TW" sz="2500" dirty="0">
@@ -7960,17 +8061,23 @@
                 </a:solidFill>
                 <a:latin typeface="微軟正黑體" panose="020B0604030504040204" pitchFamily="34" charset="-120"/>
               </a:rPr>
-              <a:t> = </a:t>
+              <a:t>'click' , function()</a:t>
             </a:r>
             <a:r>
               <a:rPr lang="en-US" altLang="zh-TW" sz="2500" dirty="0">
                 <a:solidFill>
-                  <a:schemeClr val="accent2"/>
-                </a:solidFill>
-                <a:latin typeface="微軟正黑體" panose="020B0604030504040204" pitchFamily="34" charset="-120"/>
-              </a:rPr>
-              <a:t>function()</a:t>
-            </a:r>
+                  <a:srgbClr val="00B050"/>
+                </a:solidFill>
+                <a:latin typeface="微軟正黑體" panose="020B0604030504040204" pitchFamily="34" charset="-120"/>
+              </a:rPr>
+              <a:t> )</a:t>
+            </a:r>
+            <a:endParaRPr lang="en-US" altLang="zh-TW" sz="2500" dirty="0">
+              <a:solidFill>
+                <a:schemeClr val="accent2"/>
+              </a:solidFill>
+              <a:latin typeface="微軟正黑體" panose="020B0604030504040204" pitchFamily="34" charset="-120"/>
+            </a:endParaRPr>
           </a:p>
           <a:p>
             <a:pPr marL="0" indent="0" algn="ctr">
@@ -8041,7 +8148,7 @@
                 </a:solidFill>
                 <a:latin typeface="微軟正黑體" panose="020B0604030504040204" pitchFamily="34" charset="-120"/>
               </a:rPr>
-              <a:t>") . click(function() {</a:t>
+              <a:t>") . on ( ' click ', function() {</a:t>
             </a:r>
           </a:p>
           <a:p>
@@ -8203,12 +8310,14 @@
         </p:nvSpPr>
         <p:spPr>
           <a:xfrm>
-            <a:off x="251520" y="902890"/>
-            <a:ext cx="8640960" cy="5052219"/>
+            <a:off x="909932" y="1389617"/>
+            <a:ext cx="2160240" cy="1085949"/>
           </a:xfrm>
         </p:spPr>
         <p:txBody>
-          <a:bodyPr/>
+          <a:bodyPr>
+            <a:normAutofit/>
+          </a:bodyPr>
           <a:lstStyle/>
           <a:p>
             <a:pPr marL="0" indent="0">
@@ -8217,6 +8326,15 @@
               </a:lnSpc>
               <a:buNone/>
             </a:pPr>
+            <a:r>
+              <a:rPr lang="zh-TW" altLang="en-US" sz="2500" dirty="0">
+                <a:solidFill>
+                  <a:srgbClr val="0070C0"/>
+                </a:solidFill>
+                <a:latin typeface="微軟正黑體" panose="020B0604030504040204" pitchFamily="34" charset="-120"/>
+              </a:rPr>
+              <a:t>獲取元素屬性</a:t>
+            </a:r>
             <a:endParaRPr lang="en-US" altLang="zh-TW" sz="2500" dirty="0">
               <a:solidFill>
                 <a:srgbClr val="0070C0"/>
@@ -8232,238 +8350,31 @@
               <a:buNone/>
             </a:pPr>
             <a:r>
+              <a:rPr lang="en-US" altLang="zh-TW" sz="2500" dirty="0" err="1">
+                <a:solidFill>
+                  <a:srgbClr val="0070C0"/>
+                </a:solidFill>
+                <a:latin typeface="微軟正黑體" panose="020B0604030504040204" pitchFamily="34" charset="-120"/>
+              </a:rPr>
+              <a:t>attr</a:t>
+            </a:r>
+            <a:r>
               <a:rPr lang="en-US" altLang="zh-TW" sz="2500" dirty="0">
                 <a:solidFill>
                   <a:srgbClr val="0070C0"/>
                 </a:solidFill>
                 <a:latin typeface="微軟正黑體" panose="020B0604030504040204" pitchFamily="34" charset="-120"/>
               </a:rPr>
-              <a:t>	</a:t>
-            </a:r>
-          </a:p>
-          <a:p>
-            <a:pPr marL="0" indent="0">
-              <a:lnSpc>
-                <a:spcPct val="100000"/>
-              </a:lnSpc>
-              <a:buNone/>
-            </a:pPr>
-            <a:r>
-              <a:rPr lang="en-US" altLang="zh-TW" sz="2500" dirty="0">
-                <a:solidFill>
-                  <a:srgbClr val="0070C0"/>
-                </a:solidFill>
-                <a:latin typeface="微軟正黑體" panose="020B0604030504040204" pitchFamily="34" charset="-120"/>
-              </a:rPr>
-              <a:t>      </a:t>
+              <a:t>("</a:t>
             </a:r>
             <a:r>
               <a:rPr lang="zh-TW" altLang="en-US" sz="2500" dirty="0">
                 <a:solidFill>
-                  <a:srgbClr val="0070C0"/>
-                </a:solidFill>
-                <a:latin typeface="微軟正黑體" panose="020B0604030504040204" pitchFamily="34" charset="-120"/>
-              </a:rPr>
-              <a:t>獲取元素屬性</a:t>
-            </a:r>
-            <a:endParaRPr lang="en-US" altLang="zh-TW" sz="2500" dirty="0">
-              <a:solidFill>
-                <a:srgbClr val="0070C0"/>
-              </a:solidFill>
-              <a:latin typeface="微軟正黑體" panose="020B0604030504040204" pitchFamily="34" charset="-120"/>
-            </a:endParaRPr>
-          </a:p>
-          <a:p>
-            <a:pPr marL="0" indent="0">
-              <a:lnSpc>
-                <a:spcPct val="100000"/>
-              </a:lnSpc>
-              <a:buNone/>
-            </a:pPr>
-            <a:r>
-              <a:rPr lang="en-US" altLang="zh-TW" sz="2500" dirty="0">
-                <a:solidFill>
-                  <a:srgbClr val="0070C0"/>
-                </a:solidFill>
-                <a:latin typeface="微軟正黑體" panose="020B0604030504040204" pitchFamily="34" charset="-120"/>
-              </a:rPr>
-              <a:t>      </a:t>
-            </a:r>
-            <a:r>
-              <a:rPr lang="en-US" altLang="zh-TW" sz="2500" dirty="0" err="1">
-                <a:solidFill>
-                  <a:srgbClr val="0070C0"/>
-                </a:solidFill>
-                <a:latin typeface="微軟正黑體" panose="020B0604030504040204" pitchFamily="34" charset="-120"/>
-              </a:rPr>
-              <a:t>attr</a:t>
-            </a:r>
-            <a:r>
-              <a:rPr lang="en-US" altLang="zh-TW" sz="2500" dirty="0">
-                <a:solidFill>
-                  <a:srgbClr val="0070C0"/>
-                </a:solidFill>
-                <a:latin typeface="微軟正黑體" panose="020B0604030504040204" pitchFamily="34" charset="-120"/>
-              </a:rPr>
-              <a:t>("</a:t>
-            </a:r>
-            <a:r>
-              <a:rPr lang="zh-TW" altLang="en-US" sz="2500" dirty="0">
-                <a:solidFill>
                   <a:schemeClr val="accent2"/>
                 </a:solidFill>
                 <a:latin typeface="微軟正黑體" panose="020B0604030504040204" pitchFamily="34" charset="-120"/>
               </a:rPr>
               <a:t>屬姓名</a:t>
-            </a:r>
-            <a:r>
-              <a:rPr lang="en-US" altLang="zh-TW" sz="2500" dirty="0">
-                <a:solidFill>
-                  <a:srgbClr val="0070C0"/>
-                </a:solidFill>
-                <a:latin typeface="微軟正黑體" panose="020B0604030504040204" pitchFamily="34" charset="-120"/>
-              </a:rPr>
-              <a:t>")</a:t>
-            </a:r>
-          </a:p>
-          <a:p>
-            <a:pPr marL="0" indent="0" algn="ctr">
-              <a:lnSpc>
-                <a:spcPct val="100000"/>
-              </a:lnSpc>
-              <a:buNone/>
-            </a:pPr>
-            <a:endParaRPr lang="en-US" altLang="zh-TW" sz="2500" dirty="0">
-              <a:solidFill>
-                <a:srgbClr val="0070C0"/>
-              </a:solidFill>
-              <a:latin typeface="微軟正黑體" panose="020B0604030504040204" pitchFamily="34" charset="-120"/>
-            </a:endParaRPr>
-          </a:p>
-          <a:p>
-            <a:pPr marL="0" indent="0" algn="ctr">
-              <a:lnSpc>
-                <a:spcPct val="100000"/>
-              </a:lnSpc>
-              <a:buNone/>
-            </a:pPr>
-            <a:endParaRPr lang="en-US" altLang="zh-TW" sz="2500" dirty="0">
-              <a:solidFill>
-                <a:srgbClr val="0070C0"/>
-              </a:solidFill>
-              <a:latin typeface="微軟正黑體" panose="020B0604030504040204" pitchFamily="34" charset="-120"/>
-            </a:endParaRPr>
-          </a:p>
-          <a:p>
-            <a:pPr marL="0" indent="0">
-              <a:lnSpc>
-                <a:spcPct val="100000"/>
-              </a:lnSpc>
-              <a:buNone/>
-            </a:pPr>
-            <a:r>
-              <a:rPr lang="en-US" altLang="zh-TW" sz="2500" dirty="0">
-                <a:solidFill>
-                  <a:srgbClr val="0070C0"/>
-                </a:solidFill>
-                <a:latin typeface="微軟正黑體" panose="020B0604030504040204" pitchFamily="34" charset="-120"/>
-              </a:rPr>
-              <a:t>      </a:t>
-            </a:r>
-            <a:r>
-              <a:rPr lang="zh-TW" altLang="en-US" sz="2500" dirty="0">
-                <a:solidFill>
-                  <a:srgbClr val="0070C0"/>
-                </a:solidFill>
-                <a:latin typeface="微軟正黑體" panose="020B0604030504040204" pitchFamily="34" charset="-120"/>
-              </a:rPr>
-              <a:t>設定元素屬性</a:t>
-            </a:r>
-            <a:endParaRPr lang="en-US" altLang="zh-TW" sz="2500" dirty="0">
-              <a:solidFill>
-                <a:srgbClr val="0070C0"/>
-              </a:solidFill>
-              <a:latin typeface="微軟正黑體" panose="020B0604030504040204" pitchFamily="34" charset="-120"/>
-            </a:endParaRPr>
-          </a:p>
-          <a:p>
-            <a:pPr marL="0" indent="0">
-              <a:lnSpc>
-                <a:spcPct val="100000"/>
-              </a:lnSpc>
-              <a:buNone/>
-            </a:pPr>
-            <a:r>
-              <a:rPr lang="en-US" altLang="zh-TW" sz="2500" dirty="0">
-                <a:solidFill>
-                  <a:srgbClr val="0070C0"/>
-                </a:solidFill>
-                <a:latin typeface="微軟正黑體" panose="020B0604030504040204" pitchFamily="34" charset="-120"/>
-              </a:rPr>
-              <a:t>      </a:t>
-            </a:r>
-            <a:r>
-              <a:rPr lang="en-US" altLang="zh-TW" sz="2500" dirty="0" err="1">
-                <a:solidFill>
-                  <a:srgbClr val="0070C0"/>
-                </a:solidFill>
-                <a:latin typeface="微軟正黑體" panose="020B0604030504040204" pitchFamily="34" charset="-120"/>
-              </a:rPr>
-              <a:t>attr</a:t>
-            </a:r>
-            <a:r>
-              <a:rPr lang="en-US" altLang="zh-TW" sz="2500" dirty="0">
-                <a:solidFill>
-                  <a:srgbClr val="0070C0"/>
-                </a:solidFill>
-                <a:latin typeface="微軟正黑體" panose="020B0604030504040204" pitchFamily="34" charset="-120"/>
-              </a:rPr>
-              <a:t>("</a:t>
-            </a:r>
-            <a:r>
-              <a:rPr lang="zh-TW" altLang="en-US" sz="2500" dirty="0">
-                <a:solidFill>
-                  <a:srgbClr val="0070C0"/>
-                </a:solidFill>
-                <a:latin typeface="微軟正黑體" panose="020B0604030504040204" pitchFamily="34" charset="-120"/>
-              </a:rPr>
-              <a:t>屬姓名</a:t>
-            </a:r>
-            <a:r>
-              <a:rPr lang="en-US" altLang="zh-TW" sz="2500" dirty="0">
-                <a:solidFill>
-                  <a:srgbClr val="0070C0"/>
-                </a:solidFill>
-                <a:latin typeface="微軟正黑體" panose="020B0604030504040204" pitchFamily="34" charset="-120"/>
-              </a:rPr>
-              <a:t>"</a:t>
-            </a:r>
-            <a:r>
-              <a:rPr lang="zh-TW" altLang="en-US" sz="2500" dirty="0">
-                <a:solidFill>
-                  <a:srgbClr val="0070C0"/>
-                </a:solidFill>
-                <a:latin typeface="微軟正黑體" panose="020B0604030504040204" pitchFamily="34" charset="-120"/>
-              </a:rPr>
-              <a:t> </a:t>
-            </a:r>
-            <a:r>
-              <a:rPr lang="en-US" altLang="zh-TW" sz="2500" dirty="0">
-                <a:solidFill>
-                  <a:srgbClr val="0070C0"/>
-                </a:solidFill>
-                <a:latin typeface="微軟正黑體" panose="020B0604030504040204" pitchFamily="34" charset="-120"/>
-              </a:rPr>
-              <a:t>, "</a:t>
-            </a:r>
-            <a:r>
-              <a:rPr lang="zh-TW" altLang="en-US" sz="2500" dirty="0">
-                <a:solidFill>
-                  <a:srgbClr val="0070C0"/>
-                </a:solidFill>
-                <a:latin typeface="微軟正黑體" panose="020B0604030504040204" pitchFamily="34" charset="-120"/>
-              </a:rPr>
-              <a:t>屬姓值</a:t>
             </a:r>
             <a:r>
               <a:rPr lang="en-US" altLang="zh-TW" sz="2500" dirty="0">
@@ -8491,10 +8402,10 @@
         </p:nvGrpSpPr>
         <p:grpSpPr>
           <a:xfrm>
-            <a:off x="4427984" y="1523690"/>
-            <a:ext cx="3516997" cy="1588076"/>
-            <a:chOff x="3707904" y="1988840"/>
-            <a:chExt cx="3516997" cy="1588076"/>
+            <a:off x="4063420" y="1109325"/>
+            <a:ext cx="4470104" cy="1588076"/>
+            <a:chOff x="3198240" y="1988840"/>
+            <a:chExt cx="4470104" cy="1588076"/>
           </a:xfrm>
         </p:grpSpPr>
         <p:grpSp>
@@ -8511,10 +8422,10 @@
           </p:nvGrpSpPr>
           <p:grpSpPr>
             <a:xfrm>
-              <a:off x="3707904" y="1988840"/>
-              <a:ext cx="3516997" cy="1584176"/>
-              <a:chOff x="1017178" y="2996952"/>
-              <a:chExt cx="7011206" cy="2376264"/>
+              <a:off x="3198240" y="1988840"/>
+              <a:ext cx="4470104" cy="1584176"/>
+              <a:chOff x="1152" y="2996952"/>
+              <a:chExt cx="8911245" cy="2376264"/>
             </a:xfrm>
           </p:grpSpPr>
           <p:sp>
@@ -8531,8 +8442,8 @@
             </p:nvSpPr>
             <p:spPr>
               <a:xfrm>
-                <a:off x="1017178" y="2996952"/>
-                <a:ext cx="7011206" cy="2376264"/>
+                <a:off x="1152" y="2996952"/>
+                <a:ext cx="8911245" cy="2376264"/>
               </a:xfrm>
               <a:prstGeom prst="roundRect">
                 <a:avLst/>
@@ -8569,7 +8480,7 @@
               <a:lstStyle/>
               <a:p>
                 <a:pPr algn="ctr"/>
-                <a:endParaRPr kumimoji="1" lang="zh-TW" altLang="en-US"/>
+                <a:endParaRPr kumimoji="1" lang="zh-TW" altLang="en-US" dirty="0"/>
               </a:p>
             </p:txBody>
           </p:sp>
@@ -8842,10 +8753,10 @@
         </p:nvGrpSpPr>
         <p:grpSpPr>
           <a:xfrm>
-            <a:off x="4427984" y="3574945"/>
-            <a:ext cx="4464497" cy="1972796"/>
-            <a:chOff x="3707904" y="1988840"/>
-            <a:chExt cx="3516997" cy="1972796"/>
+            <a:off x="1043608" y="4382475"/>
+            <a:ext cx="7056784" cy="1938348"/>
+            <a:chOff x="1665777" y="1988840"/>
+            <a:chExt cx="5559124" cy="1938348"/>
           </a:xfrm>
         </p:grpSpPr>
         <p:grpSp>
@@ -8862,10 +8773,10 @@
           </p:nvGrpSpPr>
           <p:grpSpPr>
             <a:xfrm>
-              <a:off x="3707904" y="1988840"/>
-              <a:ext cx="3516997" cy="1584176"/>
-              <a:chOff x="1017178" y="2996952"/>
-              <a:chExt cx="7011206" cy="2376264"/>
+              <a:off x="1665777" y="1988840"/>
+              <a:ext cx="5559124" cy="1584176"/>
+              <a:chOff x="-3053845" y="2996952"/>
+              <a:chExt cx="11082229" cy="2376264"/>
             </a:xfrm>
           </p:grpSpPr>
           <p:sp>
@@ -8882,8 +8793,8 @@
             </p:nvSpPr>
             <p:spPr>
               <a:xfrm>
-                <a:off x="1017178" y="2996952"/>
-                <a:ext cx="7011206" cy="2376264"/>
+                <a:off x="-3053845" y="2996952"/>
+                <a:ext cx="11082229" cy="2376264"/>
               </a:xfrm>
               <a:prstGeom prst="roundRect">
                 <a:avLst/>
@@ -8938,8 +8849,8 @@
             </p:nvSpPr>
             <p:spPr>
               <a:xfrm>
-                <a:off x="1024033" y="3898005"/>
-                <a:ext cx="6997504" cy="715581"/>
+                <a:off x="-2940761" y="3871283"/>
+                <a:ext cx="10849212" cy="715581"/>
               </a:xfrm>
               <a:prstGeom prst="rect">
                 <a:avLst/>
@@ -8947,7 +8858,7 @@
               <a:noFill/>
             </p:spPr>
             <p:txBody>
-              <a:bodyPr wrap="none" rtlCol="0">
+              <a:bodyPr wrap="square" rtlCol="0">
                 <a:spAutoFit/>
               </a:bodyPr>
               <a:lstStyle/>
@@ -9054,8 +8965,8 @@
             </p:nvSpPr>
             <p:spPr>
               <a:xfrm>
-                <a:off x="2568833" y="3138375"/>
-                <a:ext cx="3907907" cy="715581"/>
+                <a:off x="-1014908" y="3130752"/>
+                <a:ext cx="6997504" cy="715581"/>
               </a:xfrm>
               <a:prstGeom prst="rect">
                 <a:avLst/>
@@ -9063,7 +8974,7 @@
               <a:noFill/>
             </p:spPr>
             <p:txBody>
-              <a:bodyPr wrap="none" rtlCol="0">
+              <a:bodyPr wrap="square" rtlCol="0">
                 <a:spAutoFit/>
               </a:bodyPr>
               <a:lstStyle/>
@@ -9153,8 +9064,8 @@
           </p:nvSpPr>
           <p:spPr>
             <a:xfrm>
-              <a:off x="3897805" y="3099862"/>
-              <a:ext cx="3137194" cy="861774"/>
+              <a:off x="2411357" y="3065414"/>
+              <a:ext cx="4064529" cy="861774"/>
             </a:xfrm>
             <a:prstGeom prst="rect">
               <a:avLst/>
@@ -9162,7 +9073,7 @@
             <a:noFill/>
           </p:spPr>
           <p:txBody>
-            <a:bodyPr wrap="none" rtlCol="0">
+            <a:bodyPr wrap="square" rtlCol="0">
               <a:spAutoFit/>
             </a:bodyPr>
             <a:lstStyle/>
@@ -9257,6 +9168,278 @@
           </p:txBody>
         </p:sp>
       </p:grpSp>
+      <p:sp>
+        <p:nvSpPr>
+          <p:cNvPr id="19" name="內容版面配置區 4">
+            <a:extLst>
+              <a:ext uri="{FF2B5EF4-FFF2-40B4-BE49-F238E27FC236}">
+                <a16:creationId xmlns:a16="http://schemas.microsoft.com/office/drawing/2014/main" id="{51EA3C21-9D3D-714C-BDC9-B34A56989876}"/>
+              </a:ext>
+            </a:extLst>
+          </p:cNvPr>
+          <p:cNvSpPr txBox="1">
+            <a:spLocks/>
+          </p:cNvSpPr>
+          <p:nvPr/>
+        </p:nvSpPr>
+        <p:spPr>
+          <a:xfrm>
+            <a:off x="2841163" y="3250305"/>
+            <a:ext cx="3457309" cy="1085949"/>
+          </a:xfrm>
+          <a:prstGeom prst="rect">
+            <a:avLst/>
+          </a:prstGeom>
+        </p:spPr>
+        <p:txBody>
+          <a:bodyPr vert="horz" lIns="91440" tIns="45720" rIns="91440" bIns="45720" rtlCol="0">
+            <a:normAutofit fontScale="92500"/>
+          </a:bodyPr>
+          <a:lstStyle>
+            <a:lvl1pPr marL="171450" indent="-171450" algn="l" defTabSz="685800" rtl="0" eaLnBrk="1" latinLnBrk="0" hangingPunct="1">
+              <a:lnSpc>
+                <a:spcPct val="90000"/>
+              </a:lnSpc>
+              <a:spcBef>
+                <a:spcPts val="750"/>
+              </a:spcBef>
+              <a:buFont typeface="Arial" panose="020B0604020202020204" pitchFamily="34" charset="0"/>
+              <a:buChar char="•"/>
+              <a:defRPr sz="2100" kern="1200">
+                <a:solidFill>
+                  <a:schemeClr val="tx1"/>
+                </a:solidFill>
+                <a:latin typeface="+mn-lt"/>
+                <a:ea typeface="微軟正黑體" panose="020B0604030504040204" pitchFamily="34" charset="-120"/>
+                <a:cs typeface="+mn-cs"/>
+              </a:defRPr>
+            </a:lvl1pPr>
+            <a:lvl2pPr marL="514350" indent="-171450" algn="l" defTabSz="685800" rtl="0" eaLnBrk="1" latinLnBrk="0" hangingPunct="1">
+              <a:lnSpc>
+                <a:spcPct val="90000"/>
+              </a:lnSpc>
+              <a:spcBef>
+                <a:spcPts val="375"/>
+              </a:spcBef>
+              <a:buFont typeface="Arial" panose="020B0604020202020204" pitchFamily="34" charset="0"/>
+              <a:buChar char="•"/>
+              <a:defRPr sz="1800" kern="1200">
+                <a:solidFill>
+                  <a:schemeClr val="tx1"/>
+                </a:solidFill>
+                <a:latin typeface="+mn-lt"/>
+                <a:ea typeface="微軟正黑體" panose="020B0604030504040204" pitchFamily="34" charset="-120"/>
+                <a:cs typeface="+mn-cs"/>
+              </a:defRPr>
+            </a:lvl2pPr>
+            <a:lvl3pPr marL="857250" indent="-171450" algn="l" defTabSz="685800" rtl="0" eaLnBrk="1" latinLnBrk="0" hangingPunct="1">
+              <a:lnSpc>
+                <a:spcPct val="90000"/>
+              </a:lnSpc>
+              <a:spcBef>
+                <a:spcPts val="375"/>
+              </a:spcBef>
+              <a:buFont typeface="Arial" panose="020B0604020202020204" pitchFamily="34" charset="0"/>
+              <a:buChar char="•"/>
+              <a:defRPr sz="1500" kern="1200">
+                <a:solidFill>
+                  <a:schemeClr val="tx1"/>
+                </a:solidFill>
+                <a:latin typeface="+mn-lt"/>
+                <a:ea typeface="微軟正黑體" panose="020B0604030504040204" pitchFamily="34" charset="-120"/>
+                <a:cs typeface="+mn-cs"/>
+              </a:defRPr>
+            </a:lvl3pPr>
+            <a:lvl4pPr marL="1200150" indent="-171450" algn="l" defTabSz="685800" rtl="0" eaLnBrk="1" latinLnBrk="0" hangingPunct="1">
+              <a:lnSpc>
+                <a:spcPct val="90000"/>
+              </a:lnSpc>
+              <a:spcBef>
+                <a:spcPts val="375"/>
+              </a:spcBef>
+              <a:buFont typeface="Arial" panose="020B0604020202020204" pitchFamily="34" charset="0"/>
+              <a:buChar char="•"/>
+              <a:defRPr sz="1350" kern="1200">
+                <a:solidFill>
+                  <a:schemeClr val="tx1"/>
+                </a:solidFill>
+                <a:latin typeface="+mn-lt"/>
+                <a:ea typeface="微軟正黑體" panose="020B0604030504040204" pitchFamily="34" charset="-120"/>
+                <a:cs typeface="+mn-cs"/>
+              </a:defRPr>
+            </a:lvl4pPr>
+            <a:lvl5pPr marL="1543050" indent="-171450" algn="l" defTabSz="685800" rtl="0" eaLnBrk="1" latinLnBrk="0" hangingPunct="1">
+              <a:lnSpc>
+                <a:spcPct val="90000"/>
+              </a:lnSpc>
+              <a:spcBef>
+                <a:spcPts val="375"/>
+              </a:spcBef>
+              <a:buFont typeface="Arial" panose="020B0604020202020204" pitchFamily="34" charset="0"/>
+              <a:buChar char="•"/>
+              <a:defRPr sz="1350" kern="1200">
+                <a:solidFill>
+                  <a:schemeClr val="tx1"/>
+                </a:solidFill>
+                <a:latin typeface="+mn-lt"/>
+                <a:ea typeface="微軟正黑體" panose="020B0604030504040204" pitchFamily="34" charset="-120"/>
+                <a:cs typeface="+mn-cs"/>
+              </a:defRPr>
+            </a:lvl5pPr>
+            <a:lvl6pPr marL="1885950" indent="-171450" algn="l" defTabSz="685800" rtl="0" eaLnBrk="1" latinLnBrk="0" hangingPunct="1">
+              <a:lnSpc>
+                <a:spcPct val="90000"/>
+              </a:lnSpc>
+              <a:spcBef>
+                <a:spcPts val="375"/>
+              </a:spcBef>
+              <a:buFont typeface="Arial" panose="020B0604020202020204" pitchFamily="34" charset="0"/>
+              <a:buChar char="•"/>
+              <a:defRPr sz="1350" kern="1200">
+                <a:solidFill>
+                  <a:schemeClr val="tx1"/>
+                </a:solidFill>
+                <a:latin typeface="+mn-lt"/>
+                <a:ea typeface="+mn-ea"/>
+                <a:cs typeface="+mn-cs"/>
+              </a:defRPr>
+            </a:lvl6pPr>
+            <a:lvl7pPr marL="2228850" indent="-171450" algn="l" defTabSz="685800" rtl="0" eaLnBrk="1" latinLnBrk="0" hangingPunct="1">
+              <a:lnSpc>
+                <a:spcPct val="90000"/>
+              </a:lnSpc>
+              <a:spcBef>
+                <a:spcPts val="375"/>
+              </a:spcBef>
+              <a:buFont typeface="Arial" panose="020B0604020202020204" pitchFamily="34" charset="0"/>
+              <a:buChar char="•"/>
+              <a:defRPr sz="1350" kern="1200">
+                <a:solidFill>
+                  <a:schemeClr val="tx1"/>
+                </a:solidFill>
+                <a:latin typeface="+mn-lt"/>
+                <a:ea typeface="+mn-ea"/>
+                <a:cs typeface="+mn-cs"/>
+              </a:defRPr>
+            </a:lvl7pPr>
+            <a:lvl8pPr marL="2571750" indent="-171450" algn="l" defTabSz="685800" rtl="0" eaLnBrk="1" latinLnBrk="0" hangingPunct="1">
+              <a:lnSpc>
+                <a:spcPct val="90000"/>
+              </a:lnSpc>
+              <a:spcBef>
+                <a:spcPts val="375"/>
+              </a:spcBef>
+              <a:buFont typeface="Arial" panose="020B0604020202020204" pitchFamily="34" charset="0"/>
+              <a:buChar char="•"/>
+              <a:defRPr sz="1350" kern="1200">
+                <a:solidFill>
+                  <a:schemeClr val="tx1"/>
+                </a:solidFill>
+                <a:latin typeface="+mn-lt"/>
+                <a:ea typeface="+mn-ea"/>
+                <a:cs typeface="+mn-cs"/>
+              </a:defRPr>
+            </a:lvl8pPr>
+            <a:lvl9pPr marL="2914650" indent="-171450" algn="l" defTabSz="685800" rtl="0" eaLnBrk="1" latinLnBrk="0" hangingPunct="1">
+              <a:lnSpc>
+                <a:spcPct val="90000"/>
+              </a:lnSpc>
+              <a:spcBef>
+                <a:spcPts val="375"/>
+              </a:spcBef>
+              <a:buFont typeface="Arial" panose="020B0604020202020204" pitchFamily="34" charset="0"/>
+              <a:buChar char="•"/>
+              <a:defRPr sz="1350" kern="1200">
+                <a:solidFill>
+                  <a:schemeClr val="tx1"/>
+                </a:solidFill>
+                <a:latin typeface="+mn-lt"/>
+                <a:ea typeface="+mn-ea"/>
+                <a:cs typeface="+mn-cs"/>
+              </a:defRPr>
+            </a:lvl9pPr>
+          </a:lstStyle>
+          <a:p>
+            <a:pPr marL="0" indent="0" algn="ctr">
+              <a:lnSpc>
+                <a:spcPct val="100000"/>
+              </a:lnSpc>
+              <a:buNone/>
+            </a:pPr>
+            <a:r>
+              <a:rPr lang="zh-TW" altLang="en-US" sz="2500" dirty="0">
+                <a:solidFill>
+                  <a:srgbClr val="0070C0"/>
+                </a:solidFill>
+                <a:latin typeface="微軟正黑體" panose="020B0604030504040204" pitchFamily="34" charset="-120"/>
+              </a:rPr>
+              <a:t>設定元素屬性</a:t>
+            </a:r>
+          </a:p>
+          <a:p>
+            <a:pPr marL="0" indent="0" algn="ctr">
+              <a:lnSpc>
+                <a:spcPct val="100000"/>
+              </a:lnSpc>
+              <a:buNone/>
+            </a:pPr>
+            <a:r>
+              <a:rPr lang="en-US" altLang="zh-TW" sz="2500" dirty="0" err="1">
+                <a:solidFill>
+                  <a:srgbClr val="0070C0"/>
+                </a:solidFill>
+                <a:latin typeface="微軟正黑體" panose="020B0604030504040204" pitchFamily="34" charset="-120"/>
+              </a:rPr>
+              <a:t>attr</a:t>
+            </a:r>
+            <a:r>
+              <a:rPr lang="en-US" altLang="zh-TW" sz="2500" dirty="0">
+                <a:solidFill>
+                  <a:srgbClr val="0070C0"/>
+                </a:solidFill>
+                <a:latin typeface="微軟正黑體" panose="020B0604030504040204" pitchFamily="34" charset="-120"/>
+              </a:rPr>
+              <a:t>("</a:t>
+            </a:r>
+            <a:r>
+              <a:rPr lang="zh-TW" altLang="en-US" sz="2500" dirty="0">
+                <a:solidFill>
+                  <a:srgbClr val="0070C0"/>
+                </a:solidFill>
+                <a:latin typeface="微軟正黑體" panose="020B0604030504040204" pitchFamily="34" charset="-120"/>
+              </a:rPr>
+              <a:t>屬姓名</a:t>
+            </a:r>
+            <a:r>
+              <a:rPr lang="en-US" altLang="zh-TW" sz="2500" dirty="0">
+                <a:solidFill>
+                  <a:srgbClr val="0070C0"/>
+                </a:solidFill>
+                <a:latin typeface="微軟正黑體" panose="020B0604030504040204" pitchFamily="34" charset="-120"/>
+              </a:rPr>
+              <a:t>" , "</a:t>
+            </a:r>
+            <a:r>
+              <a:rPr lang="zh-TW" altLang="en-US" sz="2500" dirty="0">
+                <a:solidFill>
+                  <a:srgbClr val="0070C0"/>
+                </a:solidFill>
+                <a:latin typeface="微軟正黑體" panose="020B0604030504040204" pitchFamily="34" charset="-120"/>
+              </a:rPr>
+              <a:t>屬姓值</a:t>
+            </a:r>
+            <a:r>
+              <a:rPr lang="en-US" altLang="zh-TW" sz="2500" dirty="0">
+                <a:solidFill>
+                  <a:srgbClr val="0070C0"/>
+                </a:solidFill>
+                <a:latin typeface="微軟正黑體" panose="020B0604030504040204" pitchFamily="34" charset="-120"/>
+              </a:rPr>
+              <a:t>")</a:t>
+            </a:r>
+          </a:p>
+        </p:txBody>
+      </p:sp>
     </p:spTree>
     <p:extLst>
       <p:ext uri="{BB962C8B-B14F-4D97-AF65-F5344CB8AC3E}">

--- a/教學簡報/JavaScript - 4.pptx
+++ b/教學簡報/JavaScript - 4.pptx
@@ -5,7 +5,7 @@
     <p:sldMasterId id="2147484070" r:id="rId1"/>
   </p:sldMasterIdLst>
   <p:notesMasterIdLst>
-    <p:notesMasterId r:id="rId13"/>
+    <p:notesMasterId r:id="rId15"/>
   </p:notesMasterIdLst>
   <p:sldIdLst>
     <p:sldId id="259" r:id="rId2"/>
@@ -13,12 +13,14 @@
     <p:sldId id="301" r:id="rId4"/>
     <p:sldId id="357" r:id="rId5"/>
     <p:sldId id="303" r:id="rId6"/>
-    <p:sldId id="356" r:id="rId7"/>
-    <p:sldId id="304" r:id="rId8"/>
-    <p:sldId id="305" r:id="rId9"/>
-    <p:sldId id="355" r:id="rId10"/>
-    <p:sldId id="354" r:id="rId11"/>
-    <p:sldId id="289" r:id="rId12"/>
+    <p:sldId id="359" r:id="rId7"/>
+    <p:sldId id="358" r:id="rId8"/>
+    <p:sldId id="356" r:id="rId9"/>
+    <p:sldId id="304" r:id="rId10"/>
+    <p:sldId id="305" r:id="rId11"/>
+    <p:sldId id="355" r:id="rId12"/>
+    <p:sldId id="354" r:id="rId13"/>
+    <p:sldId id="289" r:id="rId14"/>
   </p:sldIdLst>
   <p:sldSz cx="9144000" cy="6858000" type="screen4x3"/>
   <p:notesSz cx="6858000" cy="9144000"/>
@@ -131,6 +133,8 @@
             <p14:sldId id="301"/>
             <p14:sldId id="357"/>
             <p14:sldId id="303"/>
+            <p14:sldId id="359"/>
+            <p14:sldId id="358"/>
             <p14:sldId id="356"/>
             <p14:sldId id="304"/>
             <p14:sldId id="305"/>
@@ -250,7 +254,7 @@
             <a:fld id="{A5DCF4EA-E40D-43F8-B4CB-7F82BC812DB7}" type="datetimeFigureOut">
               <a:rPr lang="zh-TW" altLang="en-US" smtClean="0"/>
               <a:pPr/>
-              <a:t>2020/11/15</a:t>
+              <a:t>2020/11/17</a:t>
             </a:fld>
             <a:endParaRPr lang="zh-TW" altLang="en-US" dirty="0"/>
           </a:p>
@@ -688,7 +692,7 @@
     </p:spTree>
     <p:extLst>
       <p:ext uri="{BB962C8B-B14F-4D97-AF65-F5344CB8AC3E}">
-        <p14:creationId xmlns:p14="http://schemas.microsoft.com/office/powerpoint/2010/main" val="2777034489"/>
+        <p14:creationId xmlns:p14="http://schemas.microsoft.com/office/powerpoint/2010/main" val="4181163019"/>
       </p:ext>
     </p:extLst>
   </p:cSld>
@@ -742,7 +746,7 @@
           <a:bodyPr/>
           <a:lstStyle/>
           <a:p>
-            <a:endParaRPr lang="zh-TW" altLang="en-US"/>
+            <a:endParaRPr lang="zh-TW" altLang="en-US" dirty="0"/>
           </a:p>
         </p:txBody>
       </p:sp>
@@ -764,6 +768,174 @@
             <a:fld id="{288A6225-17E4-4F1A-9B1B-5D6F54C0EC31}" type="slidenum">
               <a:rPr lang="zh-TW" altLang="en-US" smtClean="0"/>
               <a:t>11</a:t>
+            </a:fld>
+            <a:endParaRPr lang="zh-TW" altLang="en-US"/>
+          </a:p>
+        </p:txBody>
+      </p:sp>
+    </p:spTree>
+    <p:extLst>
+      <p:ext uri="{BB962C8B-B14F-4D97-AF65-F5344CB8AC3E}">
+        <p14:creationId xmlns:p14="http://schemas.microsoft.com/office/powerpoint/2010/main" val="190310756"/>
+      </p:ext>
+    </p:extLst>
+  </p:cSld>
+  <p:clrMapOvr>
+    <a:masterClrMapping/>
+  </p:clrMapOvr>
+</p:notes>
+</file>
+
+<file path=ppt/notesSlides/notesSlide12.xml><?xml version="1.0" encoding="utf-8"?>
+<p:notes xmlns:a="http://schemas.openxmlformats.org/drawingml/2006/main" xmlns:r="http://schemas.openxmlformats.org/officeDocument/2006/relationships" xmlns:p="http://schemas.openxmlformats.org/presentationml/2006/main">
+  <p:cSld>
+    <p:spTree>
+      <p:nvGrpSpPr>
+        <p:cNvPr id="1" name=""/>
+        <p:cNvGrpSpPr/>
+        <p:nvPr/>
+      </p:nvGrpSpPr>
+      <p:grpSpPr>
+        <a:xfrm>
+          <a:off x="0" y="0"/>
+          <a:ext cx="0" cy="0"/>
+          <a:chOff x="0" y="0"/>
+          <a:chExt cx="0" cy="0"/>
+        </a:xfrm>
+      </p:grpSpPr>
+      <p:sp>
+        <p:nvSpPr>
+          <p:cNvPr id="2" name="投影片圖像版面配置區 1"/>
+          <p:cNvSpPr>
+            <a:spLocks noGrp="1" noRot="1" noChangeAspect="1"/>
+          </p:cNvSpPr>
+          <p:nvPr>
+            <p:ph type="sldImg"/>
+          </p:nvPr>
+        </p:nvSpPr>
+        <p:spPr/>
+      </p:sp>
+      <p:sp>
+        <p:nvSpPr>
+          <p:cNvPr id="3" name="備忘稿版面配置區 2"/>
+          <p:cNvSpPr>
+            <a:spLocks noGrp="1"/>
+          </p:cNvSpPr>
+          <p:nvPr>
+            <p:ph type="body" idx="1"/>
+          </p:nvPr>
+        </p:nvSpPr>
+        <p:spPr/>
+        <p:txBody>
+          <a:bodyPr/>
+          <a:lstStyle/>
+          <a:p>
+            <a:endParaRPr lang="zh-TW" altLang="en-US" dirty="0"/>
+          </a:p>
+        </p:txBody>
+      </p:sp>
+      <p:sp>
+        <p:nvSpPr>
+          <p:cNvPr id="4" name="投影片編號版面配置區 3"/>
+          <p:cNvSpPr>
+            <a:spLocks noGrp="1"/>
+          </p:cNvSpPr>
+          <p:nvPr>
+            <p:ph type="sldNum" sz="quarter" idx="10"/>
+          </p:nvPr>
+        </p:nvSpPr>
+        <p:spPr/>
+        <p:txBody>
+          <a:bodyPr/>
+          <a:lstStyle/>
+          <a:p>
+            <a:fld id="{288A6225-17E4-4F1A-9B1B-5D6F54C0EC31}" type="slidenum">
+              <a:rPr lang="zh-TW" altLang="en-US" smtClean="0"/>
+              <a:t>12</a:t>
+            </a:fld>
+            <a:endParaRPr lang="zh-TW" altLang="en-US"/>
+          </a:p>
+        </p:txBody>
+      </p:sp>
+    </p:spTree>
+    <p:extLst>
+      <p:ext uri="{BB962C8B-B14F-4D97-AF65-F5344CB8AC3E}">
+        <p14:creationId xmlns:p14="http://schemas.microsoft.com/office/powerpoint/2010/main" val="2777034489"/>
+      </p:ext>
+    </p:extLst>
+  </p:cSld>
+  <p:clrMapOvr>
+    <a:masterClrMapping/>
+  </p:clrMapOvr>
+</p:notes>
+</file>
+
+<file path=ppt/notesSlides/notesSlide13.xml><?xml version="1.0" encoding="utf-8"?>
+<p:notes xmlns:a="http://schemas.openxmlformats.org/drawingml/2006/main" xmlns:r="http://schemas.openxmlformats.org/officeDocument/2006/relationships" xmlns:p="http://schemas.openxmlformats.org/presentationml/2006/main">
+  <p:cSld>
+    <p:spTree>
+      <p:nvGrpSpPr>
+        <p:cNvPr id="1" name=""/>
+        <p:cNvGrpSpPr/>
+        <p:nvPr/>
+      </p:nvGrpSpPr>
+      <p:grpSpPr>
+        <a:xfrm>
+          <a:off x="0" y="0"/>
+          <a:ext cx="0" cy="0"/>
+          <a:chOff x="0" y="0"/>
+          <a:chExt cx="0" cy="0"/>
+        </a:xfrm>
+      </p:grpSpPr>
+      <p:sp>
+        <p:nvSpPr>
+          <p:cNvPr id="2" name="投影片圖像版面配置區 1"/>
+          <p:cNvSpPr>
+            <a:spLocks noGrp="1" noRot="1" noChangeAspect="1"/>
+          </p:cNvSpPr>
+          <p:nvPr>
+            <p:ph type="sldImg"/>
+          </p:nvPr>
+        </p:nvSpPr>
+        <p:spPr/>
+      </p:sp>
+      <p:sp>
+        <p:nvSpPr>
+          <p:cNvPr id="3" name="備忘稿版面配置區 2"/>
+          <p:cNvSpPr>
+            <a:spLocks noGrp="1"/>
+          </p:cNvSpPr>
+          <p:nvPr>
+            <p:ph type="body" idx="1"/>
+          </p:nvPr>
+        </p:nvSpPr>
+        <p:spPr/>
+        <p:txBody>
+          <a:bodyPr/>
+          <a:lstStyle/>
+          <a:p>
+            <a:endParaRPr lang="zh-TW" altLang="en-US"/>
+          </a:p>
+        </p:txBody>
+      </p:sp>
+      <p:sp>
+        <p:nvSpPr>
+          <p:cNvPr id="4" name="投影片編號版面配置區 3"/>
+          <p:cNvSpPr>
+            <a:spLocks noGrp="1"/>
+          </p:cNvSpPr>
+          <p:nvPr>
+            <p:ph type="sldNum" sz="quarter" idx="10"/>
+          </p:nvPr>
+        </p:nvSpPr>
+        <p:spPr/>
+        <p:txBody>
+          <a:bodyPr/>
+          <a:lstStyle/>
+          <a:p>
+            <a:fld id="{288A6225-17E4-4F1A-9B1B-5D6F54C0EC31}" type="slidenum">
+              <a:rPr lang="zh-TW" altLang="en-US" smtClean="0"/>
+              <a:t>13</a:t>
             </a:fld>
             <a:endParaRPr lang="zh-TW" altLang="en-US"/>
           </a:p>
@@ -1203,7 +1375,7 @@
     </p:spTree>
     <p:extLst>
       <p:ext uri="{BB962C8B-B14F-4D97-AF65-F5344CB8AC3E}">
-        <p14:creationId xmlns:p14="http://schemas.microsoft.com/office/powerpoint/2010/main" val="1817557296"/>
+        <p14:creationId xmlns:p14="http://schemas.microsoft.com/office/powerpoint/2010/main" val="2001685456"/>
       </p:ext>
     </p:extLst>
   </p:cSld>
@@ -1287,7 +1459,7 @@
     </p:spTree>
     <p:extLst>
       <p:ext uri="{BB962C8B-B14F-4D97-AF65-F5344CB8AC3E}">
-        <p14:creationId xmlns:p14="http://schemas.microsoft.com/office/powerpoint/2010/main" val="2787434702"/>
+        <p14:creationId xmlns:p14="http://schemas.microsoft.com/office/powerpoint/2010/main" val="744211170"/>
       </p:ext>
     </p:extLst>
   </p:cSld>
@@ -1371,7 +1543,7 @@
     </p:spTree>
     <p:extLst>
       <p:ext uri="{BB962C8B-B14F-4D97-AF65-F5344CB8AC3E}">
-        <p14:creationId xmlns:p14="http://schemas.microsoft.com/office/powerpoint/2010/main" val="4181163019"/>
+        <p14:creationId xmlns:p14="http://schemas.microsoft.com/office/powerpoint/2010/main" val="1817557296"/>
       </p:ext>
     </p:extLst>
   </p:cSld>
@@ -1455,7 +1627,7 @@
     </p:spTree>
     <p:extLst>
       <p:ext uri="{BB962C8B-B14F-4D97-AF65-F5344CB8AC3E}">
-        <p14:creationId xmlns:p14="http://schemas.microsoft.com/office/powerpoint/2010/main" val="190310756"/>
+        <p14:creationId xmlns:p14="http://schemas.microsoft.com/office/powerpoint/2010/main" val="2787434702"/>
       </p:ext>
     </p:extLst>
   </p:cSld>
@@ -1596,7 +1768,7 @@
           <a:p>
             <a:fld id="{3D8CBC75-8284-403E-92F0-16B75D676E39}" type="datetimeFigureOut">
               <a:rPr lang="zh-TW" altLang="en-US" smtClean="0"/>
-              <a:t>2020/11/15</a:t>
+              <a:t>2020/11/17</a:t>
             </a:fld>
             <a:endParaRPr lang="zh-TW" altLang="en-US"/>
           </a:p>
@@ -1724,7 +1896,7 @@
           <a:p>
             <a:fld id="{3D8CBC75-8284-403E-92F0-16B75D676E39}" type="datetimeFigureOut">
               <a:rPr lang="zh-TW" altLang="en-US" smtClean="0"/>
-              <a:t>2020/11/15</a:t>
+              <a:t>2020/11/17</a:t>
             </a:fld>
             <a:endParaRPr lang="zh-TW" altLang="en-US"/>
           </a:p>
@@ -2067,7 +2239,7 @@
           <a:p>
             <a:fld id="{3D8CBC75-8284-403E-92F0-16B75D676E39}" type="datetimeFigureOut">
               <a:rPr lang="zh-TW" altLang="en-US" smtClean="0"/>
-              <a:t>2020/11/15</a:t>
+              <a:t>2020/11/17</a:t>
             </a:fld>
             <a:endParaRPr lang="zh-TW" altLang="en-US"/>
           </a:p>
@@ -2400,7 +2572,7 @@
           <a:p>
             <a:fld id="{3D8CBC75-8284-403E-92F0-16B75D676E39}" type="datetimeFigureOut">
               <a:rPr lang="zh-TW" altLang="en-US" smtClean="0"/>
-              <a:t>2020/11/15</a:t>
+              <a:t>2020/11/17</a:t>
             </a:fld>
             <a:endParaRPr lang="zh-TW" altLang="en-US"/>
           </a:p>
@@ -2769,7 +2941,7 @@
           <a:p>
             <a:fld id="{3D8CBC75-8284-403E-92F0-16B75D676E39}" type="datetimeFigureOut">
               <a:rPr lang="zh-TW" altLang="en-US" smtClean="0"/>
-              <a:t>2020/11/15</a:t>
+              <a:t>2020/11/17</a:t>
             </a:fld>
             <a:endParaRPr lang="zh-TW" altLang="en-US"/>
           </a:p>
@@ -2992,7 +3164,7 @@
           <a:p>
             <a:fld id="{3D8CBC75-8284-403E-92F0-16B75D676E39}" type="datetimeFigureOut">
               <a:rPr lang="zh-TW" altLang="en-US" smtClean="0"/>
-              <a:t>2020/11/15</a:t>
+              <a:t>2020/11/17</a:t>
             </a:fld>
             <a:endParaRPr lang="zh-TW" altLang="en-US"/>
           </a:p>
@@ -3522,7 +3694,7 @@
           <a:p>
             <a:fld id="{3D8CBC75-8284-403E-92F0-16B75D676E39}" type="datetimeFigureOut">
               <a:rPr lang="zh-TW" altLang="en-US" smtClean="0"/>
-              <a:t>2020/11/15</a:t>
+              <a:t>2020/11/17</a:t>
             </a:fld>
             <a:endParaRPr lang="zh-TW" altLang="en-US"/>
           </a:p>
@@ -3803,7 +3975,7 @@
           <a:p>
             <a:fld id="{3D8CBC75-8284-403E-92F0-16B75D676E39}" type="datetimeFigureOut">
               <a:rPr lang="zh-TW" altLang="en-US" smtClean="0"/>
-              <a:t>2020/11/15</a:t>
+              <a:t>2020/11/17</a:t>
             </a:fld>
             <a:endParaRPr lang="zh-TW" altLang="en-US"/>
           </a:p>
@@ -3990,7 +4162,7 @@
           <a:p>
             <a:fld id="{3D8CBC75-8284-403E-92F0-16B75D676E39}" type="datetimeFigureOut">
               <a:rPr lang="zh-TW" altLang="en-US" smtClean="0"/>
-              <a:t>2020/11/15</a:t>
+              <a:t>2020/11/17</a:t>
             </a:fld>
             <a:endParaRPr lang="zh-TW" altLang="en-US"/>
           </a:p>
@@ -4392,7 +4564,7 @@
           <a:p>
             <a:fld id="{3D8CBC75-8284-403E-92F0-16B75D676E39}" type="datetimeFigureOut">
               <a:rPr lang="zh-TW" altLang="en-US" smtClean="0"/>
-              <a:t>2020/11/15</a:t>
+              <a:t>2020/11/17</a:t>
             </a:fld>
             <a:endParaRPr lang="zh-TW" altLang="en-US"/>
           </a:p>
@@ -4812,7 +4984,7 @@
           <a:p>
             <a:fld id="{3D8CBC75-8284-403E-92F0-16B75D676E39}" type="datetimeFigureOut">
               <a:rPr lang="zh-TW" altLang="en-US" smtClean="0"/>
-              <a:t>2020/11/15</a:t>
+              <a:t>2020/11/17</a:t>
             </a:fld>
             <a:endParaRPr lang="zh-TW" altLang="en-US"/>
           </a:p>
@@ -5199,7 +5371,7 @@
             <a:fld id="{3D8CBC75-8284-403E-92F0-16B75D676E39}" type="datetimeFigureOut">
               <a:rPr lang="zh-TW" altLang="en-US" smtClean="0"/>
               <a:pPr/>
-              <a:t>2020/11/15</a:t>
+              <a:t>2020/11/17</a:t>
             </a:fld>
             <a:endParaRPr lang="zh-TW" altLang="en-US" dirty="0"/>
           </a:p>
@@ -5682,2231 +5854,6 @@
                 <a:latin typeface="微軟正黑體" panose="020B0604030504040204" pitchFamily="34" charset="-120"/>
                 <a:ea typeface="微軟正黑體" panose="020B0604030504040204" pitchFamily="34" charset="-120"/>
               </a:rPr>
-              <a:t>作業</a:t>
-            </a:r>
-          </a:p>
-        </p:txBody>
-      </p:sp>
-      <p:sp>
-        <p:nvSpPr>
-          <p:cNvPr id="3" name="內容版面配置區 2"/>
-          <p:cNvSpPr>
-            <a:spLocks noGrp="1"/>
-          </p:cNvSpPr>
-          <p:nvPr>
-            <p:ph idx="1"/>
-          </p:nvPr>
-        </p:nvSpPr>
-        <p:spPr>
-          <a:xfrm>
-            <a:off x="476089" y="1196752"/>
-            <a:ext cx="8191822" cy="4351338"/>
-          </a:xfrm>
-        </p:spPr>
-        <p:txBody>
-          <a:bodyPr/>
-          <a:lstStyle/>
-          <a:p>
-            <a:r>
-              <a:rPr lang="zh-TW" altLang="en-US" dirty="0"/>
-              <a:t>目標：將 猜拳 互動式網頁 原生 </a:t>
-            </a:r>
-            <a:r>
-              <a:rPr lang="en-US" altLang="zh-TW" dirty="0"/>
-              <a:t>JS</a:t>
-            </a:r>
-            <a:r>
-              <a:rPr lang="zh-TW" altLang="en-US" dirty="0"/>
-              <a:t> 更改成 </a:t>
-            </a:r>
-            <a:r>
-              <a:rPr lang="en-US" altLang="zh-TW"/>
-              <a:t>JQuery</a:t>
-            </a:r>
-            <a:endParaRPr lang="en-US" altLang="zh-TW" dirty="0"/>
-          </a:p>
-        </p:txBody>
-      </p:sp>
-    </p:spTree>
-    <p:extLst>
-      <p:ext uri="{BB962C8B-B14F-4D97-AF65-F5344CB8AC3E}">
-        <p14:creationId xmlns:p14="http://schemas.microsoft.com/office/powerpoint/2010/main" val="1594041963"/>
-      </p:ext>
-    </p:extLst>
-  </p:cSld>
-  <p:clrMapOvr>
-    <a:masterClrMapping/>
-  </p:clrMapOvr>
-</p:sld>
-</file>
-
-<file path=ppt/slides/slide11.xml><?xml version="1.0" encoding="utf-8"?>
-<p:sld xmlns:a="http://schemas.openxmlformats.org/drawingml/2006/main" xmlns:r="http://schemas.openxmlformats.org/officeDocument/2006/relationships" xmlns:p="http://schemas.openxmlformats.org/presentationml/2006/main">
-  <p:cSld>
-    <p:spTree>
-      <p:nvGrpSpPr>
-        <p:cNvPr id="1" name=""/>
-        <p:cNvGrpSpPr/>
-        <p:nvPr/>
-      </p:nvGrpSpPr>
-      <p:grpSpPr>
-        <a:xfrm>
-          <a:off x="0" y="0"/>
-          <a:ext cx="0" cy="0"/>
-          <a:chOff x="0" y="0"/>
-          <a:chExt cx="0" cy="0"/>
-        </a:xfrm>
-      </p:grpSpPr>
-      <p:sp>
-        <p:nvSpPr>
-          <p:cNvPr id="2" name="標題 1"/>
-          <p:cNvSpPr>
-            <a:spLocks noGrp="1"/>
-          </p:cNvSpPr>
-          <p:nvPr>
-            <p:ph type="title"/>
-          </p:nvPr>
-        </p:nvSpPr>
-        <p:spPr>
-          <a:xfrm>
-            <a:off x="0" y="1"/>
-            <a:ext cx="9144000" cy="836712"/>
-          </a:xfrm>
-        </p:spPr>
-        <p:txBody>
-          <a:bodyPr anchor="b">
-            <a:normAutofit/>
-          </a:bodyPr>
-          <a:lstStyle/>
-          <a:p>
-            <a:pPr algn="ctr"/>
-            <a:r>
-              <a:rPr lang="zh-TW" altLang="en-US" sz="4000" dirty="0">
-                <a:solidFill>
-                  <a:srgbClr val="0070C0"/>
-                </a:solidFill>
-                <a:latin typeface="微軟正黑體" panose="020B0604030504040204" pitchFamily="34" charset="-120"/>
-                <a:ea typeface="微軟正黑體" panose="020B0604030504040204" pitchFamily="34" charset="-120"/>
-              </a:rPr>
-              <a:t>心得回饋</a:t>
-            </a:r>
-          </a:p>
-        </p:txBody>
-      </p:sp>
-      <p:sp>
-        <p:nvSpPr>
-          <p:cNvPr id="4" name="矩形 3"/>
-          <p:cNvSpPr/>
-          <p:nvPr/>
-        </p:nvSpPr>
-        <p:spPr>
-          <a:xfrm>
-            <a:off x="2664939" y="5435431"/>
-            <a:ext cx="3814121" cy="369332"/>
-          </a:xfrm>
-          <a:prstGeom prst="rect">
-            <a:avLst/>
-          </a:prstGeom>
-        </p:spPr>
-        <p:txBody>
-          <a:bodyPr wrap="none">
-            <a:spAutoFit/>
-          </a:bodyPr>
-          <a:lstStyle/>
-          <a:p>
-            <a:r>
-              <a:rPr lang="zh-TW" altLang="en-US" dirty="0">
-                <a:hlinkClick r:id="rId3"/>
-              </a:rPr>
-              <a:t>https://forms.gle/NdrrW86jgbSJaeYQ7</a:t>
-            </a:r>
-            <a:endParaRPr lang="zh-TW" altLang="en-US" dirty="0"/>
-          </a:p>
-        </p:txBody>
-      </p:sp>
-      <p:pic>
-        <p:nvPicPr>
-          <p:cNvPr id="4098" name="Picture 2" descr="http://s04.calm9.com/qrcode/2019-10/TCTZTH0BG2.png"/>
-          <p:cNvPicPr>
-            <a:picLocks noGrp="1" noChangeAspect="1" noChangeArrowheads="1"/>
-          </p:cNvPicPr>
-          <p:nvPr>
-            <p:ph idx="1"/>
-          </p:nvPr>
-        </p:nvPicPr>
-        <p:blipFill>
-          <a:blip r:embed="rId4">
-            <a:extLst>
-              <a:ext uri="{28A0092B-C50C-407E-A947-70E740481C1C}">
-                <a14:useLocalDpi xmlns:a14="http://schemas.microsoft.com/office/drawing/2010/main" val="0"/>
-              </a:ext>
-            </a:extLst>
-          </a:blip>
-          <a:srcRect/>
-          <a:stretch>
-            <a:fillRect/>
-          </a:stretch>
-        </p:blipFill>
-        <p:spPr bwMode="auto">
-          <a:xfrm>
-            <a:off x="2339751" y="995933"/>
-            <a:ext cx="4464498" cy="4464498"/>
-          </a:xfrm>
-          <a:prstGeom prst="rect">
-            <a:avLst/>
-          </a:prstGeom>
-          <a:noFill/>
-          <a:effectLst>
-            <a:softEdge rad="127000"/>
-          </a:effectLst>
-          <a:extLst>
-            <a:ext uri="{909E8E84-426E-40DD-AFC4-6F175D3DCCD1}">
-              <a14:hiddenFill xmlns:a14="http://schemas.microsoft.com/office/drawing/2010/main">
-                <a:solidFill>
-                  <a:srgbClr val="FFFFFF"/>
-                </a:solidFill>
-              </a14:hiddenFill>
-            </a:ext>
-          </a:extLst>
-        </p:spPr>
-      </p:pic>
-    </p:spTree>
-    <p:extLst>
-      <p:ext uri="{BB962C8B-B14F-4D97-AF65-F5344CB8AC3E}">
-        <p14:creationId xmlns:p14="http://schemas.microsoft.com/office/powerpoint/2010/main" val="379571826"/>
-      </p:ext>
-    </p:extLst>
-  </p:cSld>
-  <p:clrMapOvr>
-    <a:masterClrMapping/>
-  </p:clrMapOvr>
-</p:sld>
-</file>
-
-<file path=ppt/slides/slide2.xml><?xml version="1.0" encoding="utf-8"?>
-<p:sld xmlns:a="http://schemas.openxmlformats.org/drawingml/2006/main" xmlns:r="http://schemas.openxmlformats.org/officeDocument/2006/relationships" xmlns:p="http://schemas.openxmlformats.org/presentationml/2006/main">
-  <p:cSld>
-    <p:spTree>
-      <p:nvGrpSpPr>
-        <p:cNvPr id="1" name=""/>
-        <p:cNvGrpSpPr/>
-        <p:nvPr/>
-      </p:nvGrpSpPr>
-      <p:grpSpPr>
-        <a:xfrm>
-          <a:off x="0" y="0"/>
-          <a:ext cx="0" cy="0"/>
-          <a:chOff x="0" y="0"/>
-          <a:chExt cx="0" cy="0"/>
-        </a:xfrm>
-      </p:grpSpPr>
-      <p:sp>
-        <p:nvSpPr>
-          <p:cNvPr id="2" name="標題 1"/>
-          <p:cNvSpPr>
-            <a:spLocks noGrp="1"/>
-          </p:cNvSpPr>
-          <p:nvPr>
-            <p:ph type="title"/>
-          </p:nvPr>
-        </p:nvSpPr>
-        <p:spPr>
-          <a:xfrm>
-            <a:off x="0" y="1"/>
-            <a:ext cx="9144000" cy="836712"/>
-          </a:xfrm>
-        </p:spPr>
-        <p:txBody>
-          <a:bodyPr anchor="b">
-            <a:normAutofit/>
-          </a:bodyPr>
-          <a:lstStyle/>
-          <a:p>
-            <a:pPr algn="ctr"/>
-            <a:r>
-              <a:rPr lang="en-US" altLang="zh-TW" sz="4000" dirty="0">
-                <a:solidFill>
-                  <a:srgbClr val="0070C0"/>
-                </a:solidFill>
-                <a:latin typeface="微軟正黑體" panose="020B0604030504040204" pitchFamily="34" charset="-120"/>
-                <a:ea typeface="微軟正黑體" panose="020B0604030504040204" pitchFamily="34" charset="-120"/>
-              </a:rPr>
-              <a:t>JavaScript</a:t>
-            </a:r>
-            <a:endParaRPr lang="zh-TW" altLang="en-US" sz="4000" dirty="0">
-              <a:solidFill>
-                <a:srgbClr val="0070C0"/>
-              </a:solidFill>
-              <a:latin typeface="微軟正黑體" panose="020B0604030504040204" pitchFamily="34" charset="-120"/>
-              <a:ea typeface="微軟正黑體" panose="020B0604030504040204" pitchFamily="34" charset="-120"/>
-            </a:endParaRPr>
-          </a:p>
-        </p:txBody>
-      </p:sp>
-      <p:pic>
-        <p:nvPicPr>
-          <p:cNvPr id="4" name="內容版面配置區 3"/>
-          <p:cNvPicPr>
-            <a:picLocks noGrp="1" noChangeAspect="1"/>
-          </p:cNvPicPr>
-          <p:nvPr>
-            <p:ph idx="1"/>
-          </p:nvPr>
-        </p:nvPicPr>
-        <p:blipFill>
-          <a:blip r:embed="rId3">
-            <a:extLst>
-              <a:ext uri="{28A0092B-C50C-407E-A947-70E740481C1C}">
-                <a14:useLocalDpi xmlns:a14="http://schemas.microsoft.com/office/drawing/2010/main" val="0"/>
-              </a:ext>
-            </a:extLst>
-          </a:blip>
-          <a:stretch>
-            <a:fillRect/>
-          </a:stretch>
-        </p:blipFill>
-        <p:spPr>
-          <a:xfrm>
-            <a:off x="-5847" y="1865212"/>
-            <a:ext cx="9149847" cy="3127576"/>
-          </a:xfrm>
-        </p:spPr>
-      </p:pic>
-    </p:spTree>
-    <p:extLst>
-      <p:ext uri="{BB962C8B-B14F-4D97-AF65-F5344CB8AC3E}">
-        <p14:creationId xmlns:p14="http://schemas.microsoft.com/office/powerpoint/2010/main" val="2978557586"/>
-      </p:ext>
-    </p:extLst>
-  </p:cSld>
-  <p:clrMapOvr>
-    <a:masterClrMapping/>
-  </p:clrMapOvr>
-</p:sld>
-</file>
-
-<file path=ppt/slides/slide3.xml><?xml version="1.0" encoding="utf-8"?>
-<p:sld xmlns:a="http://schemas.openxmlformats.org/drawingml/2006/main" xmlns:r="http://schemas.openxmlformats.org/officeDocument/2006/relationships" xmlns:p="http://schemas.openxmlformats.org/presentationml/2006/main">
-  <p:cSld>
-    <p:spTree>
-      <p:nvGrpSpPr>
-        <p:cNvPr id="1" name=""/>
-        <p:cNvGrpSpPr/>
-        <p:nvPr/>
-      </p:nvGrpSpPr>
-      <p:grpSpPr>
-        <a:xfrm>
-          <a:off x="0" y="0"/>
-          <a:ext cx="0" cy="0"/>
-          <a:chOff x="0" y="0"/>
-          <a:chExt cx="0" cy="0"/>
-        </a:xfrm>
-      </p:grpSpPr>
-      <p:sp>
-        <p:nvSpPr>
-          <p:cNvPr id="2" name="標題 1"/>
-          <p:cNvSpPr>
-            <a:spLocks noGrp="1"/>
-          </p:cNvSpPr>
-          <p:nvPr>
-            <p:ph type="title"/>
-          </p:nvPr>
-        </p:nvSpPr>
-        <p:spPr>
-          <a:xfrm>
-            <a:off x="0" y="1"/>
-            <a:ext cx="9144000" cy="836712"/>
-          </a:xfrm>
-        </p:spPr>
-        <p:txBody>
-          <a:bodyPr anchor="b">
-            <a:normAutofit/>
-          </a:bodyPr>
-          <a:lstStyle/>
-          <a:p>
-            <a:pPr algn="ctr"/>
-            <a:r>
-              <a:rPr lang="en-US" altLang="zh-TW" sz="4000" dirty="0">
-                <a:solidFill>
-                  <a:srgbClr val="0070C0"/>
-                </a:solidFill>
-                <a:latin typeface="微軟正黑體" panose="020B0604030504040204" pitchFamily="34" charset="-120"/>
-              </a:rPr>
-              <a:t>jQuery</a:t>
-            </a:r>
-            <a:r>
-              <a:rPr lang="zh-TW" altLang="en-US" sz="4000" dirty="0">
-                <a:solidFill>
-                  <a:srgbClr val="0070C0"/>
-                </a:solidFill>
-                <a:latin typeface="微軟正黑體" panose="020B0604030504040204" pitchFamily="34" charset="-120"/>
-                <a:ea typeface="微軟正黑體" panose="020B0604030504040204" pitchFamily="34" charset="-120"/>
-              </a:rPr>
-              <a:t> 是什麼？</a:t>
-            </a:r>
-          </a:p>
-        </p:txBody>
-      </p:sp>
-      <p:sp>
-        <p:nvSpPr>
-          <p:cNvPr id="5" name="內容版面配置區 4">
-            <a:extLst>
-              <a:ext uri="{FF2B5EF4-FFF2-40B4-BE49-F238E27FC236}">
-                <a16:creationId xmlns:a16="http://schemas.microsoft.com/office/drawing/2014/main" id="{6E0B32DB-5057-9F4F-9670-073195DD147E}"/>
-              </a:ext>
-            </a:extLst>
-          </p:cNvPr>
-          <p:cNvSpPr>
-            <a:spLocks noGrp="1"/>
-          </p:cNvSpPr>
-          <p:nvPr>
-            <p:ph idx="1"/>
-          </p:nvPr>
-        </p:nvSpPr>
-        <p:spPr>
-          <a:xfrm>
-            <a:off x="251520" y="1124744"/>
-            <a:ext cx="8640960" cy="5052219"/>
-          </a:xfrm>
-        </p:spPr>
-        <p:txBody>
-          <a:bodyPr/>
-          <a:lstStyle/>
-          <a:p>
-            <a:pPr>
-              <a:lnSpc>
-                <a:spcPct val="150000"/>
-              </a:lnSpc>
-            </a:pPr>
-            <a:r>
-              <a:rPr lang="zh-TW" altLang="en-US" sz="2500" dirty="0"/>
-              <a:t>一個以</a:t>
-            </a:r>
-            <a:r>
-              <a:rPr lang="en-US" altLang="zh-TW" sz="2500" dirty="0" err="1"/>
-              <a:t>Javascript</a:t>
-            </a:r>
-            <a:r>
-              <a:rPr lang="zh-TW" altLang="en-US" sz="2500" dirty="0"/>
-              <a:t>編寫的函式庫</a:t>
-            </a:r>
-            <a:endParaRPr lang="en-US" altLang="zh-TW" sz="2500" dirty="0"/>
-          </a:p>
-          <a:p>
-            <a:pPr>
-              <a:lnSpc>
-                <a:spcPct val="150000"/>
-              </a:lnSpc>
-            </a:pPr>
-            <a:r>
-              <a:rPr lang="zh-TW" altLang="en-US" sz="2500" dirty="0"/>
-              <a:t>精簡化</a:t>
-            </a:r>
-            <a:r>
-              <a:rPr lang="en-US" altLang="zh-TW" sz="2500" dirty="0"/>
-              <a:t>JS</a:t>
-            </a:r>
-            <a:r>
-              <a:rPr lang="zh-TW" altLang="en-US" sz="2500" dirty="0"/>
-              <a:t>編寫</a:t>
-            </a:r>
-            <a:endParaRPr lang="en-US" altLang="zh-TW" sz="2500" dirty="0"/>
-          </a:p>
-          <a:p>
-            <a:pPr>
-              <a:lnSpc>
-                <a:spcPct val="150000"/>
-              </a:lnSpc>
-            </a:pPr>
-            <a:r>
-              <a:rPr lang="zh-TW" altLang="en-US" sz="2500" dirty="0"/>
-              <a:t>易學習</a:t>
-            </a:r>
-            <a:endParaRPr lang="en-US" altLang="zh-TW" sz="2500" dirty="0"/>
-          </a:p>
-          <a:p>
-            <a:pPr>
-              <a:lnSpc>
-                <a:spcPct val="150000"/>
-              </a:lnSpc>
-            </a:pPr>
-            <a:r>
-              <a:rPr lang="zh-TW" altLang="en-US" sz="2500" dirty="0">
-                <a:solidFill>
-                  <a:srgbClr val="FF0000"/>
-                </a:solidFill>
-              </a:rPr>
-              <a:t>寫得更少，但做的更多</a:t>
-            </a:r>
-            <a:endParaRPr lang="en-US" altLang="zh-TW" sz="2500" dirty="0">
-              <a:solidFill>
-                <a:srgbClr val="FF0000"/>
-              </a:solidFill>
-            </a:endParaRPr>
-          </a:p>
-          <a:p>
-            <a:pPr>
-              <a:lnSpc>
-                <a:spcPct val="150000"/>
-              </a:lnSpc>
-            </a:pPr>
-            <a:endParaRPr lang="en-US" altLang="zh-TW" dirty="0"/>
-          </a:p>
-        </p:txBody>
-      </p:sp>
-      <p:pic>
-        <p:nvPicPr>
-          <p:cNvPr id="14" name="圖片 13">
-            <a:extLst>
-              <a:ext uri="{FF2B5EF4-FFF2-40B4-BE49-F238E27FC236}">
-                <a16:creationId xmlns:a16="http://schemas.microsoft.com/office/drawing/2014/main" id="{EFED22D3-BF09-44A5-8B2D-082E7790BE6E}"/>
-              </a:ext>
-            </a:extLst>
-          </p:cNvPr>
-          <p:cNvPicPr>
-            <a:picLocks noChangeAspect="1"/>
-          </p:cNvPicPr>
-          <p:nvPr/>
-        </p:nvPicPr>
-        <p:blipFill>
-          <a:blip r:embed="rId3">
-            <a:extLst>
-              <a:ext uri="{28A0092B-C50C-407E-A947-70E740481C1C}">
-                <a14:useLocalDpi xmlns:a14="http://schemas.microsoft.com/office/drawing/2010/main" val="0"/>
-              </a:ext>
-            </a:extLst>
-          </a:blip>
-          <a:stretch>
-            <a:fillRect/>
-          </a:stretch>
-        </p:blipFill>
-        <p:spPr>
-          <a:xfrm>
-            <a:off x="4972980" y="1469250"/>
-            <a:ext cx="3919500" cy="3919500"/>
-          </a:xfrm>
-          <a:prstGeom prst="rect">
-            <a:avLst/>
-          </a:prstGeom>
-        </p:spPr>
-      </p:pic>
-    </p:spTree>
-    <p:extLst>
-      <p:ext uri="{BB962C8B-B14F-4D97-AF65-F5344CB8AC3E}">
-        <p14:creationId xmlns:p14="http://schemas.microsoft.com/office/powerpoint/2010/main" val="3512025897"/>
-      </p:ext>
-    </p:extLst>
-  </p:cSld>
-  <p:clrMapOvr>
-    <a:masterClrMapping/>
-  </p:clrMapOvr>
-</p:sld>
-</file>
-
-<file path=ppt/slides/slide4.xml><?xml version="1.0" encoding="utf-8"?>
-<p:sld xmlns:a="http://schemas.openxmlformats.org/drawingml/2006/main" xmlns:r="http://schemas.openxmlformats.org/officeDocument/2006/relationships" xmlns:p="http://schemas.openxmlformats.org/presentationml/2006/main">
-  <p:cSld>
-    <p:spTree>
-      <p:nvGrpSpPr>
-        <p:cNvPr id="1" name=""/>
-        <p:cNvGrpSpPr/>
-        <p:nvPr/>
-      </p:nvGrpSpPr>
-      <p:grpSpPr>
-        <a:xfrm>
-          <a:off x="0" y="0"/>
-          <a:ext cx="0" cy="0"/>
-          <a:chOff x="0" y="0"/>
-          <a:chExt cx="0" cy="0"/>
-        </a:xfrm>
-      </p:grpSpPr>
-      <p:sp>
-        <p:nvSpPr>
-          <p:cNvPr id="2" name="標題 1"/>
-          <p:cNvSpPr>
-            <a:spLocks noGrp="1"/>
-          </p:cNvSpPr>
-          <p:nvPr>
-            <p:ph type="title"/>
-          </p:nvPr>
-        </p:nvSpPr>
-        <p:spPr>
-          <a:xfrm>
-            <a:off x="0" y="1"/>
-            <a:ext cx="9144000" cy="836712"/>
-          </a:xfrm>
-        </p:spPr>
-        <p:txBody>
-          <a:bodyPr anchor="b">
-            <a:normAutofit/>
-          </a:bodyPr>
-          <a:lstStyle/>
-          <a:p>
-            <a:pPr algn="ctr"/>
-            <a:r>
-              <a:rPr lang="zh-TW" altLang="en-US" sz="4000" dirty="0">
-                <a:solidFill>
-                  <a:srgbClr val="0070C0"/>
-                </a:solidFill>
-                <a:latin typeface="微軟正黑體" panose="020B0604030504040204" pitchFamily="34" charset="-120"/>
-              </a:rPr>
-              <a:t>如何使用 </a:t>
-            </a:r>
-            <a:r>
-              <a:rPr lang="en-US" altLang="zh-TW" sz="4000" dirty="0">
-                <a:solidFill>
-                  <a:srgbClr val="0070C0"/>
-                </a:solidFill>
-                <a:latin typeface="微軟正黑體" panose="020B0604030504040204" pitchFamily="34" charset="-120"/>
-              </a:rPr>
-              <a:t>jQuery</a:t>
-            </a:r>
-            <a:endParaRPr lang="zh-TW" altLang="en-US" sz="4000" dirty="0">
-              <a:solidFill>
-                <a:srgbClr val="0070C0"/>
-              </a:solidFill>
-              <a:latin typeface="微軟正黑體" panose="020B0604030504040204" pitchFamily="34" charset="-120"/>
-              <a:ea typeface="微軟正黑體" panose="020B0604030504040204" pitchFamily="34" charset="-120"/>
-            </a:endParaRPr>
-          </a:p>
-        </p:txBody>
-      </p:sp>
-      <p:sp>
-        <p:nvSpPr>
-          <p:cNvPr id="5" name="內容版面配置區 4">
-            <a:extLst>
-              <a:ext uri="{FF2B5EF4-FFF2-40B4-BE49-F238E27FC236}">
-                <a16:creationId xmlns:a16="http://schemas.microsoft.com/office/drawing/2014/main" id="{6E0B32DB-5057-9F4F-9670-073195DD147E}"/>
-              </a:ext>
-            </a:extLst>
-          </p:cNvPr>
-          <p:cNvSpPr>
-            <a:spLocks noGrp="1"/>
-          </p:cNvSpPr>
-          <p:nvPr>
-            <p:ph idx="1"/>
-          </p:nvPr>
-        </p:nvSpPr>
-        <p:spPr>
-          <a:xfrm>
-            <a:off x="0" y="1952836"/>
-            <a:ext cx="9144000" cy="2952328"/>
-          </a:xfrm>
-        </p:spPr>
-        <p:txBody>
-          <a:bodyPr>
-            <a:normAutofit/>
-          </a:bodyPr>
-          <a:lstStyle/>
-          <a:p>
-            <a:pPr marL="0" indent="0" algn="ctr">
-              <a:lnSpc>
-                <a:spcPct val="150000"/>
-              </a:lnSpc>
-              <a:buNone/>
-            </a:pPr>
-            <a:r>
-              <a:rPr lang="zh-TW" altLang="en-US" sz="3000" dirty="0">
-                <a:solidFill>
-                  <a:srgbClr val="0070C0"/>
-                </a:solidFill>
-                <a:latin typeface="Consolas" panose="020B0609020204030204" pitchFamily="49" charset="0"/>
-              </a:rPr>
-              <a:t>套用 </a:t>
-            </a:r>
-            <a:r>
-              <a:rPr lang="en-US" altLang="zh-TW" sz="3000" dirty="0" err="1">
-                <a:solidFill>
-                  <a:srgbClr val="0070C0"/>
-                </a:solidFill>
-                <a:latin typeface="Consolas" panose="020B0609020204030204" pitchFamily="49" charset="0"/>
-              </a:rPr>
-              <a:t>JQuery</a:t>
-            </a:r>
-            <a:r>
-              <a:rPr lang="en-US" altLang="zh-TW" sz="3000" dirty="0">
-                <a:solidFill>
-                  <a:srgbClr val="0070C0"/>
-                </a:solidFill>
-                <a:latin typeface="Consolas" panose="020B0609020204030204" pitchFamily="49" charset="0"/>
-              </a:rPr>
-              <a:t> CDN</a:t>
-            </a:r>
-            <a:br>
-              <a:rPr lang="en-US" altLang="zh-TW" sz="1750" dirty="0">
-                <a:latin typeface="Consolas" panose="020B0609020204030204" pitchFamily="49" charset="0"/>
-              </a:rPr>
-            </a:br>
-            <a:r>
-              <a:rPr lang="en-US" altLang="zh-TW" sz="1750" dirty="0">
-                <a:latin typeface="Consolas" panose="020B0609020204030204" pitchFamily="49" charset="0"/>
-              </a:rPr>
-              <a:t>&lt;</a:t>
-            </a:r>
-            <a:r>
-              <a:rPr lang="en-US" altLang="zh-TW" sz="1750" dirty="0">
-                <a:solidFill>
-                  <a:schemeClr val="accent2"/>
-                </a:solidFill>
-                <a:latin typeface="Consolas" panose="020B0609020204030204" pitchFamily="49" charset="0"/>
-              </a:rPr>
-              <a:t>script</a:t>
-            </a:r>
-            <a:r>
-              <a:rPr lang="en-US" altLang="zh-TW" sz="1750" dirty="0">
-                <a:latin typeface="Consolas" panose="020B0609020204030204" pitchFamily="49" charset="0"/>
-              </a:rPr>
-              <a:t> </a:t>
-            </a:r>
-            <a:r>
-              <a:rPr lang="en-US" altLang="zh-TW" sz="1750" dirty="0" err="1">
-                <a:latin typeface="Consolas" panose="020B0609020204030204" pitchFamily="49" charset="0"/>
-              </a:rPr>
-              <a:t>src</a:t>
-            </a:r>
-            <a:r>
-              <a:rPr lang="en-US" altLang="zh-TW" sz="1750" dirty="0">
-                <a:latin typeface="Consolas" panose="020B0609020204030204" pitchFamily="49" charset="0"/>
-              </a:rPr>
-              <a:t>="</a:t>
-            </a:r>
-            <a:r>
-              <a:rPr lang="en-US" altLang="zh-TW" sz="1750" dirty="0">
-                <a:solidFill>
-                  <a:srgbClr val="00B050"/>
-                </a:solidFill>
-                <a:latin typeface="Consolas" panose="020B0609020204030204" pitchFamily="49" charset="0"/>
-              </a:rPr>
-              <a:t>https://code.jquery.com/jquery-3.5.1.slim.min.js</a:t>
-            </a:r>
-            <a:r>
-              <a:rPr lang="en-US" altLang="zh-TW" sz="1750" dirty="0">
-                <a:latin typeface="Consolas" panose="020B0609020204030204" pitchFamily="49" charset="0"/>
-              </a:rPr>
-              <a:t>"&gt;&lt;/</a:t>
-            </a:r>
-            <a:r>
-              <a:rPr lang="en-US" altLang="zh-TW" sz="1750" dirty="0">
-                <a:solidFill>
-                  <a:schemeClr val="accent2"/>
-                </a:solidFill>
-                <a:latin typeface="Consolas" panose="020B0609020204030204" pitchFamily="49" charset="0"/>
-              </a:rPr>
-              <a:t>script</a:t>
-            </a:r>
-            <a:r>
-              <a:rPr lang="en-US" altLang="zh-TW" sz="1750" dirty="0">
-                <a:latin typeface="Consolas" panose="020B0609020204030204" pitchFamily="49" charset="0"/>
-              </a:rPr>
-              <a:t>&gt;</a:t>
-            </a:r>
-          </a:p>
-          <a:p>
-            <a:pPr marL="0" indent="0" algn="ctr">
-              <a:lnSpc>
-                <a:spcPct val="150000"/>
-              </a:lnSpc>
-              <a:buNone/>
-            </a:pPr>
-            <a:endParaRPr lang="en-US" altLang="zh-TW" sz="1750" dirty="0">
-              <a:latin typeface="Consolas" panose="020B0609020204030204" pitchFamily="49" charset="0"/>
-            </a:endParaRPr>
-          </a:p>
-          <a:p>
-            <a:pPr marL="0" indent="0" algn="ctr">
-              <a:lnSpc>
-                <a:spcPct val="150000"/>
-              </a:lnSpc>
-              <a:buNone/>
-            </a:pPr>
-            <a:r>
-              <a:rPr lang="zh-TW" altLang="en-US" sz="3000" dirty="0">
-                <a:solidFill>
-                  <a:srgbClr val="0070C0"/>
-                </a:solidFill>
-                <a:latin typeface="Consolas" panose="020B0609020204030204" pitchFamily="49" charset="0"/>
-              </a:rPr>
-              <a:t>下載下來</a:t>
-            </a:r>
-            <a:endParaRPr lang="en-US" altLang="zh-TW" sz="3000" dirty="0">
-              <a:solidFill>
-                <a:srgbClr val="0070C0"/>
-              </a:solidFill>
-              <a:latin typeface="Consolas" panose="020B0609020204030204" pitchFamily="49" charset="0"/>
-            </a:endParaRPr>
-          </a:p>
-          <a:p>
-            <a:pPr marL="0" indent="0" algn="ctr">
-              <a:lnSpc>
-                <a:spcPct val="150000"/>
-              </a:lnSpc>
-              <a:buNone/>
-            </a:pPr>
-            <a:r>
-              <a:rPr lang="en-US" altLang="zh-TW" sz="1800" dirty="0">
-                <a:solidFill>
-                  <a:srgbClr val="00B050"/>
-                </a:solidFill>
-                <a:latin typeface="Consolas" panose="020B0609020204030204" pitchFamily="49" charset="0"/>
-              </a:rPr>
-              <a:t>https://</a:t>
-            </a:r>
-            <a:r>
-              <a:rPr lang="en-US" altLang="zh-TW" sz="1800" dirty="0" err="1">
-                <a:solidFill>
-                  <a:srgbClr val="00B050"/>
-                </a:solidFill>
-                <a:latin typeface="Consolas" panose="020B0609020204030204" pitchFamily="49" charset="0"/>
-              </a:rPr>
-              <a:t>code.jquery.com</a:t>
-            </a:r>
-            <a:r>
-              <a:rPr lang="en-US" altLang="zh-TW" sz="1800" dirty="0">
-                <a:solidFill>
-                  <a:srgbClr val="00B050"/>
-                </a:solidFill>
-                <a:latin typeface="Consolas" panose="020B0609020204030204" pitchFamily="49" charset="0"/>
-              </a:rPr>
-              <a:t>/jquery-3.5.1.slim.min.js</a:t>
-            </a:r>
-            <a:endParaRPr lang="en-US" altLang="zh-TW" sz="1800" dirty="0"/>
-          </a:p>
-        </p:txBody>
-      </p:sp>
-    </p:spTree>
-    <p:extLst>
-      <p:ext uri="{BB962C8B-B14F-4D97-AF65-F5344CB8AC3E}">
-        <p14:creationId xmlns:p14="http://schemas.microsoft.com/office/powerpoint/2010/main" val="1341841810"/>
-      </p:ext>
-    </p:extLst>
-  </p:cSld>
-  <p:clrMapOvr>
-    <a:masterClrMapping/>
-  </p:clrMapOvr>
-</p:sld>
-</file>
-
-<file path=ppt/slides/slide5.xml><?xml version="1.0" encoding="utf-8"?>
-<p:sld xmlns:a="http://schemas.openxmlformats.org/drawingml/2006/main" xmlns:r="http://schemas.openxmlformats.org/officeDocument/2006/relationships" xmlns:p="http://schemas.openxmlformats.org/presentationml/2006/main">
-  <p:cSld>
-    <p:spTree>
-      <p:nvGrpSpPr>
-        <p:cNvPr id="1" name=""/>
-        <p:cNvGrpSpPr/>
-        <p:nvPr/>
-      </p:nvGrpSpPr>
-      <p:grpSpPr>
-        <a:xfrm>
-          <a:off x="0" y="0"/>
-          <a:ext cx="0" cy="0"/>
-          <a:chOff x="0" y="0"/>
-          <a:chExt cx="0" cy="0"/>
-        </a:xfrm>
-      </p:grpSpPr>
-      <p:sp>
-        <p:nvSpPr>
-          <p:cNvPr id="15" name="圓角矩形 8">
-            <a:extLst>
-              <a:ext uri="{FF2B5EF4-FFF2-40B4-BE49-F238E27FC236}">
-                <a16:creationId xmlns:a16="http://schemas.microsoft.com/office/drawing/2014/main" id="{C55E240A-23FD-4412-B6FD-6D30174F5358}"/>
-              </a:ext>
-            </a:extLst>
-          </p:cNvPr>
-          <p:cNvSpPr/>
-          <p:nvPr/>
-        </p:nvSpPr>
-        <p:spPr>
-          <a:xfrm>
-            <a:off x="251520" y="1340768"/>
-            <a:ext cx="8640960" cy="1872208"/>
-          </a:xfrm>
-          <a:prstGeom prst="roundRect">
-            <a:avLst/>
-          </a:prstGeom>
-          <a:solidFill>
-            <a:schemeClr val="accent1">
-              <a:lumMod val="20000"/>
-              <a:lumOff val="80000"/>
-            </a:schemeClr>
-          </a:solidFill>
-          <a:ln>
-            <a:solidFill>
-              <a:schemeClr val="accent1"/>
-            </a:solidFill>
-          </a:ln>
-          <a:effectLst/>
-        </p:spPr>
-        <p:style>
-          <a:lnRef idx="0">
-            <a:scrgbClr r="0" g="0" b="0"/>
-          </a:lnRef>
-          <a:fillRef idx="0">
-            <a:scrgbClr r="0" g="0" b="0"/>
-          </a:fillRef>
-          <a:effectRef idx="0">
-            <a:scrgbClr r="0" g="0" b="0"/>
-          </a:effectRef>
-          <a:fontRef idx="minor">
-            <a:schemeClr val="lt1"/>
-          </a:fontRef>
-        </p:style>
-        <p:txBody>
-          <a:bodyPr rtlCol="0" anchor="ctr"/>
-          <a:lstStyle/>
-          <a:p>
-            <a:pPr algn="ctr"/>
-            <a:endParaRPr kumimoji="1" lang="zh-TW" altLang="en-US"/>
-          </a:p>
-        </p:txBody>
-      </p:sp>
-      <p:sp>
-        <p:nvSpPr>
-          <p:cNvPr id="2" name="標題 1"/>
-          <p:cNvSpPr>
-            <a:spLocks noGrp="1"/>
-          </p:cNvSpPr>
-          <p:nvPr>
-            <p:ph type="title"/>
-          </p:nvPr>
-        </p:nvSpPr>
-        <p:spPr>
-          <a:xfrm>
-            <a:off x="0" y="1"/>
-            <a:ext cx="9144000" cy="836712"/>
-          </a:xfrm>
-        </p:spPr>
-        <p:txBody>
-          <a:bodyPr anchor="b">
-            <a:normAutofit/>
-          </a:bodyPr>
-          <a:lstStyle/>
-          <a:p>
-            <a:pPr algn="ctr"/>
-            <a:r>
-              <a:rPr lang="zh-TW" altLang="en-US" sz="4000" dirty="0">
-                <a:solidFill>
-                  <a:srgbClr val="0070C0"/>
-                </a:solidFill>
-                <a:latin typeface="微軟正黑體" panose="020B0604030504040204" pitchFamily="34" charset="-120"/>
-              </a:rPr>
-              <a:t>為什麼要用 </a:t>
-            </a:r>
-            <a:r>
-              <a:rPr lang="en-US" altLang="zh-TW" sz="4000" dirty="0" err="1">
-                <a:solidFill>
-                  <a:srgbClr val="0070C0"/>
-                </a:solidFill>
-                <a:latin typeface="微軟正黑體" panose="020B0604030504040204" pitchFamily="34" charset="-120"/>
-              </a:rPr>
-              <a:t>JQuery</a:t>
-            </a:r>
-            <a:r>
-              <a:rPr lang="zh-TW" altLang="en-US" sz="4000" dirty="0">
-                <a:solidFill>
-                  <a:srgbClr val="0070C0"/>
-                </a:solidFill>
-                <a:latin typeface="微軟正黑體" panose="020B0604030504040204" pitchFamily="34" charset="-120"/>
-              </a:rPr>
-              <a:t> </a:t>
-            </a:r>
-            <a:r>
-              <a:rPr lang="en-US" altLang="zh-TW" sz="4000" dirty="0">
-                <a:solidFill>
-                  <a:srgbClr val="0070C0"/>
-                </a:solidFill>
-                <a:latin typeface="微軟正黑體" panose="020B0604030504040204" pitchFamily="34" charset="-120"/>
-              </a:rPr>
-              <a:t>?</a:t>
-            </a:r>
-            <a:endParaRPr lang="zh-TW" altLang="en-US" sz="4000" dirty="0">
-              <a:solidFill>
-                <a:srgbClr val="0070C0"/>
-              </a:solidFill>
-              <a:latin typeface="微軟正黑體" panose="020B0604030504040204" pitchFamily="34" charset="-120"/>
-              <a:ea typeface="微軟正黑體" panose="020B0604030504040204" pitchFamily="34" charset="-120"/>
-            </a:endParaRPr>
-          </a:p>
-        </p:txBody>
-      </p:sp>
-      <p:sp>
-        <p:nvSpPr>
-          <p:cNvPr id="17" name="圓角矩形 8">
-            <a:extLst>
-              <a:ext uri="{FF2B5EF4-FFF2-40B4-BE49-F238E27FC236}">
-                <a16:creationId xmlns:a16="http://schemas.microsoft.com/office/drawing/2014/main" id="{BA5FAF60-24A1-4CF8-91EE-7FD532DA07FA}"/>
-              </a:ext>
-            </a:extLst>
-          </p:cNvPr>
-          <p:cNvSpPr/>
-          <p:nvPr/>
-        </p:nvSpPr>
-        <p:spPr>
-          <a:xfrm>
-            <a:off x="3059832" y="3717032"/>
-            <a:ext cx="3024336" cy="2032619"/>
-          </a:xfrm>
-          <a:prstGeom prst="roundRect">
-            <a:avLst/>
-          </a:prstGeom>
-          <a:solidFill>
-            <a:schemeClr val="accent1">
-              <a:lumMod val="20000"/>
-              <a:lumOff val="80000"/>
-            </a:schemeClr>
-          </a:solidFill>
-          <a:ln>
-            <a:solidFill>
-              <a:schemeClr val="accent1"/>
-            </a:solidFill>
-          </a:ln>
-          <a:effectLst/>
-        </p:spPr>
-        <p:style>
-          <a:lnRef idx="0">
-            <a:scrgbClr r="0" g="0" b="0"/>
-          </a:lnRef>
-          <a:fillRef idx="0">
-            <a:scrgbClr r="0" g="0" b="0"/>
-          </a:fillRef>
-          <a:effectRef idx="0">
-            <a:scrgbClr r="0" g="0" b="0"/>
-          </a:effectRef>
-          <a:fontRef idx="minor">
-            <a:schemeClr val="lt1"/>
-          </a:fontRef>
-        </p:style>
-        <p:txBody>
-          <a:bodyPr rtlCol="0" anchor="ctr"/>
-          <a:lstStyle/>
-          <a:p>
-            <a:pPr algn="ctr"/>
-            <a:endParaRPr kumimoji="1" lang="zh-TW" altLang="en-US"/>
-          </a:p>
-        </p:txBody>
-      </p:sp>
-      <p:sp>
-        <p:nvSpPr>
-          <p:cNvPr id="5" name="內容版面配置區 4">
-            <a:extLst>
-              <a:ext uri="{FF2B5EF4-FFF2-40B4-BE49-F238E27FC236}">
-                <a16:creationId xmlns:a16="http://schemas.microsoft.com/office/drawing/2014/main" id="{6E0B32DB-5057-9F4F-9670-073195DD147E}"/>
-              </a:ext>
-            </a:extLst>
-          </p:cNvPr>
-          <p:cNvSpPr>
-            <a:spLocks noGrp="1"/>
-          </p:cNvSpPr>
-          <p:nvPr>
-            <p:ph idx="1"/>
-          </p:nvPr>
-        </p:nvSpPr>
-        <p:spPr>
-          <a:xfrm>
-            <a:off x="251520" y="1274886"/>
-            <a:ext cx="8640960" cy="4674394"/>
-          </a:xfrm>
-        </p:spPr>
-        <p:txBody>
-          <a:bodyPr>
-            <a:normAutofit fontScale="70000" lnSpcReduction="20000"/>
-          </a:bodyPr>
-          <a:lstStyle/>
-          <a:p>
-            <a:pPr marL="0" indent="0" algn="ctr">
-              <a:lnSpc>
-                <a:spcPct val="150000"/>
-              </a:lnSpc>
-              <a:buNone/>
-            </a:pPr>
-            <a:r>
-              <a:rPr lang="zh-TW" altLang="en-US" sz="3000" dirty="0">
-                <a:solidFill>
-                  <a:srgbClr val="0070C0"/>
-                </a:solidFill>
-                <a:latin typeface="微軟正黑體" panose="020B0604030504040204" pitchFamily="34" charset="-120"/>
-              </a:rPr>
-              <a:t>原生 </a:t>
-            </a:r>
-            <a:r>
-              <a:rPr lang="en-US" altLang="zh-TW" sz="3000" dirty="0">
-                <a:solidFill>
-                  <a:srgbClr val="0070C0"/>
-                </a:solidFill>
-                <a:latin typeface="微軟正黑體" panose="020B0604030504040204" pitchFamily="34" charset="-120"/>
-              </a:rPr>
-              <a:t>JS</a:t>
-            </a:r>
-          </a:p>
-          <a:p>
-            <a:pPr marL="0" indent="0" algn="ctr">
-              <a:lnSpc>
-                <a:spcPct val="150000"/>
-              </a:lnSpc>
-              <a:buNone/>
-            </a:pPr>
-            <a:r>
-              <a:rPr lang="en-US" altLang="zh-TW" sz="2500" dirty="0">
-                <a:solidFill>
-                  <a:srgbClr val="0070C0"/>
-                </a:solidFill>
-                <a:latin typeface="微軟正黑體" panose="020B0604030504040204" pitchFamily="34" charset="-120"/>
-              </a:rPr>
-              <a:t>document . </a:t>
-            </a:r>
-            <a:r>
-              <a:rPr lang="en-US" altLang="zh-TW" sz="2500" dirty="0" err="1">
-                <a:solidFill>
-                  <a:srgbClr val="0070C0"/>
-                </a:solidFill>
-                <a:latin typeface="微軟正黑體" panose="020B0604030504040204" pitchFamily="34" charset="-120"/>
-              </a:rPr>
-              <a:t>getElementBy</a:t>
-            </a:r>
-            <a:r>
-              <a:rPr lang="en-US" altLang="zh-TW" sz="2500" dirty="0" err="1">
-                <a:solidFill>
-                  <a:srgbClr val="FF0000"/>
-                </a:solidFill>
-                <a:latin typeface="微軟正黑體" panose="020B0604030504040204" pitchFamily="34" charset="-120"/>
-              </a:rPr>
-              <a:t>Id</a:t>
-            </a:r>
-            <a:r>
-              <a:rPr lang="en-US" altLang="zh-TW" sz="2500" dirty="0">
-                <a:solidFill>
-                  <a:srgbClr val="0070C0"/>
-                </a:solidFill>
-                <a:latin typeface="微軟正黑體" panose="020B0604030504040204" pitchFamily="34" charset="-120"/>
-              </a:rPr>
-              <a:t>("</a:t>
-            </a:r>
-            <a:r>
-              <a:rPr lang="en-US" altLang="zh-TW" sz="2500" dirty="0">
-                <a:solidFill>
-                  <a:srgbClr val="FF0000"/>
-                </a:solidFill>
-                <a:latin typeface="微軟正黑體" panose="020B0604030504040204" pitchFamily="34" charset="-120"/>
-              </a:rPr>
-              <a:t>id</a:t>
-            </a:r>
-            <a:r>
-              <a:rPr lang="en-US" altLang="zh-TW" sz="2500" dirty="0">
-                <a:solidFill>
-                  <a:srgbClr val="0070C0"/>
-                </a:solidFill>
-                <a:latin typeface="微軟正黑體" panose="020B0604030504040204" pitchFamily="34" charset="-120"/>
-              </a:rPr>
-              <a:t>")</a:t>
-            </a:r>
-          </a:p>
-          <a:p>
-            <a:pPr marL="0" indent="0" algn="ctr">
-              <a:lnSpc>
-                <a:spcPct val="150000"/>
-              </a:lnSpc>
-              <a:buNone/>
-            </a:pPr>
-            <a:r>
-              <a:rPr lang="en-US" altLang="zh-TW" sz="2500" dirty="0">
-                <a:solidFill>
-                  <a:srgbClr val="0070C0"/>
-                </a:solidFill>
-                <a:latin typeface="微軟正黑體" panose="020B0604030504040204" pitchFamily="34" charset="-120"/>
-              </a:rPr>
-              <a:t>document . </a:t>
-            </a:r>
-            <a:r>
-              <a:rPr lang="en-US" altLang="zh-TW" sz="2500" dirty="0" err="1">
-                <a:solidFill>
-                  <a:srgbClr val="0070C0"/>
-                </a:solidFill>
-                <a:latin typeface="微軟正黑體" panose="020B0604030504040204" pitchFamily="34" charset="-120"/>
-              </a:rPr>
-              <a:t>getElementsBy</a:t>
-            </a:r>
-            <a:r>
-              <a:rPr lang="en-US" altLang="zh-TW" sz="2500" dirty="0" err="1">
-                <a:solidFill>
-                  <a:srgbClr val="FF0000"/>
-                </a:solidFill>
-                <a:latin typeface="微軟正黑體" panose="020B0604030504040204" pitchFamily="34" charset="-120"/>
-              </a:rPr>
-              <a:t>ClassName</a:t>
-            </a:r>
-            <a:r>
-              <a:rPr lang="en-US" altLang="zh-TW" sz="2500" dirty="0">
-                <a:solidFill>
-                  <a:srgbClr val="0070C0"/>
-                </a:solidFill>
-                <a:latin typeface="微軟正黑體" panose="020B0604030504040204" pitchFamily="34" charset="-120"/>
-              </a:rPr>
-              <a:t>("</a:t>
-            </a:r>
-            <a:r>
-              <a:rPr lang="en-US" altLang="zh-TW" sz="2500" dirty="0">
-                <a:solidFill>
-                  <a:srgbClr val="FF0000"/>
-                </a:solidFill>
-                <a:latin typeface="微軟正黑體" panose="020B0604030504040204" pitchFamily="34" charset="-120"/>
-              </a:rPr>
-              <a:t>class </a:t>
-            </a:r>
-            <a:r>
-              <a:rPr lang="zh-TW" altLang="en-US" sz="2500" dirty="0">
-                <a:solidFill>
-                  <a:srgbClr val="FF0000"/>
-                </a:solidFill>
-                <a:latin typeface="微軟正黑體" panose="020B0604030504040204" pitchFamily="34" charset="-120"/>
-              </a:rPr>
-              <a:t>名稱</a:t>
-            </a:r>
-            <a:r>
-              <a:rPr lang="en-US" altLang="zh-TW" sz="2500" dirty="0">
-                <a:solidFill>
-                  <a:srgbClr val="0070C0"/>
-                </a:solidFill>
-                <a:latin typeface="微軟正黑體" panose="020B0604030504040204" pitchFamily="34" charset="-120"/>
-              </a:rPr>
-              <a:t>")</a:t>
-            </a:r>
-          </a:p>
-          <a:p>
-            <a:pPr marL="0" indent="0" algn="ctr">
-              <a:lnSpc>
-                <a:spcPct val="150000"/>
-              </a:lnSpc>
-              <a:buNone/>
-            </a:pPr>
-            <a:r>
-              <a:rPr lang="en-US" altLang="zh-TW" sz="2500" dirty="0">
-                <a:solidFill>
-                  <a:srgbClr val="0070C0"/>
-                </a:solidFill>
-                <a:latin typeface="微軟正黑體" panose="020B0604030504040204" pitchFamily="34" charset="-120"/>
-              </a:rPr>
-              <a:t>document . </a:t>
-            </a:r>
-            <a:r>
-              <a:rPr lang="en-US" altLang="zh-TW" sz="2500" dirty="0" err="1">
-                <a:solidFill>
-                  <a:srgbClr val="0070C0"/>
-                </a:solidFill>
-                <a:latin typeface="微軟正黑體" panose="020B0604030504040204" pitchFamily="34" charset="-120"/>
-              </a:rPr>
-              <a:t>getElementsBy</a:t>
-            </a:r>
-            <a:r>
-              <a:rPr lang="en-US" altLang="zh-TW" sz="2500" dirty="0" err="1">
-                <a:solidFill>
-                  <a:srgbClr val="FF0000"/>
-                </a:solidFill>
-                <a:latin typeface="微軟正黑體" panose="020B0604030504040204" pitchFamily="34" charset="-120"/>
-              </a:rPr>
-              <a:t>TagName</a:t>
-            </a:r>
-            <a:r>
-              <a:rPr lang="en-US" altLang="zh-TW" sz="2500" dirty="0">
-                <a:solidFill>
-                  <a:srgbClr val="0070C0"/>
-                </a:solidFill>
-                <a:latin typeface="微軟正黑體" panose="020B0604030504040204" pitchFamily="34" charset="-120"/>
-              </a:rPr>
-              <a:t>("</a:t>
-            </a:r>
-            <a:r>
-              <a:rPr lang="en-US" altLang="zh-TW" sz="2500" dirty="0">
-                <a:solidFill>
-                  <a:srgbClr val="FF0000"/>
-                </a:solidFill>
-                <a:latin typeface="微軟正黑體" panose="020B0604030504040204" pitchFamily="34" charset="-120"/>
-              </a:rPr>
-              <a:t>HTML </a:t>
-            </a:r>
-            <a:r>
-              <a:rPr lang="zh-TW" altLang="en-US" sz="2500" dirty="0">
-                <a:solidFill>
-                  <a:srgbClr val="FF0000"/>
-                </a:solidFill>
-                <a:latin typeface="微軟正黑體" panose="020B0604030504040204" pitchFamily="34" charset="-120"/>
-              </a:rPr>
-              <a:t>標籤</a:t>
-            </a:r>
-            <a:r>
-              <a:rPr lang="en-US" altLang="zh-TW" sz="2500" dirty="0">
-                <a:solidFill>
-                  <a:srgbClr val="0070C0"/>
-                </a:solidFill>
-                <a:latin typeface="微軟正黑體" panose="020B0604030504040204" pitchFamily="34" charset="-120"/>
-              </a:rPr>
-              <a:t>")</a:t>
-            </a:r>
-          </a:p>
-          <a:p>
-            <a:pPr marL="0" indent="0" algn="ctr">
-              <a:lnSpc>
-                <a:spcPct val="150000"/>
-              </a:lnSpc>
-              <a:buNone/>
-            </a:pPr>
-            <a:endParaRPr lang="en-US" altLang="zh-TW" sz="3000" dirty="0">
-              <a:solidFill>
-                <a:srgbClr val="0070C0"/>
-              </a:solidFill>
-              <a:latin typeface="微軟正黑體" panose="020B0604030504040204" pitchFamily="34" charset="-120"/>
-            </a:endParaRPr>
-          </a:p>
-          <a:p>
-            <a:pPr marL="0" indent="0" algn="ctr">
-              <a:lnSpc>
-                <a:spcPct val="150000"/>
-              </a:lnSpc>
-              <a:buNone/>
-            </a:pPr>
-            <a:r>
-              <a:rPr lang="en-US" altLang="zh-TW" sz="3000" dirty="0" err="1">
-                <a:solidFill>
-                  <a:srgbClr val="0070C0"/>
-                </a:solidFill>
-                <a:latin typeface="微軟正黑體" panose="020B0604030504040204" pitchFamily="34" charset="-120"/>
-              </a:rPr>
-              <a:t>JQuery</a:t>
-            </a:r>
-            <a:endParaRPr lang="en-US" altLang="zh-TW" sz="3000" dirty="0">
-              <a:solidFill>
-                <a:srgbClr val="0070C0"/>
-              </a:solidFill>
-              <a:latin typeface="微軟正黑體" panose="020B0604030504040204" pitchFamily="34" charset="-120"/>
-            </a:endParaRPr>
-          </a:p>
-          <a:p>
-            <a:pPr marL="0" indent="0" algn="ctr">
-              <a:lnSpc>
-                <a:spcPct val="150000"/>
-              </a:lnSpc>
-              <a:buNone/>
-            </a:pPr>
-            <a:r>
-              <a:rPr lang="en-US" altLang="zh-TW" sz="3000" dirty="0">
-                <a:solidFill>
-                  <a:srgbClr val="0070C0"/>
-                </a:solidFill>
-                <a:latin typeface="微軟正黑體" panose="020B0604030504040204" pitchFamily="34" charset="-120"/>
-              </a:rPr>
-              <a:t>$ ("</a:t>
-            </a:r>
-            <a:r>
-              <a:rPr lang="en-US" altLang="zh-TW" sz="3000" dirty="0">
-                <a:solidFill>
-                  <a:srgbClr val="FF0000"/>
-                </a:solidFill>
-                <a:latin typeface="微軟正黑體" panose="020B0604030504040204" pitchFamily="34" charset="-120"/>
-              </a:rPr>
-              <a:t>#id</a:t>
-            </a:r>
-            <a:r>
-              <a:rPr lang="en-US" altLang="zh-TW" sz="3000" dirty="0">
-                <a:solidFill>
-                  <a:srgbClr val="0070C0"/>
-                </a:solidFill>
-                <a:latin typeface="微軟正黑體" panose="020B0604030504040204" pitchFamily="34" charset="-120"/>
-              </a:rPr>
-              <a:t>")</a:t>
-            </a:r>
-          </a:p>
-          <a:p>
-            <a:pPr marL="0" indent="0" algn="ctr">
-              <a:lnSpc>
-                <a:spcPct val="150000"/>
-              </a:lnSpc>
-              <a:buNone/>
-            </a:pPr>
-            <a:r>
-              <a:rPr lang="en-US" altLang="zh-TW" sz="3000" dirty="0">
-                <a:solidFill>
-                  <a:srgbClr val="0070C0"/>
-                </a:solidFill>
-                <a:latin typeface="微軟正黑體" panose="020B0604030504040204" pitchFamily="34" charset="-120"/>
-              </a:rPr>
-              <a:t>$("</a:t>
-            </a:r>
-            <a:r>
-              <a:rPr lang="en-US" altLang="zh-TW" sz="3000" dirty="0">
-                <a:solidFill>
-                  <a:srgbClr val="FF0000"/>
-                </a:solidFill>
-                <a:latin typeface="微軟正黑體" panose="020B0604030504040204" pitchFamily="34" charset="-120"/>
-              </a:rPr>
-              <a:t>.</a:t>
-            </a:r>
-            <a:r>
-              <a:rPr lang="zh-TW" altLang="en-US" sz="3200" dirty="0">
-                <a:solidFill>
-                  <a:srgbClr val="FF0000"/>
-                </a:solidFill>
-                <a:latin typeface="微軟正黑體" panose="020B0604030504040204" pitchFamily="34" charset="-120"/>
-              </a:rPr>
-              <a:t> </a:t>
-            </a:r>
-            <a:r>
-              <a:rPr lang="en-US" altLang="zh-TW" sz="3200" dirty="0">
-                <a:solidFill>
-                  <a:srgbClr val="FF0000"/>
-                </a:solidFill>
-                <a:latin typeface="微軟正黑體" panose="020B0604030504040204" pitchFamily="34" charset="-120"/>
-              </a:rPr>
-              <a:t>class </a:t>
-            </a:r>
-            <a:r>
-              <a:rPr lang="zh-TW" altLang="en-US" sz="3200" dirty="0">
-                <a:solidFill>
-                  <a:srgbClr val="FF0000"/>
-                </a:solidFill>
-                <a:latin typeface="微軟正黑體" panose="020B0604030504040204" pitchFamily="34" charset="-120"/>
-              </a:rPr>
-              <a:t>名稱</a:t>
-            </a:r>
-            <a:r>
-              <a:rPr lang="en-US" altLang="zh-TW" sz="3000" dirty="0">
-                <a:solidFill>
-                  <a:srgbClr val="0070C0"/>
-                </a:solidFill>
-                <a:latin typeface="微軟正黑體" panose="020B0604030504040204" pitchFamily="34" charset="-120"/>
-              </a:rPr>
-              <a:t>")</a:t>
-            </a:r>
-          </a:p>
-          <a:p>
-            <a:pPr marL="0" indent="0" algn="ctr">
-              <a:lnSpc>
-                <a:spcPct val="150000"/>
-              </a:lnSpc>
-              <a:buNone/>
-            </a:pPr>
-            <a:r>
-              <a:rPr lang="en-US" altLang="zh-TW" sz="3000" dirty="0">
-                <a:solidFill>
-                  <a:srgbClr val="0070C0"/>
-                </a:solidFill>
-                <a:latin typeface="微軟正黑體" panose="020B0604030504040204" pitchFamily="34" charset="-120"/>
-              </a:rPr>
-              <a:t>$("</a:t>
-            </a:r>
-            <a:r>
-              <a:rPr lang="en-US" altLang="zh-TW" sz="3200" dirty="0">
-                <a:solidFill>
-                  <a:srgbClr val="FF0000"/>
-                </a:solidFill>
-                <a:latin typeface="微軟正黑體" panose="020B0604030504040204" pitchFamily="34" charset="-120"/>
-              </a:rPr>
-              <a:t>HTML </a:t>
-            </a:r>
-            <a:r>
-              <a:rPr lang="zh-TW" altLang="en-US" sz="3200" dirty="0">
-                <a:solidFill>
-                  <a:srgbClr val="FF0000"/>
-                </a:solidFill>
-                <a:latin typeface="微軟正黑體" panose="020B0604030504040204" pitchFamily="34" charset="-120"/>
-              </a:rPr>
-              <a:t>標籤</a:t>
-            </a:r>
-            <a:r>
-              <a:rPr lang="en-US" altLang="zh-TW" sz="3000" dirty="0">
-                <a:solidFill>
-                  <a:srgbClr val="0070C0"/>
-                </a:solidFill>
-                <a:latin typeface="微軟正黑體" panose="020B0604030504040204" pitchFamily="34" charset="-120"/>
-              </a:rPr>
-              <a:t>")</a:t>
-            </a:r>
-          </a:p>
-          <a:p>
-            <a:pPr>
-              <a:lnSpc>
-                <a:spcPct val="150000"/>
-              </a:lnSpc>
-            </a:pPr>
-            <a:endParaRPr lang="en-US" altLang="zh-TW" dirty="0"/>
-          </a:p>
-        </p:txBody>
-      </p:sp>
-      <p:pic>
-        <p:nvPicPr>
-          <p:cNvPr id="18" name="圖片 17">
-            <a:extLst>
-              <a:ext uri="{FF2B5EF4-FFF2-40B4-BE49-F238E27FC236}">
-                <a16:creationId xmlns:a16="http://schemas.microsoft.com/office/drawing/2014/main" id="{CFE0CD66-241B-4AAB-BB07-D2FCD0BDC08A}"/>
-              </a:ext>
-            </a:extLst>
-          </p:cNvPr>
-          <p:cNvPicPr>
-            <a:picLocks noChangeAspect="1"/>
-          </p:cNvPicPr>
-          <p:nvPr/>
-        </p:nvPicPr>
-        <p:blipFill>
-          <a:blip r:embed="rId3">
-            <a:extLst>
-              <a:ext uri="{28A0092B-C50C-407E-A947-70E740481C1C}">
-                <a14:useLocalDpi xmlns:a14="http://schemas.microsoft.com/office/drawing/2010/main" val="0"/>
-              </a:ext>
-            </a:extLst>
-          </a:blip>
-          <a:stretch>
-            <a:fillRect/>
-          </a:stretch>
-        </p:blipFill>
-        <p:spPr>
-          <a:xfrm>
-            <a:off x="6350074" y="3340596"/>
-            <a:ext cx="2536676" cy="2536676"/>
-          </a:xfrm>
-          <a:prstGeom prst="rect">
-            <a:avLst/>
-          </a:prstGeom>
-        </p:spPr>
-      </p:pic>
-    </p:spTree>
-    <p:extLst>
-      <p:ext uri="{BB962C8B-B14F-4D97-AF65-F5344CB8AC3E}">
-        <p14:creationId xmlns:p14="http://schemas.microsoft.com/office/powerpoint/2010/main" val="601437839"/>
-      </p:ext>
-    </p:extLst>
-  </p:cSld>
-  <p:clrMapOvr>
-    <a:masterClrMapping/>
-  </p:clrMapOvr>
-</p:sld>
-</file>
-
-<file path=ppt/slides/slide6.xml><?xml version="1.0" encoding="utf-8"?>
-<p:sld xmlns:a="http://schemas.openxmlformats.org/drawingml/2006/main" xmlns:r="http://schemas.openxmlformats.org/officeDocument/2006/relationships" xmlns:p="http://schemas.openxmlformats.org/presentationml/2006/main">
-  <p:cSld>
-    <p:spTree>
-      <p:nvGrpSpPr>
-        <p:cNvPr id="1" name=""/>
-        <p:cNvGrpSpPr/>
-        <p:nvPr/>
-      </p:nvGrpSpPr>
-      <p:grpSpPr>
-        <a:xfrm>
-          <a:off x="0" y="0"/>
-          <a:ext cx="0" cy="0"/>
-          <a:chOff x="0" y="0"/>
-          <a:chExt cx="0" cy="0"/>
-        </a:xfrm>
-      </p:grpSpPr>
-      <p:sp>
-        <p:nvSpPr>
-          <p:cNvPr id="2" name="標題 1"/>
-          <p:cNvSpPr>
-            <a:spLocks noGrp="1"/>
-          </p:cNvSpPr>
-          <p:nvPr>
-            <p:ph type="title"/>
-          </p:nvPr>
-        </p:nvSpPr>
-        <p:spPr>
-          <a:xfrm>
-            <a:off x="0" y="1"/>
-            <a:ext cx="9144000" cy="836712"/>
-          </a:xfrm>
-        </p:spPr>
-        <p:txBody>
-          <a:bodyPr anchor="b">
-            <a:normAutofit/>
-          </a:bodyPr>
-          <a:lstStyle/>
-          <a:p>
-            <a:pPr algn="ctr"/>
-            <a:r>
-              <a:rPr lang="en-US" altLang="zh-TW" sz="4000" dirty="0">
-                <a:solidFill>
-                  <a:srgbClr val="0070C0"/>
-                </a:solidFill>
-                <a:latin typeface="微軟正黑體" panose="020B0604030504040204" pitchFamily="34" charset="-120"/>
-              </a:rPr>
-              <a:t>$(document).ready( function () {}</a:t>
-            </a:r>
-            <a:r>
-              <a:rPr lang="zh-TW" altLang="en-US" sz="4000" dirty="0">
-                <a:solidFill>
-                  <a:srgbClr val="0070C0"/>
-                </a:solidFill>
-                <a:latin typeface="微軟正黑體" panose="020B0604030504040204" pitchFamily="34" charset="-120"/>
-              </a:rPr>
-              <a:t> </a:t>
-            </a:r>
-            <a:r>
-              <a:rPr lang="en-US" altLang="zh-TW" sz="4000" dirty="0">
-                <a:solidFill>
-                  <a:srgbClr val="0070C0"/>
-                </a:solidFill>
-                <a:latin typeface="微軟正黑體" panose="020B0604030504040204" pitchFamily="34" charset="-120"/>
-              </a:rPr>
-              <a:t>)</a:t>
-            </a:r>
-            <a:endParaRPr lang="zh-TW" altLang="en-US" sz="4000" dirty="0">
-              <a:solidFill>
-                <a:srgbClr val="0070C0"/>
-              </a:solidFill>
-              <a:latin typeface="微軟正黑體" panose="020B0604030504040204" pitchFamily="34" charset="-120"/>
-              <a:ea typeface="微軟正黑體" panose="020B0604030504040204" pitchFamily="34" charset="-120"/>
-            </a:endParaRPr>
-          </a:p>
-        </p:txBody>
-      </p:sp>
-      <p:sp>
-        <p:nvSpPr>
-          <p:cNvPr id="5" name="內容版面配置區 4">
-            <a:extLst>
-              <a:ext uri="{FF2B5EF4-FFF2-40B4-BE49-F238E27FC236}">
-                <a16:creationId xmlns:a16="http://schemas.microsoft.com/office/drawing/2014/main" id="{6E0B32DB-5057-9F4F-9670-073195DD147E}"/>
-              </a:ext>
-            </a:extLst>
-          </p:cNvPr>
-          <p:cNvSpPr>
-            <a:spLocks noGrp="1"/>
-          </p:cNvSpPr>
-          <p:nvPr>
-            <p:ph idx="1"/>
-          </p:nvPr>
-        </p:nvSpPr>
-        <p:spPr>
-          <a:xfrm>
-            <a:off x="251520" y="1124745"/>
-            <a:ext cx="8640960" cy="836712"/>
-          </a:xfrm>
-        </p:spPr>
-        <p:txBody>
-          <a:bodyPr/>
-          <a:lstStyle/>
-          <a:p>
-            <a:pPr marL="0" indent="0" algn="ctr">
-              <a:lnSpc>
-                <a:spcPct val="150000"/>
-              </a:lnSpc>
-              <a:buNone/>
-            </a:pPr>
-            <a:r>
-              <a:rPr lang="zh-TW" altLang="en-US" sz="2500" dirty="0">
-                <a:solidFill>
-                  <a:srgbClr val="0070C0"/>
-                </a:solidFill>
-              </a:rPr>
-              <a:t>為了防止在網頁完全加載完之前運行</a:t>
-            </a:r>
-            <a:r>
-              <a:rPr lang="en-US" altLang="zh-TW" sz="2500" dirty="0" err="1">
-                <a:solidFill>
-                  <a:srgbClr val="0070C0"/>
-                </a:solidFill>
-              </a:rPr>
-              <a:t>JQuery</a:t>
-            </a:r>
-            <a:endParaRPr lang="en-US" altLang="zh-TW" sz="2500" dirty="0">
-              <a:solidFill>
-                <a:srgbClr val="0070C0"/>
-              </a:solidFill>
-            </a:endParaRPr>
-          </a:p>
-        </p:txBody>
-      </p:sp>
-      <p:sp>
-        <p:nvSpPr>
-          <p:cNvPr id="3" name="文字方塊 2">
-            <a:extLst>
-              <a:ext uri="{FF2B5EF4-FFF2-40B4-BE49-F238E27FC236}">
-                <a16:creationId xmlns:a16="http://schemas.microsoft.com/office/drawing/2014/main" id="{F83584EC-BA96-4810-AB19-D58535C90265}"/>
-              </a:ext>
-            </a:extLst>
-          </p:cNvPr>
-          <p:cNvSpPr txBox="1"/>
-          <p:nvPr/>
-        </p:nvSpPr>
-        <p:spPr>
-          <a:xfrm>
-            <a:off x="1822570" y="2448058"/>
-            <a:ext cx="5498860" cy="1961884"/>
-          </a:xfrm>
-          <a:prstGeom prst="rect">
-            <a:avLst/>
-          </a:prstGeom>
-          <a:noFill/>
-        </p:spPr>
-        <p:txBody>
-          <a:bodyPr wrap="square" rtlCol="0">
-            <a:spAutoFit/>
-          </a:bodyPr>
-          <a:lstStyle/>
-          <a:p>
-            <a:pPr>
-              <a:lnSpc>
-                <a:spcPct val="150000"/>
-              </a:lnSpc>
-            </a:pPr>
-            <a:r>
-              <a:rPr lang="en-US" altLang="zh-TW" sz="2800" dirty="0">
-                <a:solidFill>
-                  <a:srgbClr val="0070C0"/>
-                </a:solidFill>
-                <a:latin typeface="微軟正黑體" panose="020B0604030504040204" pitchFamily="34" charset="-120"/>
-              </a:rPr>
-              <a:t>$(document).ready( function ()</a:t>
-            </a:r>
-            <a:r>
-              <a:rPr lang="zh-TW" altLang="en-US" sz="2800" dirty="0">
-                <a:solidFill>
-                  <a:srgbClr val="0070C0"/>
-                </a:solidFill>
-                <a:latin typeface="微軟正黑體" panose="020B0604030504040204" pitchFamily="34" charset="-120"/>
-              </a:rPr>
-              <a:t> </a:t>
-            </a:r>
-            <a:r>
-              <a:rPr lang="en-US" altLang="zh-TW" sz="2800" dirty="0">
-                <a:solidFill>
-                  <a:srgbClr val="0070C0"/>
-                </a:solidFill>
-                <a:latin typeface="微軟正黑體" panose="020B0604030504040204" pitchFamily="34" charset="-120"/>
-              </a:rPr>
-              <a:t>{</a:t>
-            </a:r>
-          </a:p>
-          <a:p>
-            <a:pPr>
-              <a:lnSpc>
-                <a:spcPct val="150000"/>
-              </a:lnSpc>
-            </a:pPr>
-            <a:r>
-              <a:rPr lang="en-US" altLang="zh-TW" sz="2800" dirty="0">
-                <a:solidFill>
-                  <a:srgbClr val="0070C0"/>
-                </a:solidFill>
-                <a:latin typeface="微軟正黑體" panose="020B0604030504040204" pitchFamily="34" charset="-120"/>
-              </a:rPr>
-              <a:t>	</a:t>
-            </a:r>
-            <a:r>
-              <a:rPr lang="zh-TW" altLang="en-US" sz="2800" dirty="0">
-                <a:solidFill>
-                  <a:schemeClr val="accent2"/>
-                </a:solidFill>
-                <a:latin typeface="微軟正黑體" panose="020B0604030504040204" pitchFamily="34" charset="-120"/>
-                <a:ea typeface="微軟正黑體" panose="020B0604030504040204" pitchFamily="34" charset="-120"/>
-              </a:rPr>
-              <a:t>妳的</a:t>
-            </a:r>
-            <a:r>
-              <a:rPr lang="en-US" altLang="zh-TW" sz="2800" dirty="0" err="1">
-                <a:solidFill>
-                  <a:schemeClr val="accent2"/>
-                </a:solidFill>
-                <a:latin typeface="微軟正黑體" panose="020B0604030504040204" pitchFamily="34" charset="-120"/>
-                <a:ea typeface="微軟正黑體" panose="020B0604030504040204" pitchFamily="34" charset="-120"/>
-              </a:rPr>
-              <a:t>JQuery</a:t>
-            </a:r>
-            <a:r>
-              <a:rPr lang="zh-TW" altLang="en-US" sz="2800" dirty="0">
-                <a:solidFill>
-                  <a:schemeClr val="accent2"/>
-                </a:solidFill>
-                <a:latin typeface="微軟正黑體" panose="020B0604030504040204" pitchFamily="34" charset="-120"/>
-                <a:ea typeface="微軟正黑體" panose="020B0604030504040204" pitchFamily="34" charset="-120"/>
-              </a:rPr>
-              <a:t>程式</a:t>
-            </a:r>
-            <a:endParaRPr lang="en-US" altLang="zh-TW" sz="2800" dirty="0">
-              <a:solidFill>
-                <a:schemeClr val="accent2"/>
-              </a:solidFill>
-              <a:latin typeface="微軟正黑體" panose="020B0604030504040204" pitchFamily="34" charset="-120"/>
-              <a:ea typeface="微軟正黑體" panose="020B0604030504040204" pitchFamily="34" charset="-120"/>
-            </a:endParaRPr>
-          </a:p>
-          <a:p>
-            <a:pPr>
-              <a:lnSpc>
-                <a:spcPct val="150000"/>
-              </a:lnSpc>
-            </a:pPr>
-            <a:r>
-              <a:rPr lang="en-US" altLang="zh-TW" sz="2800" dirty="0">
-                <a:solidFill>
-                  <a:srgbClr val="0070C0"/>
-                </a:solidFill>
-                <a:latin typeface="微軟正黑體" panose="020B0604030504040204" pitchFamily="34" charset="-120"/>
-              </a:rPr>
-              <a:t>});</a:t>
-            </a:r>
-            <a:endParaRPr lang="en-US" altLang="zh-TW" sz="2800" dirty="0">
-              <a:solidFill>
-                <a:srgbClr val="0070C0"/>
-              </a:solidFill>
-            </a:endParaRPr>
-          </a:p>
-        </p:txBody>
-      </p:sp>
-    </p:spTree>
-    <p:extLst>
-      <p:ext uri="{BB962C8B-B14F-4D97-AF65-F5344CB8AC3E}">
-        <p14:creationId xmlns:p14="http://schemas.microsoft.com/office/powerpoint/2010/main" val="1745454859"/>
-      </p:ext>
-    </p:extLst>
-  </p:cSld>
-  <p:clrMapOvr>
-    <a:masterClrMapping/>
-  </p:clrMapOvr>
-</p:sld>
-</file>
-
-<file path=ppt/slides/slide7.xml><?xml version="1.0" encoding="utf-8"?>
-<p:sld xmlns:a="http://schemas.openxmlformats.org/drawingml/2006/main" xmlns:r="http://schemas.openxmlformats.org/officeDocument/2006/relationships" xmlns:p="http://schemas.openxmlformats.org/presentationml/2006/main">
-  <p:cSld>
-    <p:spTree>
-      <p:nvGrpSpPr>
-        <p:cNvPr id="1" name=""/>
-        <p:cNvGrpSpPr/>
-        <p:nvPr/>
-      </p:nvGrpSpPr>
-      <p:grpSpPr>
-        <a:xfrm>
-          <a:off x="0" y="0"/>
-          <a:ext cx="0" cy="0"/>
-          <a:chOff x="0" y="0"/>
-          <a:chExt cx="0" cy="0"/>
-        </a:xfrm>
-      </p:grpSpPr>
-      <p:sp>
-        <p:nvSpPr>
-          <p:cNvPr id="2" name="標題 1"/>
-          <p:cNvSpPr>
-            <a:spLocks noGrp="1"/>
-          </p:cNvSpPr>
-          <p:nvPr>
-            <p:ph type="title"/>
-          </p:nvPr>
-        </p:nvSpPr>
-        <p:spPr>
-          <a:xfrm>
-            <a:off x="0" y="1"/>
-            <a:ext cx="9144000" cy="836712"/>
-          </a:xfrm>
-        </p:spPr>
-        <p:txBody>
-          <a:bodyPr anchor="b">
-            <a:normAutofit/>
-          </a:bodyPr>
-          <a:lstStyle/>
-          <a:p>
-            <a:pPr algn="ctr"/>
-            <a:r>
-              <a:rPr lang="zh-TW" altLang="en-US" sz="4000" dirty="0">
-                <a:solidFill>
-                  <a:srgbClr val="0070C0"/>
-                </a:solidFill>
-                <a:latin typeface="微軟正黑體" panose="020B0604030504040204" pitchFamily="34" charset="-120"/>
-              </a:rPr>
-              <a:t>改變目標元素</a:t>
-            </a:r>
-            <a:r>
-              <a:rPr lang="zh-TW" altLang="en-US" sz="4000" dirty="0">
-                <a:solidFill>
-                  <a:srgbClr val="00B050"/>
-                </a:solidFill>
-                <a:latin typeface="微軟正黑體" panose="020B0604030504040204" pitchFamily="34" charset="-120"/>
-              </a:rPr>
-              <a:t>內容</a:t>
-            </a:r>
-          </a:p>
-        </p:txBody>
-      </p:sp>
-      <p:sp>
-        <p:nvSpPr>
-          <p:cNvPr id="5" name="內容版面配置區 4">
-            <a:extLst>
-              <a:ext uri="{FF2B5EF4-FFF2-40B4-BE49-F238E27FC236}">
-                <a16:creationId xmlns:a16="http://schemas.microsoft.com/office/drawing/2014/main" id="{6E0B32DB-5057-9F4F-9670-073195DD147E}"/>
-              </a:ext>
-            </a:extLst>
-          </p:cNvPr>
-          <p:cNvSpPr>
-            <a:spLocks noGrp="1"/>
-          </p:cNvSpPr>
-          <p:nvPr>
-            <p:ph idx="1"/>
-          </p:nvPr>
-        </p:nvSpPr>
-        <p:spPr>
-          <a:xfrm>
-            <a:off x="251520" y="1628800"/>
-            <a:ext cx="8640960" cy="3024336"/>
-          </a:xfrm>
-        </p:spPr>
-        <p:txBody>
-          <a:bodyPr>
-            <a:noAutofit/>
-          </a:bodyPr>
-          <a:lstStyle/>
-          <a:p>
-            <a:pPr marL="0" indent="0" algn="ctr">
-              <a:lnSpc>
-                <a:spcPct val="150000"/>
-              </a:lnSpc>
-              <a:buNone/>
-            </a:pPr>
-            <a:r>
-              <a:rPr lang="zh-TW" altLang="en-US" sz="2700" dirty="0">
-                <a:solidFill>
-                  <a:srgbClr val="0070C0"/>
-                </a:solidFill>
-                <a:latin typeface="微軟正黑體" panose="020B0604030504040204" pitchFamily="34" charset="-120"/>
-              </a:rPr>
-              <a:t>原生 </a:t>
-            </a:r>
-            <a:r>
-              <a:rPr lang="en-US" altLang="zh-TW" sz="2700" dirty="0">
-                <a:solidFill>
-                  <a:srgbClr val="0070C0"/>
-                </a:solidFill>
-                <a:latin typeface="微軟正黑體" panose="020B0604030504040204" pitchFamily="34" charset="-120"/>
-              </a:rPr>
-              <a:t>JS</a:t>
-            </a:r>
-          </a:p>
-          <a:p>
-            <a:pPr marL="0" indent="0" algn="ctr">
-              <a:lnSpc>
-                <a:spcPct val="150000"/>
-              </a:lnSpc>
-              <a:buNone/>
-            </a:pPr>
-            <a:r>
-              <a:rPr lang="en-US" altLang="zh-TW" sz="2700" dirty="0" err="1">
-                <a:solidFill>
-                  <a:srgbClr val="0070C0"/>
-                </a:solidFill>
-                <a:latin typeface="微軟正黑體" panose="020B0604030504040204" pitchFamily="34" charset="-120"/>
-              </a:rPr>
-              <a:t>HTMLElement</a:t>
-            </a:r>
-            <a:r>
-              <a:rPr lang="en-US" altLang="zh-TW" sz="2700" dirty="0">
-                <a:solidFill>
-                  <a:srgbClr val="0070C0"/>
-                </a:solidFill>
-                <a:latin typeface="微軟正黑體" panose="020B0604030504040204" pitchFamily="34" charset="-120"/>
-              </a:rPr>
-              <a:t> . </a:t>
-            </a:r>
-            <a:r>
-              <a:rPr lang="en-US" altLang="zh-TW" sz="2700" dirty="0" err="1">
-                <a:solidFill>
-                  <a:srgbClr val="00B050"/>
-                </a:solidFill>
-                <a:latin typeface="微軟正黑體" panose="020B0604030504040204" pitchFamily="34" charset="-120"/>
-              </a:rPr>
-              <a:t>innerHTML</a:t>
-            </a:r>
-            <a:r>
-              <a:rPr lang="en-US" altLang="zh-TW" sz="2700" dirty="0">
-                <a:solidFill>
-                  <a:srgbClr val="0070C0"/>
-                </a:solidFill>
-                <a:latin typeface="微軟正黑體" panose="020B0604030504040204" pitchFamily="34" charset="-120"/>
-              </a:rPr>
-              <a:t> = </a:t>
-            </a:r>
-            <a:r>
-              <a:rPr lang="en-US" altLang="zh-TW" sz="2700" dirty="0">
-                <a:solidFill>
-                  <a:schemeClr val="accent2"/>
-                </a:solidFill>
-                <a:latin typeface="微軟正黑體" panose="020B0604030504040204" pitchFamily="34" charset="-120"/>
-              </a:rPr>
-              <a:t>" "</a:t>
-            </a:r>
-          </a:p>
-          <a:p>
-            <a:pPr marL="0" indent="0" algn="ctr">
-              <a:lnSpc>
-                <a:spcPct val="150000"/>
-              </a:lnSpc>
-              <a:buNone/>
-            </a:pPr>
-            <a:endParaRPr lang="en-US" altLang="zh-TW" sz="2700" dirty="0">
-              <a:solidFill>
-                <a:schemeClr val="accent2"/>
-              </a:solidFill>
-              <a:latin typeface="微軟正黑體" panose="020B0604030504040204" pitchFamily="34" charset="-120"/>
-            </a:endParaRPr>
-          </a:p>
-          <a:p>
-            <a:pPr marL="0" indent="0" algn="ctr">
-              <a:lnSpc>
-                <a:spcPct val="150000"/>
-              </a:lnSpc>
-              <a:buNone/>
-            </a:pPr>
-            <a:r>
-              <a:rPr lang="en-US" altLang="zh-TW" sz="2700" dirty="0" err="1">
-                <a:solidFill>
-                  <a:srgbClr val="0070C0"/>
-                </a:solidFill>
-                <a:latin typeface="微軟正黑體" panose="020B0604030504040204" pitchFamily="34" charset="-120"/>
-              </a:rPr>
-              <a:t>JQuery</a:t>
-            </a:r>
-            <a:endParaRPr lang="en-US" altLang="zh-TW" sz="2700" dirty="0">
-              <a:solidFill>
-                <a:srgbClr val="0070C0"/>
-              </a:solidFill>
-              <a:latin typeface="微軟正黑體" panose="020B0604030504040204" pitchFamily="34" charset="-120"/>
-            </a:endParaRPr>
-          </a:p>
-          <a:p>
-            <a:pPr marL="0" indent="0" algn="ctr">
-              <a:lnSpc>
-                <a:spcPct val="150000"/>
-              </a:lnSpc>
-              <a:buNone/>
-            </a:pPr>
-            <a:r>
-              <a:rPr lang="en-US" altLang="zh-TW" sz="2700" dirty="0">
-                <a:solidFill>
-                  <a:srgbClr val="0070C0"/>
-                </a:solidFill>
-                <a:latin typeface="微軟正黑體" panose="020B0604030504040204" pitchFamily="34" charset="-120"/>
-              </a:rPr>
-              <a:t>$ ("</a:t>
-            </a:r>
-            <a:r>
-              <a:rPr lang="en-US" altLang="zh-TW" sz="2700" dirty="0">
-                <a:solidFill>
-                  <a:srgbClr val="FF0000"/>
-                </a:solidFill>
-                <a:latin typeface="微軟正黑體" panose="020B0604030504040204" pitchFamily="34" charset="-120"/>
-              </a:rPr>
-              <a:t>#id</a:t>
-            </a:r>
-            <a:r>
-              <a:rPr lang="en-US" altLang="zh-TW" sz="2700" dirty="0">
-                <a:solidFill>
-                  <a:srgbClr val="0070C0"/>
-                </a:solidFill>
-                <a:latin typeface="微軟正黑體" panose="020B0604030504040204" pitchFamily="34" charset="-120"/>
-              </a:rPr>
-              <a:t>") </a:t>
-            </a:r>
-            <a:r>
-              <a:rPr lang="en-US" altLang="zh-TW" sz="2700" dirty="0">
-                <a:solidFill>
-                  <a:srgbClr val="00B050"/>
-                </a:solidFill>
-                <a:latin typeface="微軟正黑體" panose="020B0604030504040204" pitchFamily="34" charset="-120"/>
-              </a:rPr>
-              <a:t>/</a:t>
-            </a:r>
-            <a:r>
-              <a:rPr lang="en-US" altLang="zh-TW" sz="2700" dirty="0">
-                <a:solidFill>
-                  <a:srgbClr val="0070C0"/>
-                </a:solidFill>
-                <a:latin typeface="微軟正黑體" panose="020B0604030504040204" pitchFamily="34" charset="-120"/>
-              </a:rPr>
-              <a:t> $("</a:t>
-            </a:r>
-            <a:r>
-              <a:rPr lang="en-US" altLang="zh-TW" sz="2700" dirty="0">
-                <a:solidFill>
-                  <a:srgbClr val="FF0000"/>
-                </a:solidFill>
-                <a:latin typeface="微軟正黑體" panose="020B0604030504040204" pitchFamily="34" charset="-120"/>
-              </a:rPr>
-              <a:t>.</a:t>
-            </a:r>
-            <a:r>
-              <a:rPr lang="zh-TW" altLang="en-US" sz="2700" dirty="0">
-                <a:solidFill>
-                  <a:srgbClr val="FF0000"/>
-                </a:solidFill>
-                <a:latin typeface="微軟正黑體" panose="020B0604030504040204" pitchFamily="34" charset="-120"/>
-              </a:rPr>
-              <a:t> </a:t>
-            </a:r>
-            <a:r>
-              <a:rPr lang="en-US" altLang="zh-TW" sz="2700" dirty="0">
-                <a:solidFill>
-                  <a:srgbClr val="FF0000"/>
-                </a:solidFill>
-                <a:latin typeface="微軟正黑體" panose="020B0604030504040204" pitchFamily="34" charset="-120"/>
-              </a:rPr>
-              <a:t>class </a:t>
-            </a:r>
-            <a:r>
-              <a:rPr lang="zh-TW" altLang="en-US" sz="2700" dirty="0">
-                <a:solidFill>
-                  <a:srgbClr val="FF0000"/>
-                </a:solidFill>
-                <a:latin typeface="微軟正黑體" panose="020B0604030504040204" pitchFamily="34" charset="-120"/>
-              </a:rPr>
-              <a:t>名稱</a:t>
-            </a:r>
-            <a:r>
-              <a:rPr lang="en-US" altLang="zh-TW" sz="2700" dirty="0">
-                <a:solidFill>
-                  <a:srgbClr val="0070C0"/>
-                </a:solidFill>
-                <a:latin typeface="微軟正黑體" panose="020B0604030504040204" pitchFamily="34" charset="-120"/>
-              </a:rPr>
-              <a:t>") </a:t>
-            </a:r>
-            <a:r>
-              <a:rPr lang="en-US" altLang="zh-TW" sz="2700" dirty="0">
-                <a:solidFill>
-                  <a:srgbClr val="00B050"/>
-                </a:solidFill>
-                <a:latin typeface="微軟正黑體" panose="020B0604030504040204" pitchFamily="34" charset="-120"/>
-              </a:rPr>
-              <a:t>/</a:t>
-            </a:r>
-            <a:r>
-              <a:rPr lang="en-US" altLang="zh-TW" sz="2700" dirty="0">
-                <a:solidFill>
-                  <a:srgbClr val="0070C0"/>
-                </a:solidFill>
-                <a:latin typeface="微軟正黑體" panose="020B0604030504040204" pitchFamily="34" charset="-120"/>
-              </a:rPr>
-              <a:t> $("</a:t>
-            </a:r>
-            <a:r>
-              <a:rPr lang="en-US" altLang="zh-TW" sz="2700" dirty="0">
-                <a:solidFill>
-                  <a:srgbClr val="FF0000"/>
-                </a:solidFill>
-                <a:latin typeface="微軟正黑體" panose="020B0604030504040204" pitchFamily="34" charset="-120"/>
-              </a:rPr>
-              <a:t>HTML </a:t>
-            </a:r>
-            <a:r>
-              <a:rPr lang="zh-TW" altLang="en-US" sz="2700" dirty="0">
-                <a:solidFill>
-                  <a:srgbClr val="FF0000"/>
-                </a:solidFill>
-                <a:latin typeface="微軟正黑體" panose="020B0604030504040204" pitchFamily="34" charset="-120"/>
-              </a:rPr>
-              <a:t>標籤</a:t>
-            </a:r>
-            <a:r>
-              <a:rPr lang="en-US" altLang="zh-TW" sz="2700" dirty="0">
-                <a:solidFill>
-                  <a:srgbClr val="0070C0"/>
-                </a:solidFill>
-                <a:latin typeface="微軟正黑體" panose="020B0604030504040204" pitchFamily="34" charset="-120"/>
-              </a:rPr>
-              <a:t>")</a:t>
-            </a:r>
-            <a:r>
-              <a:rPr lang="zh-TW" altLang="en-US" sz="2700" dirty="0">
-                <a:solidFill>
-                  <a:srgbClr val="0070C0"/>
-                </a:solidFill>
-                <a:latin typeface="微軟正黑體" panose="020B0604030504040204" pitchFamily="34" charset="-120"/>
-              </a:rPr>
-              <a:t> </a:t>
-            </a:r>
-            <a:r>
-              <a:rPr lang="en-US" altLang="zh-TW" sz="2700" dirty="0">
-                <a:solidFill>
-                  <a:srgbClr val="0070C0"/>
-                </a:solidFill>
-                <a:latin typeface="微軟正黑體" panose="020B0604030504040204" pitchFamily="34" charset="-120"/>
-              </a:rPr>
-              <a:t>. html(</a:t>
-            </a:r>
-            <a:r>
-              <a:rPr lang="en-US" altLang="zh-TW" sz="2700" dirty="0">
-                <a:solidFill>
-                  <a:schemeClr val="accent2"/>
-                </a:solidFill>
-                <a:latin typeface="微軟正黑體" panose="020B0604030504040204" pitchFamily="34" charset="-120"/>
-              </a:rPr>
-              <a:t>" "</a:t>
-            </a:r>
-            <a:r>
-              <a:rPr lang="en-US" altLang="zh-TW" sz="2700" dirty="0">
-                <a:solidFill>
-                  <a:srgbClr val="0070C0"/>
-                </a:solidFill>
-                <a:latin typeface="微軟正黑體" panose="020B0604030504040204" pitchFamily="34" charset="-120"/>
-              </a:rPr>
-              <a:t>)</a:t>
-            </a:r>
-          </a:p>
-        </p:txBody>
-      </p:sp>
-    </p:spTree>
-    <p:extLst>
-      <p:ext uri="{BB962C8B-B14F-4D97-AF65-F5344CB8AC3E}">
-        <p14:creationId xmlns:p14="http://schemas.microsoft.com/office/powerpoint/2010/main" val="3924188805"/>
-      </p:ext>
-    </p:extLst>
-  </p:cSld>
-  <p:clrMapOvr>
-    <a:masterClrMapping/>
-  </p:clrMapOvr>
-</p:sld>
-</file>
-
-<file path=ppt/slides/slide8.xml><?xml version="1.0" encoding="utf-8"?>
-<p:sld xmlns:a="http://schemas.openxmlformats.org/drawingml/2006/main" xmlns:r="http://schemas.openxmlformats.org/officeDocument/2006/relationships" xmlns:p="http://schemas.openxmlformats.org/presentationml/2006/main">
-  <p:cSld>
-    <p:spTree>
-      <p:nvGrpSpPr>
-        <p:cNvPr id="1" name=""/>
-        <p:cNvGrpSpPr/>
-        <p:nvPr/>
-      </p:nvGrpSpPr>
-      <p:grpSpPr>
-        <a:xfrm>
-          <a:off x="0" y="0"/>
-          <a:ext cx="0" cy="0"/>
-          <a:chOff x="0" y="0"/>
-          <a:chExt cx="0" cy="0"/>
-        </a:xfrm>
-      </p:grpSpPr>
-      <p:sp>
-        <p:nvSpPr>
-          <p:cNvPr id="2" name="標題 1"/>
-          <p:cNvSpPr>
-            <a:spLocks noGrp="1"/>
-          </p:cNvSpPr>
-          <p:nvPr>
-            <p:ph type="title"/>
-          </p:nvPr>
-        </p:nvSpPr>
-        <p:spPr>
-          <a:xfrm>
-            <a:off x="0" y="1"/>
-            <a:ext cx="9144000" cy="836712"/>
-          </a:xfrm>
-        </p:spPr>
-        <p:txBody>
-          <a:bodyPr anchor="b">
-            <a:normAutofit/>
-          </a:bodyPr>
-          <a:lstStyle/>
-          <a:p>
-            <a:pPr algn="ctr"/>
-            <a:r>
-              <a:rPr lang="zh-TW" altLang="en-US" sz="4000" dirty="0">
-                <a:solidFill>
-                  <a:srgbClr val="0070C0"/>
-                </a:solidFill>
-                <a:latin typeface="微軟正黑體" panose="020B0604030504040204" pitchFamily="34" charset="-120"/>
-                <a:ea typeface="微軟正黑體" panose="020B0604030504040204" pitchFamily="34" charset="-120"/>
-              </a:rPr>
               <a:t>監聽目標元素</a:t>
             </a:r>
             <a:r>
@@ -8233,7 +6180,7 @@
 </p:sld>
 </file>
 
-<file path=ppt/slides/slide9.xml><?xml version="1.0" encoding="utf-8"?>
+<file path=ppt/slides/slide11.xml><?xml version="1.0" encoding="utf-8"?>
 <p:sld xmlns:a="http://schemas.openxmlformats.org/drawingml/2006/main" xmlns:r="http://schemas.openxmlformats.org/officeDocument/2006/relationships" xmlns:p="http://schemas.openxmlformats.org/presentationml/2006/main">
   <p:cSld>
     <p:spTree>
@@ -9444,6 +7391,3200 @@
     <p:extLst>
       <p:ext uri="{BB962C8B-B14F-4D97-AF65-F5344CB8AC3E}">
         <p14:creationId xmlns:p14="http://schemas.microsoft.com/office/powerpoint/2010/main" val="3595349988"/>
+      </p:ext>
+    </p:extLst>
+  </p:cSld>
+  <p:clrMapOvr>
+    <a:masterClrMapping/>
+  </p:clrMapOvr>
+</p:sld>
+</file>
+
+<file path=ppt/slides/slide12.xml><?xml version="1.0" encoding="utf-8"?>
+<p:sld xmlns:a="http://schemas.openxmlformats.org/drawingml/2006/main" xmlns:r="http://schemas.openxmlformats.org/officeDocument/2006/relationships" xmlns:p="http://schemas.openxmlformats.org/presentationml/2006/main">
+  <p:cSld>
+    <p:spTree>
+      <p:nvGrpSpPr>
+        <p:cNvPr id="1" name=""/>
+        <p:cNvGrpSpPr/>
+        <p:nvPr/>
+      </p:nvGrpSpPr>
+      <p:grpSpPr>
+        <a:xfrm>
+          <a:off x="0" y="0"/>
+          <a:ext cx="0" cy="0"/>
+          <a:chOff x="0" y="0"/>
+          <a:chExt cx="0" cy="0"/>
+        </a:xfrm>
+      </p:grpSpPr>
+      <p:sp>
+        <p:nvSpPr>
+          <p:cNvPr id="2" name="標題 1"/>
+          <p:cNvSpPr>
+            <a:spLocks noGrp="1"/>
+          </p:cNvSpPr>
+          <p:nvPr>
+            <p:ph type="title"/>
+          </p:nvPr>
+        </p:nvSpPr>
+        <p:spPr>
+          <a:xfrm>
+            <a:off x="0" y="1"/>
+            <a:ext cx="9144000" cy="836712"/>
+          </a:xfrm>
+        </p:spPr>
+        <p:txBody>
+          <a:bodyPr anchor="b">
+            <a:normAutofit/>
+          </a:bodyPr>
+          <a:lstStyle/>
+          <a:p>
+            <a:pPr algn="ctr"/>
+            <a:r>
+              <a:rPr lang="zh-TW" altLang="en-US" sz="4000" dirty="0">
+                <a:solidFill>
+                  <a:srgbClr val="0070C0"/>
+                </a:solidFill>
+                <a:latin typeface="微軟正黑體" panose="020B0604030504040204" pitchFamily="34" charset="-120"/>
+                <a:ea typeface="微軟正黑體" panose="020B0604030504040204" pitchFamily="34" charset="-120"/>
+              </a:rPr>
+              <a:t>作業</a:t>
+            </a:r>
+          </a:p>
+        </p:txBody>
+      </p:sp>
+      <p:sp>
+        <p:nvSpPr>
+          <p:cNvPr id="3" name="內容版面配置區 2"/>
+          <p:cNvSpPr>
+            <a:spLocks noGrp="1"/>
+          </p:cNvSpPr>
+          <p:nvPr>
+            <p:ph idx="1"/>
+          </p:nvPr>
+        </p:nvSpPr>
+        <p:spPr>
+          <a:xfrm>
+            <a:off x="476089" y="1196752"/>
+            <a:ext cx="8191822" cy="4351338"/>
+          </a:xfrm>
+        </p:spPr>
+        <p:txBody>
+          <a:bodyPr/>
+          <a:lstStyle/>
+          <a:p>
+            <a:r>
+              <a:rPr lang="zh-TW" altLang="en-US" dirty="0"/>
+              <a:t>目標：將 猜拳 互動式網頁 原生 </a:t>
+            </a:r>
+            <a:r>
+              <a:rPr lang="en-US" altLang="zh-TW" dirty="0"/>
+              <a:t>JS</a:t>
+            </a:r>
+            <a:r>
+              <a:rPr lang="zh-TW" altLang="en-US" dirty="0"/>
+              <a:t> 更改成 </a:t>
+            </a:r>
+            <a:r>
+              <a:rPr lang="en-US" altLang="zh-TW"/>
+              <a:t>JQuery</a:t>
+            </a:r>
+            <a:endParaRPr lang="en-US" altLang="zh-TW" dirty="0"/>
+          </a:p>
+        </p:txBody>
+      </p:sp>
+    </p:spTree>
+    <p:extLst>
+      <p:ext uri="{BB962C8B-B14F-4D97-AF65-F5344CB8AC3E}">
+        <p14:creationId xmlns:p14="http://schemas.microsoft.com/office/powerpoint/2010/main" val="1594041963"/>
+      </p:ext>
+    </p:extLst>
+  </p:cSld>
+  <p:clrMapOvr>
+    <a:masterClrMapping/>
+  </p:clrMapOvr>
+</p:sld>
+</file>
+
+<file path=ppt/slides/slide13.xml><?xml version="1.0" encoding="utf-8"?>
+<p:sld xmlns:a="http://schemas.openxmlformats.org/drawingml/2006/main" xmlns:r="http://schemas.openxmlformats.org/officeDocument/2006/relationships" xmlns:p="http://schemas.openxmlformats.org/presentationml/2006/main">
+  <p:cSld>
+    <p:spTree>
+      <p:nvGrpSpPr>
+        <p:cNvPr id="1" name=""/>
+        <p:cNvGrpSpPr/>
+        <p:nvPr/>
+      </p:nvGrpSpPr>
+      <p:grpSpPr>
+        <a:xfrm>
+          <a:off x="0" y="0"/>
+          <a:ext cx="0" cy="0"/>
+          <a:chOff x="0" y="0"/>
+          <a:chExt cx="0" cy="0"/>
+        </a:xfrm>
+      </p:grpSpPr>
+      <p:sp>
+        <p:nvSpPr>
+          <p:cNvPr id="2" name="標題 1"/>
+          <p:cNvSpPr>
+            <a:spLocks noGrp="1"/>
+          </p:cNvSpPr>
+          <p:nvPr>
+            <p:ph type="title"/>
+          </p:nvPr>
+        </p:nvSpPr>
+        <p:spPr>
+          <a:xfrm>
+            <a:off x="0" y="1"/>
+            <a:ext cx="9144000" cy="836712"/>
+          </a:xfrm>
+        </p:spPr>
+        <p:txBody>
+          <a:bodyPr anchor="b">
+            <a:normAutofit/>
+          </a:bodyPr>
+          <a:lstStyle/>
+          <a:p>
+            <a:pPr algn="ctr"/>
+            <a:r>
+              <a:rPr lang="zh-TW" altLang="en-US" sz="4000" dirty="0">
+                <a:solidFill>
+                  <a:srgbClr val="0070C0"/>
+                </a:solidFill>
+                <a:latin typeface="微軟正黑體" panose="020B0604030504040204" pitchFamily="34" charset="-120"/>
+                <a:ea typeface="微軟正黑體" panose="020B0604030504040204" pitchFamily="34" charset="-120"/>
+              </a:rPr>
+              <a:t>心得回饋</a:t>
+            </a:r>
+          </a:p>
+        </p:txBody>
+      </p:sp>
+      <p:sp>
+        <p:nvSpPr>
+          <p:cNvPr id="4" name="矩形 3"/>
+          <p:cNvSpPr/>
+          <p:nvPr/>
+        </p:nvSpPr>
+        <p:spPr>
+          <a:xfrm>
+            <a:off x="2664939" y="5435431"/>
+            <a:ext cx="4035207" cy="369332"/>
+          </a:xfrm>
+          <a:prstGeom prst="rect">
+            <a:avLst/>
+          </a:prstGeom>
+        </p:spPr>
+        <p:txBody>
+          <a:bodyPr wrap="none">
+            <a:spAutoFit/>
+          </a:bodyPr>
+          <a:lstStyle/>
+          <a:p>
+            <a:r>
+              <a:rPr lang="en" altLang="zh-TW" dirty="0">
+                <a:hlinkClick r:id="rId3"/>
+              </a:rPr>
+              <a:t>https://forms.gle/F14dFkuCT2Kmm8Mc8</a:t>
+            </a:r>
+            <a:endParaRPr lang="zh-TW" altLang="en-US" dirty="0"/>
+          </a:p>
+        </p:txBody>
+      </p:sp>
+      <p:pic>
+        <p:nvPicPr>
+          <p:cNvPr id="4098" name="Picture 2"/>
+          <p:cNvPicPr>
+            <a:picLocks noGrp="1" noChangeAspect="1" noChangeArrowheads="1"/>
+          </p:cNvPicPr>
+          <p:nvPr>
+            <p:ph idx="1"/>
+          </p:nvPr>
+        </p:nvPicPr>
+        <p:blipFill>
+          <a:blip r:embed="rId4">
+            <a:extLst>
+              <a:ext uri="{28A0092B-C50C-407E-A947-70E740481C1C}">
+                <a14:useLocalDpi xmlns:a14="http://schemas.microsoft.com/office/drawing/2010/main" val="0"/>
+              </a:ext>
+            </a:extLst>
+          </a:blip>
+          <a:srcRect/>
+          <a:stretch/>
+        </p:blipFill>
+        <p:spPr bwMode="auto">
+          <a:xfrm>
+            <a:off x="2339751" y="995933"/>
+            <a:ext cx="4464498" cy="4464498"/>
+          </a:xfrm>
+          <a:prstGeom prst="rect">
+            <a:avLst/>
+          </a:prstGeom>
+          <a:noFill/>
+          <a:effectLst>
+            <a:softEdge rad="127000"/>
+          </a:effectLst>
+          <a:extLst>
+            <a:ext uri="{909E8E84-426E-40DD-AFC4-6F175D3DCCD1}">
+              <a14:hiddenFill xmlns:a14="http://schemas.microsoft.com/office/drawing/2010/main">
+                <a:solidFill>
+                  <a:srgbClr val="FFFFFF"/>
+                </a:solidFill>
+              </a14:hiddenFill>
+            </a:ext>
+          </a:extLst>
+        </p:spPr>
+      </p:pic>
+    </p:spTree>
+    <p:extLst>
+      <p:ext uri="{BB962C8B-B14F-4D97-AF65-F5344CB8AC3E}">
+        <p14:creationId xmlns:p14="http://schemas.microsoft.com/office/powerpoint/2010/main" val="379571826"/>
+      </p:ext>
+    </p:extLst>
+  </p:cSld>
+  <p:clrMapOvr>
+    <a:masterClrMapping/>
+  </p:clrMapOvr>
+</p:sld>
+</file>
+
+<file path=ppt/slides/slide2.xml><?xml version="1.0" encoding="utf-8"?>
+<p:sld xmlns:a="http://schemas.openxmlformats.org/drawingml/2006/main" xmlns:r="http://schemas.openxmlformats.org/officeDocument/2006/relationships" xmlns:p="http://schemas.openxmlformats.org/presentationml/2006/main">
+  <p:cSld>
+    <p:spTree>
+      <p:nvGrpSpPr>
+        <p:cNvPr id="1" name=""/>
+        <p:cNvGrpSpPr/>
+        <p:nvPr/>
+      </p:nvGrpSpPr>
+      <p:grpSpPr>
+        <a:xfrm>
+          <a:off x="0" y="0"/>
+          <a:ext cx="0" cy="0"/>
+          <a:chOff x="0" y="0"/>
+          <a:chExt cx="0" cy="0"/>
+        </a:xfrm>
+      </p:grpSpPr>
+      <p:sp>
+        <p:nvSpPr>
+          <p:cNvPr id="2" name="標題 1"/>
+          <p:cNvSpPr>
+            <a:spLocks noGrp="1"/>
+          </p:cNvSpPr>
+          <p:nvPr>
+            <p:ph type="title"/>
+          </p:nvPr>
+        </p:nvSpPr>
+        <p:spPr>
+          <a:xfrm>
+            <a:off x="0" y="1"/>
+            <a:ext cx="9144000" cy="836712"/>
+          </a:xfrm>
+        </p:spPr>
+        <p:txBody>
+          <a:bodyPr anchor="b">
+            <a:normAutofit/>
+          </a:bodyPr>
+          <a:lstStyle/>
+          <a:p>
+            <a:pPr algn="ctr"/>
+            <a:r>
+              <a:rPr lang="en-US" altLang="zh-TW" sz="4000" dirty="0">
+                <a:solidFill>
+                  <a:srgbClr val="0070C0"/>
+                </a:solidFill>
+                <a:latin typeface="微軟正黑體" panose="020B0604030504040204" pitchFamily="34" charset="-120"/>
+                <a:ea typeface="微軟正黑體" panose="020B0604030504040204" pitchFamily="34" charset="-120"/>
+              </a:rPr>
+              <a:t>JavaScript</a:t>
+            </a:r>
+            <a:endParaRPr lang="zh-TW" altLang="en-US" sz="4000" dirty="0">
+              <a:solidFill>
+                <a:srgbClr val="0070C0"/>
+              </a:solidFill>
+              <a:latin typeface="微軟正黑體" panose="020B0604030504040204" pitchFamily="34" charset="-120"/>
+              <a:ea typeface="微軟正黑體" panose="020B0604030504040204" pitchFamily="34" charset="-120"/>
+            </a:endParaRPr>
+          </a:p>
+        </p:txBody>
+      </p:sp>
+      <p:pic>
+        <p:nvPicPr>
+          <p:cNvPr id="4" name="內容版面配置區 3"/>
+          <p:cNvPicPr>
+            <a:picLocks noGrp="1" noChangeAspect="1"/>
+          </p:cNvPicPr>
+          <p:nvPr>
+            <p:ph idx="1"/>
+          </p:nvPr>
+        </p:nvPicPr>
+        <p:blipFill>
+          <a:blip r:embed="rId3">
+            <a:extLst>
+              <a:ext uri="{28A0092B-C50C-407E-A947-70E740481C1C}">
+                <a14:useLocalDpi xmlns:a14="http://schemas.microsoft.com/office/drawing/2010/main" val="0"/>
+              </a:ext>
+            </a:extLst>
+          </a:blip>
+          <a:stretch>
+            <a:fillRect/>
+          </a:stretch>
+        </p:blipFill>
+        <p:spPr>
+          <a:xfrm>
+            <a:off x="-5847" y="1865212"/>
+            <a:ext cx="9149847" cy="3127576"/>
+          </a:xfrm>
+        </p:spPr>
+      </p:pic>
+    </p:spTree>
+    <p:extLst>
+      <p:ext uri="{BB962C8B-B14F-4D97-AF65-F5344CB8AC3E}">
+        <p14:creationId xmlns:p14="http://schemas.microsoft.com/office/powerpoint/2010/main" val="2978557586"/>
+      </p:ext>
+    </p:extLst>
+  </p:cSld>
+  <p:clrMapOvr>
+    <a:masterClrMapping/>
+  </p:clrMapOvr>
+</p:sld>
+</file>
+
+<file path=ppt/slides/slide3.xml><?xml version="1.0" encoding="utf-8"?>
+<p:sld xmlns:a="http://schemas.openxmlformats.org/drawingml/2006/main" xmlns:r="http://schemas.openxmlformats.org/officeDocument/2006/relationships" xmlns:p="http://schemas.openxmlformats.org/presentationml/2006/main">
+  <p:cSld>
+    <p:spTree>
+      <p:nvGrpSpPr>
+        <p:cNvPr id="1" name=""/>
+        <p:cNvGrpSpPr/>
+        <p:nvPr/>
+      </p:nvGrpSpPr>
+      <p:grpSpPr>
+        <a:xfrm>
+          <a:off x="0" y="0"/>
+          <a:ext cx="0" cy="0"/>
+          <a:chOff x="0" y="0"/>
+          <a:chExt cx="0" cy="0"/>
+        </a:xfrm>
+      </p:grpSpPr>
+      <p:sp>
+        <p:nvSpPr>
+          <p:cNvPr id="2" name="標題 1"/>
+          <p:cNvSpPr>
+            <a:spLocks noGrp="1"/>
+          </p:cNvSpPr>
+          <p:nvPr>
+            <p:ph type="title"/>
+          </p:nvPr>
+        </p:nvSpPr>
+        <p:spPr>
+          <a:xfrm>
+            <a:off x="0" y="1"/>
+            <a:ext cx="9144000" cy="836712"/>
+          </a:xfrm>
+        </p:spPr>
+        <p:txBody>
+          <a:bodyPr anchor="b">
+            <a:normAutofit/>
+          </a:bodyPr>
+          <a:lstStyle/>
+          <a:p>
+            <a:pPr algn="ctr"/>
+            <a:r>
+              <a:rPr lang="en-US" altLang="zh-TW" sz="4000" dirty="0">
+                <a:solidFill>
+                  <a:srgbClr val="0070C0"/>
+                </a:solidFill>
+                <a:latin typeface="微軟正黑體" panose="020B0604030504040204" pitchFamily="34" charset="-120"/>
+              </a:rPr>
+              <a:t>jQuery</a:t>
+            </a:r>
+            <a:r>
+              <a:rPr lang="zh-TW" altLang="en-US" sz="4000" dirty="0">
+                <a:solidFill>
+                  <a:srgbClr val="0070C0"/>
+                </a:solidFill>
+                <a:latin typeface="微軟正黑體" panose="020B0604030504040204" pitchFamily="34" charset="-120"/>
+                <a:ea typeface="微軟正黑體" panose="020B0604030504040204" pitchFamily="34" charset="-120"/>
+              </a:rPr>
+              <a:t> 是什麼？</a:t>
+            </a:r>
+          </a:p>
+        </p:txBody>
+      </p:sp>
+      <p:sp>
+        <p:nvSpPr>
+          <p:cNvPr id="5" name="內容版面配置區 4">
+            <a:extLst>
+              <a:ext uri="{FF2B5EF4-FFF2-40B4-BE49-F238E27FC236}">
+                <a16:creationId xmlns:a16="http://schemas.microsoft.com/office/drawing/2014/main" id="{6E0B32DB-5057-9F4F-9670-073195DD147E}"/>
+              </a:ext>
+            </a:extLst>
+          </p:cNvPr>
+          <p:cNvSpPr>
+            <a:spLocks noGrp="1"/>
+          </p:cNvSpPr>
+          <p:nvPr>
+            <p:ph idx="1"/>
+          </p:nvPr>
+        </p:nvSpPr>
+        <p:spPr>
+          <a:xfrm>
+            <a:off x="251520" y="1124744"/>
+            <a:ext cx="8640960" cy="5052219"/>
+          </a:xfrm>
+        </p:spPr>
+        <p:txBody>
+          <a:bodyPr/>
+          <a:lstStyle/>
+          <a:p>
+            <a:pPr>
+              <a:lnSpc>
+                <a:spcPct val="150000"/>
+              </a:lnSpc>
+            </a:pPr>
+            <a:r>
+              <a:rPr lang="zh-TW" altLang="en-US" sz="2500" dirty="0"/>
+              <a:t>一個以</a:t>
+            </a:r>
+            <a:r>
+              <a:rPr lang="en-US" altLang="zh-TW" sz="2500" dirty="0" err="1"/>
+              <a:t>Javascript</a:t>
+            </a:r>
+            <a:r>
+              <a:rPr lang="zh-TW" altLang="en-US" sz="2500" dirty="0"/>
+              <a:t>編寫的函式庫</a:t>
+            </a:r>
+            <a:endParaRPr lang="en-US" altLang="zh-TW" sz="2500" dirty="0"/>
+          </a:p>
+          <a:p>
+            <a:pPr>
+              <a:lnSpc>
+                <a:spcPct val="150000"/>
+              </a:lnSpc>
+            </a:pPr>
+            <a:r>
+              <a:rPr lang="zh-TW" altLang="en-US" sz="2500" dirty="0"/>
+              <a:t>精簡化</a:t>
+            </a:r>
+            <a:r>
+              <a:rPr lang="en-US" altLang="zh-TW" sz="2500" dirty="0"/>
+              <a:t>JS</a:t>
+            </a:r>
+            <a:r>
+              <a:rPr lang="zh-TW" altLang="en-US" sz="2500" dirty="0"/>
+              <a:t>編寫</a:t>
+            </a:r>
+            <a:endParaRPr lang="en-US" altLang="zh-TW" sz="2500" dirty="0"/>
+          </a:p>
+          <a:p>
+            <a:pPr>
+              <a:lnSpc>
+                <a:spcPct val="150000"/>
+              </a:lnSpc>
+            </a:pPr>
+            <a:r>
+              <a:rPr lang="zh-TW" altLang="en-US" sz="2500" dirty="0"/>
+              <a:t>易學習</a:t>
+            </a:r>
+            <a:endParaRPr lang="en-US" altLang="zh-TW" sz="2500" dirty="0"/>
+          </a:p>
+          <a:p>
+            <a:pPr>
+              <a:lnSpc>
+                <a:spcPct val="150000"/>
+              </a:lnSpc>
+            </a:pPr>
+            <a:r>
+              <a:rPr lang="zh-TW" altLang="en-US" sz="2500" dirty="0">
+                <a:solidFill>
+                  <a:srgbClr val="FF0000"/>
+                </a:solidFill>
+              </a:rPr>
+              <a:t>寫得更少，但做的更多</a:t>
+            </a:r>
+            <a:endParaRPr lang="en-US" altLang="zh-TW" sz="2500" dirty="0">
+              <a:solidFill>
+                <a:srgbClr val="FF0000"/>
+              </a:solidFill>
+            </a:endParaRPr>
+          </a:p>
+          <a:p>
+            <a:pPr>
+              <a:lnSpc>
+                <a:spcPct val="150000"/>
+              </a:lnSpc>
+            </a:pPr>
+            <a:endParaRPr lang="en-US" altLang="zh-TW" dirty="0"/>
+          </a:p>
+        </p:txBody>
+      </p:sp>
+      <p:pic>
+        <p:nvPicPr>
+          <p:cNvPr id="14" name="圖片 13">
+            <a:extLst>
+              <a:ext uri="{FF2B5EF4-FFF2-40B4-BE49-F238E27FC236}">
+                <a16:creationId xmlns:a16="http://schemas.microsoft.com/office/drawing/2014/main" id="{EFED22D3-BF09-44A5-8B2D-082E7790BE6E}"/>
+              </a:ext>
+            </a:extLst>
+          </p:cNvPr>
+          <p:cNvPicPr>
+            <a:picLocks noChangeAspect="1"/>
+          </p:cNvPicPr>
+          <p:nvPr/>
+        </p:nvPicPr>
+        <p:blipFill>
+          <a:blip r:embed="rId3">
+            <a:extLst>
+              <a:ext uri="{28A0092B-C50C-407E-A947-70E740481C1C}">
+                <a14:useLocalDpi xmlns:a14="http://schemas.microsoft.com/office/drawing/2010/main" val="0"/>
+              </a:ext>
+            </a:extLst>
+          </a:blip>
+          <a:stretch>
+            <a:fillRect/>
+          </a:stretch>
+        </p:blipFill>
+        <p:spPr>
+          <a:xfrm>
+            <a:off x="4972980" y="1469250"/>
+            <a:ext cx="3919500" cy="3919500"/>
+          </a:xfrm>
+          <a:prstGeom prst="rect">
+            <a:avLst/>
+          </a:prstGeom>
+        </p:spPr>
+      </p:pic>
+    </p:spTree>
+    <p:extLst>
+      <p:ext uri="{BB962C8B-B14F-4D97-AF65-F5344CB8AC3E}">
+        <p14:creationId xmlns:p14="http://schemas.microsoft.com/office/powerpoint/2010/main" val="3512025897"/>
+      </p:ext>
+    </p:extLst>
+  </p:cSld>
+  <p:clrMapOvr>
+    <a:masterClrMapping/>
+  </p:clrMapOvr>
+</p:sld>
+</file>
+
+<file path=ppt/slides/slide4.xml><?xml version="1.0" encoding="utf-8"?>
+<p:sld xmlns:a="http://schemas.openxmlformats.org/drawingml/2006/main" xmlns:r="http://schemas.openxmlformats.org/officeDocument/2006/relationships" xmlns:p="http://schemas.openxmlformats.org/presentationml/2006/main">
+  <p:cSld>
+    <p:spTree>
+      <p:nvGrpSpPr>
+        <p:cNvPr id="1" name=""/>
+        <p:cNvGrpSpPr/>
+        <p:nvPr/>
+      </p:nvGrpSpPr>
+      <p:grpSpPr>
+        <a:xfrm>
+          <a:off x="0" y="0"/>
+          <a:ext cx="0" cy="0"/>
+          <a:chOff x="0" y="0"/>
+          <a:chExt cx="0" cy="0"/>
+        </a:xfrm>
+      </p:grpSpPr>
+      <p:sp>
+        <p:nvSpPr>
+          <p:cNvPr id="2" name="標題 1"/>
+          <p:cNvSpPr>
+            <a:spLocks noGrp="1"/>
+          </p:cNvSpPr>
+          <p:nvPr>
+            <p:ph type="title"/>
+          </p:nvPr>
+        </p:nvSpPr>
+        <p:spPr>
+          <a:xfrm>
+            <a:off x="0" y="1"/>
+            <a:ext cx="9144000" cy="836712"/>
+          </a:xfrm>
+        </p:spPr>
+        <p:txBody>
+          <a:bodyPr anchor="b">
+            <a:normAutofit/>
+          </a:bodyPr>
+          <a:lstStyle/>
+          <a:p>
+            <a:pPr algn="ctr"/>
+            <a:r>
+              <a:rPr lang="zh-TW" altLang="en-US" sz="4000" dirty="0">
+                <a:solidFill>
+                  <a:srgbClr val="0070C0"/>
+                </a:solidFill>
+                <a:latin typeface="微軟正黑體" panose="020B0604030504040204" pitchFamily="34" charset="-120"/>
+              </a:rPr>
+              <a:t>如何使用 </a:t>
+            </a:r>
+            <a:r>
+              <a:rPr lang="en-US" altLang="zh-TW" sz="4000" dirty="0">
+                <a:solidFill>
+                  <a:srgbClr val="0070C0"/>
+                </a:solidFill>
+                <a:latin typeface="微軟正黑體" panose="020B0604030504040204" pitchFamily="34" charset="-120"/>
+              </a:rPr>
+              <a:t>jQuery</a:t>
+            </a:r>
+            <a:endParaRPr lang="zh-TW" altLang="en-US" sz="4000" dirty="0">
+              <a:solidFill>
+                <a:srgbClr val="0070C0"/>
+              </a:solidFill>
+              <a:latin typeface="微軟正黑體" panose="020B0604030504040204" pitchFamily="34" charset="-120"/>
+              <a:ea typeface="微軟正黑體" panose="020B0604030504040204" pitchFamily="34" charset="-120"/>
+            </a:endParaRPr>
+          </a:p>
+        </p:txBody>
+      </p:sp>
+      <p:sp>
+        <p:nvSpPr>
+          <p:cNvPr id="5" name="內容版面配置區 4">
+            <a:extLst>
+              <a:ext uri="{FF2B5EF4-FFF2-40B4-BE49-F238E27FC236}">
+                <a16:creationId xmlns:a16="http://schemas.microsoft.com/office/drawing/2014/main" id="{6E0B32DB-5057-9F4F-9670-073195DD147E}"/>
+              </a:ext>
+            </a:extLst>
+          </p:cNvPr>
+          <p:cNvSpPr>
+            <a:spLocks noGrp="1"/>
+          </p:cNvSpPr>
+          <p:nvPr>
+            <p:ph idx="1"/>
+          </p:nvPr>
+        </p:nvSpPr>
+        <p:spPr>
+          <a:xfrm>
+            <a:off x="0" y="1952836"/>
+            <a:ext cx="9144000" cy="2952328"/>
+          </a:xfrm>
+        </p:spPr>
+        <p:txBody>
+          <a:bodyPr>
+            <a:normAutofit/>
+          </a:bodyPr>
+          <a:lstStyle/>
+          <a:p>
+            <a:pPr marL="0" indent="0" algn="ctr">
+              <a:lnSpc>
+                <a:spcPct val="150000"/>
+              </a:lnSpc>
+              <a:buNone/>
+            </a:pPr>
+            <a:r>
+              <a:rPr lang="zh-TW" altLang="en-US" sz="3000" dirty="0">
+                <a:solidFill>
+                  <a:srgbClr val="0070C0"/>
+                </a:solidFill>
+                <a:latin typeface="Consolas" panose="020B0609020204030204" pitchFamily="49" charset="0"/>
+              </a:rPr>
+              <a:t>套用 </a:t>
+            </a:r>
+            <a:r>
+              <a:rPr lang="en-US" altLang="zh-TW" sz="3000" dirty="0" err="1">
+                <a:solidFill>
+                  <a:srgbClr val="0070C0"/>
+                </a:solidFill>
+                <a:latin typeface="Consolas" panose="020B0609020204030204" pitchFamily="49" charset="0"/>
+              </a:rPr>
+              <a:t>JQuery</a:t>
+            </a:r>
+            <a:r>
+              <a:rPr lang="en-US" altLang="zh-TW" sz="3000" dirty="0">
+                <a:solidFill>
+                  <a:srgbClr val="0070C0"/>
+                </a:solidFill>
+                <a:latin typeface="Consolas" panose="020B0609020204030204" pitchFamily="49" charset="0"/>
+              </a:rPr>
+              <a:t> CDN</a:t>
+            </a:r>
+            <a:br>
+              <a:rPr lang="en-US" altLang="zh-TW" sz="1750" dirty="0">
+                <a:latin typeface="Consolas" panose="020B0609020204030204" pitchFamily="49" charset="0"/>
+              </a:rPr>
+            </a:br>
+            <a:r>
+              <a:rPr lang="en-US" altLang="zh-TW" sz="1750" dirty="0">
+                <a:latin typeface="Consolas" panose="020B0609020204030204" pitchFamily="49" charset="0"/>
+              </a:rPr>
+              <a:t>&lt;</a:t>
+            </a:r>
+            <a:r>
+              <a:rPr lang="en-US" altLang="zh-TW" sz="1750" dirty="0">
+                <a:solidFill>
+                  <a:schemeClr val="accent2"/>
+                </a:solidFill>
+                <a:latin typeface="Consolas" panose="020B0609020204030204" pitchFamily="49" charset="0"/>
+              </a:rPr>
+              <a:t>script</a:t>
+            </a:r>
+            <a:r>
+              <a:rPr lang="en-US" altLang="zh-TW" sz="1750" dirty="0">
+                <a:latin typeface="Consolas" panose="020B0609020204030204" pitchFamily="49" charset="0"/>
+              </a:rPr>
+              <a:t> </a:t>
+            </a:r>
+            <a:r>
+              <a:rPr lang="en-US" altLang="zh-TW" sz="1750" dirty="0" err="1">
+                <a:latin typeface="Consolas" panose="020B0609020204030204" pitchFamily="49" charset="0"/>
+              </a:rPr>
+              <a:t>src</a:t>
+            </a:r>
+            <a:r>
+              <a:rPr lang="en-US" altLang="zh-TW" sz="1750" dirty="0">
+                <a:latin typeface="Consolas" panose="020B0609020204030204" pitchFamily="49" charset="0"/>
+              </a:rPr>
+              <a:t>="</a:t>
+            </a:r>
+            <a:r>
+              <a:rPr lang="en-US" altLang="zh-TW" sz="1750" dirty="0">
+                <a:solidFill>
+                  <a:srgbClr val="00B050"/>
+                </a:solidFill>
+                <a:latin typeface="Consolas" panose="020B0609020204030204" pitchFamily="49" charset="0"/>
+              </a:rPr>
+              <a:t>https://code.jquery.com/jquery-3.5.1.slim.min.js</a:t>
+            </a:r>
+            <a:r>
+              <a:rPr lang="en-US" altLang="zh-TW" sz="1750" dirty="0">
+                <a:latin typeface="Consolas" panose="020B0609020204030204" pitchFamily="49" charset="0"/>
+              </a:rPr>
+              <a:t>"&gt;&lt;/</a:t>
+            </a:r>
+            <a:r>
+              <a:rPr lang="en-US" altLang="zh-TW" sz="1750" dirty="0">
+                <a:solidFill>
+                  <a:schemeClr val="accent2"/>
+                </a:solidFill>
+                <a:latin typeface="Consolas" panose="020B0609020204030204" pitchFamily="49" charset="0"/>
+              </a:rPr>
+              <a:t>script</a:t>
+            </a:r>
+            <a:r>
+              <a:rPr lang="en-US" altLang="zh-TW" sz="1750" dirty="0">
+                <a:latin typeface="Consolas" panose="020B0609020204030204" pitchFamily="49" charset="0"/>
+              </a:rPr>
+              <a:t>&gt;</a:t>
+            </a:r>
+          </a:p>
+          <a:p>
+            <a:pPr marL="0" indent="0" algn="ctr">
+              <a:lnSpc>
+                <a:spcPct val="150000"/>
+              </a:lnSpc>
+              <a:buNone/>
+            </a:pPr>
+            <a:endParaRPr lang="en-US" altLang="zh-TW" sz="1750" dirty="0">
+              <a:latin typeface="Consolas" panose="020B0609020204030204" pitchFamily="49" charset="0"/>
+            </a:endParaRPr>
+          </a:p>
+          <a:p>
+            <a:pPr marL="0" indent="0" algn="ctr">
+              <a:lnSpc>
+                <a:spcPct val="150000"/>
+              </a:lnSpc>
+              <a:buNone/>
+            </a:pPr>
+            <a:r>
+              <a:rPr lang="zh-TW" altLang="en-US" sz="3000" dirty="0">
+                <a:solidFill>
+                  <a:srgbClr val="0070C0"/>
+                </a:solidFill>
+                <a:latin typeface="Consolas" panose="020B0609020204030204" pitchFamily="49" charset="0"/>
+              </a:rPr>
+              <a:t>下載下來</a:t>
+            </a:r>
+            <a:endParaRPr lang="en-US" altLang="zh-TW" sz="3000" dirty="0">
+              <a:solidFill>
+                <a:srgbClr val="0070C0"/>
+              </a:solidFill>
+              <a:latin typeface="Consolas" panose="020B0609020204030204" pitchFamily="49" charset="0"/>
+            </a:endParaRPr>
+          </a:p>
+          <a:p>
+            <a:pPr marL="0" indent="0" algn="ctr">
+              <a:lnSpc>
+                <a:spcPct val="150000"/>
+              </a:lnSpc>
+              <a:buNone/>
+            </a:pPr>
+            <a:r>
+              <a:rPr lang="en-US" altLang="zh-TW" sz="1800" dirty="0">
+                <a:solidFill>
+                  <a:srgbClr val="00B050"/>
+                </a:solidFill>
+                <a:latin typeface="Consolas" panose="020B0609020204030204" pitchFamily="49" charset="0"/>
+              </a:rPr>
+              <a:t>https://</a:t>
+            </a:r>
+            <a:r>
+              <a:rPr lang="en-US" altLang="zh-TW" sz="1800" dirty="0" err="1">
+                <a:solidFill>
+                  <a:srgbClr val="00B050"/>
+                </a:solidFill>
+                <a:latin typeface="Consolas" panose="020B0609020204030204" pitchFamily="49" charset="0"/>
+              </a:rPr>
+              <a:t>code.jquery.com</a:t>
+            </a:r>
+            <a:r>
+              <a:rPr lang="en-US" altLang="zh-TW" sz="1800" dirty="0">
+                <a:solidFill>
+                  <a:srgbClr val="00B050"/>
+                </a:solidFill>
+                <a:latin typeface="Consolas" panose="020B0609020204030204" pitchFamily="49" charset="0"/>
+              </a:rPr>
+              <a:t>/jquery-3.5.1.slim.min.js</a:t>
+            </a:r>
+            <a:endParaRPr lang="en-US" altLang="zh-TW" sz="1800" dirty="0"/>
+          </a:p>
+        </p:txBody>
+      </p:sp>
+    </p:spTree>
+    <p:extLst>
+      <p:ext uri="{BB962C8B-B14F-4D97-AF65-F5344CB8AC3E}">
+        <p14:creationId xmlns:p14="http://schemas.microsoft.com/office/powerpoint/2010/main" val="1341841810"/>
+      </p:ext>
+    </p:extLst>
+  </p:cSld>
+  <p:clrMapOvr>
+    <a:masterClrMapping/>
+  </p:clrMapOvr>
+</p:sld>
+</file>
+
+<file path=ppt/slides/slide5.xml><?xml version="1.0" encoding="utf-8"?>
+<p:sld xmlns:a="http://schemas.openxmlformats.org/drawingml/2006/main" xmlns:r="http://schemas.openxmlformats.org/officeDocument/2006/relationships" xmlns:p="http://schemas.openxmlformats.org/presentationml/2006/main">
+  <p:cSld>
+    <p:spTree>
+      <p:nvGrpSpPr>
+        <p:cNvPr id="1" name=""/>
+        <p:cNvGrpSpPr/>
+        <p:nvPr/>
+      </p:nvGrpSpPr>
+      <p:grpSpPr>
+        <a:xfrm>
+          <a:off x="0" y="0"/>
+          <a:ext cx="0" cy="0"/>
+          <a:chOff x="0" y="0"/>
+          <a:chExt cx="0" cy="0"/>
+        </a:xfrm>
+      </p:grpSpPr>
+      <p:sp>
+        <p:nvSpPr>
+          <p:cNvPr id="15" name="圓角矩形 8">
+            <a:extLst>
+              <a:ext uri="{FF2B5EF4-FFF2-40B4-BE49-F238E27FC236}">
+                <a16:creationId xmlns:a16="http://schemas.microsoft.com/office/drawing/2014/main" id="{C55E240A-23FD-4412-B6FD-6D30174F5358}"/>
+              </a:ext>
+            </a:extLst>
+          </p:cNvPr>
+          <p:cNvSpPr/>
+          <p:nvPr/>
+        </p:nvSpPr>
+        <p:spPr>
+          <a:xfrm>
+            <a:off x="251520" y="1340768"/>
+            <a:ext cx="8640960" cy="1872208"/>
+          </a:xfrm>
+          <a:prstGeom prst="roundRect">
+            <a:avLst/>
+          </a:prstGeom>
+          <a:solidFill>
+            <a:schemeClr val="accent1">
+              <a:lumMod val="20000"/>
+              <a:lumOff val="80000"/>
+            </a:schemeClr>
+          </a:solidFill>
+          <a:ln>
+            <a:solidFill>
+              <a:schemeClr val="accent1"/>
+            </a:solidFill>
+          </a:ln>
+          <a:effectLst/>
+        </p:spPr>
+        <p:style>
+          <a:lnRef idx="0">
+            <a:scrgbClr r="0" g="0" b="0"/>
+          </a:lnRef>
+          <a:fillRef idx="0">
+            <a:scrgbClr r="0" g="0" b="0"/>
+          </a:fillRef>
+          <a:effectRef idx="0">
+            <a:scrgbClr r="0" g="0" b="0"/>
+          </a:effectRef>
+          <a:fontRef idx="minor">
+            <a:schemeClr val="lt1"/>
+          </a:fontRef>
+        </p:style>
+        <p:txBody>
+          <a:bodyPr rtlCol="0" anchor="ctr"/>
+          <a:lstStyle/>
+          <a:p>
+            <a:pPr algn="ctr"/>
+            <a:endParaRPr kumimoji="1" lang="zh-TW" altLang="en-US"/>
+          </a:p>
+        </p:txBody>
+      </p:sp>
+      <p:sp>
+        <p:nvSpPr>
+          <p:cNvPr id="2" name="標題 1"/>
+          <p:cNvSpPr>
+            <a:spLocks noGrp="1"/>
+          </p:cNvSpPr>
+          <p:nvPr>
+            <p:ph type="title"/>
+          </p:nvPr>
+        </p:nvSpPr>
+        <p:spPr>
+          <a:xfrm>
+            <a:off x="0" y="1"/>
+            <a:ext cx="9144000" cy="836712"/>
+          </a:xfrm>
+        </p:spPr>
+        <p:txBody>
+          <a:bodyPr anchor="b">
+            <a:normAutofit/>
+          </a:bodyPr>
+          <a:lstStyle/>
+          <a:p>
+            <a:pPr algn="ctr"/>
+            <a:r>
+              <a:rPr lang="zh-TW" altLang="en-US" sz="4000" dirty="0">
+                <a:solidFill>
+                  <a:srgbClr val="0070C0"/>
+                </a:solidFill>
+                <a:latin typeface="微軟正黑體" panose="020B0604030504040204" pitchFamily="34" charset="-120"/>
+              </a:rPr>
+              <a:t>為什麼要用 </a:t>
+            </a:r>
+            <a:r>
+              <a:rPr lang="en-US" altLang="zh-TW" sz="4000" dirty="0" err="1">
+                <a:solidFill>
+                  <a:srgbClr val="0070C0"/>
+                </a:solidFill>
+                <a:latin typeface="微軟正黑體" panose="020B0604030504040204" pitchFamily="34" charset="-120"/>
+              </a:rPr>
+              <a:t>JQuery</a:t>
+            </a:r>
+            <a:r>
+              <a:rPr lang="zh-TW" altLang="en-US" sz="4000" dirty="0">
+                <a:solidFill>
+                  <a:srgbClr val="0070C0"/>
+                </a:solidFill>
+                <a:latin typeface="微軟正黑體" panose="020B0604030504040204" pitchFamily="34" charset="-120"/>
+              </a:rPr>
+              <a:t> </a:t>
+            </a:r>
+            <a:r>
+              <a:rPr lang="en-US" altLang="zh-TW" sz="4000" dirty="0">
+                <a:solidFill>
+                  <a:srgbClr val="0070C0"/>
+                </a:solidFill>
+                <a:latin typeface="微軟正黑體" panose="020B0604030504040204" pitchFamily="34" charset="-120"/>
+              </a:rPr>
+              <a:t>?</a:t>
+            </a:r>
+            <a:endParaRPr lang="zh-TW" altLang="en-US" sz="4000" dirty="0">
+              <a:solidFill>
+                <a:srgbClr val="0070C0"/>
+              </a:solidFill>
+              <a:latin typeface="微軟正黑體" panose="020B0604030504040204" pitchFamily="34" charset="-120"/>
+              <a:ea typeface="微軟正黑體" panose="020B0604030504040204" pitchFamily="34" charset="-120"/>
+            </a:endParaRPr>
+          </a:p>
+        </p:txBody>
+      </p:sp>
+      <p:sp>
+        <p:nvSpPr>
+          <p:cNvPr id="17" name="圓角矩形 8">
+            <a:extLst>
+              <a:ext uri="{FF2B5EF4-FFF2-40B4-BE49-F238E27FC236}">
+                <a16:creationId xmlns:a16="http://schemas.microsoft.com/office/drawing/2014/main" id="{BA5FAF60-24A1-4CF8-91EE-7FD532DA07FA}"/>
+              </a:ext>
+            </a:extLst>
+          </p:cNvPr>
+          <p:cNvSpPr/>
+          <p:nvPr/>
+        </p:nvSpPr>
+        <p:spPr>
+          <a:xfrm>
+            <a:off x="3059832" y="3717032"/>
+            <a:ext cx="3024336" cy="2032619"/>
+          </a:xfrm>
+          <a:prstGeom prst="roundRect">
+            <a:avLst/>
+          </a:prstGeom>
+          <a:solidFill>
+            <a:schemeClr val="accent1">
+              <a:lumMod val="20000"/>
+              <a:lumOff val="80000"/>
+            </a:schemeClr>
+          </a:solidFill>
+          <a:ln>
+            <a:solidFill>
+              <a:schemeClr val="accent1"/>
+            </a:solidFill>
+          </a:ln>
+          <a:effectLst/>
+        </p:spPr>
+        <p:style>
+          <a:lnRef idx="0">
+            <a:scrgbClr r="0" g="0" b="0"/>
+          </a:lnRef>
+          <a:fillRef idx="0">
+            <a:scrgbClr r="0" g="0" b="0"/>
+          </a:fillRef>
+          <a:effectRef idx="0">
+            <a:scrgbClr r="0" g="0" b="0"/>
+          </a:effectRef>
+          <a:fontRef idx="minor">
+            <a:schemeClr val="lt1"/>
+          </a:fontRef>
+        </p:style>
+        <p:txBody>
+          <a:bodyPr rtlCol="0" anchor="ctr"/>
+          <a:lstStyle/>
+          <a:p>
+            <a:pPr algn="ctr"/>
+            <a:endParaRPr kumimoji="1" lang="zh-TW" altLang="en-US"/>
+          </a:p>
+        </p:txBody>
+      </p:sp>
+      <p:sp>
+        <p:nvSpPr>
+          <p:cNvPr id="5" name="內容版面配置區 4">
+            <a:extLst>
+              <a:ext uri="{FF2B5EF4-FFF2-40B4-BE49-F238E27FC236}">
+                <a16:creationId xmlns:a16="http://schemas.microsoft.com/office/drawing/2014/main" id="{6E0B32DB-5057-9F4F-9670-073195DD147E}"/>
+              </a:ext>
+            </a:extLst>
+          </p:cNvPr>
+          <p:cNvSpPr>
+            <a:spLocks noGrp="1"/>
+          </p:cNvSpPr>
+          <p:nvPr>
+            <p:ph idx="1"/>
+          </p:nvPr>
+        </p:nvSpPr>
+        <p:spPr>
+          <a:xfrm>
+            <a:off x="251520" y="1274886"/>
+            <a:ext cx="8640960" cy="4674394"/>
+          </a:xfrm>
+        </p:spPr>
+        <p:txBody>
+          <a:bodyPr>
+            <a:normAutofit fontScale="70000" lnSpcReduction="20000"/>
+          </a:bodyPr>
+          <a:lstStyle/>
+          <a:p>
+            <a:pPr marL="0" indent="0" algn="ctr">
+              <a:lnSpc>
+                <a:spcPct val="150000"/>
+              </a:lnSpc>
+              <a:buNone/>
+            </a:pPr>
+            <a:r>
+              <a:rPr lang="zh-TW" altLang="en-US" sz="3000" dirty="0">
+                <a:solidFill>
+                  <a:srgbClr val="0070C0"/>
+                </a:solidFill>
+                <a:latin typeface="微軟正黑體" panose="020B0604030504040204" pitchFamily="34" charset="-120"/>
+              </a:rPr>
+              <a:t>原生 </a:t>
+            </a:r>
+            <a:r>
+              <a:rPr lang="en-US" altLang="zh-TW" sz="3000" dirty="0">
+                <a:solidFill>
+                  <a:srgbClr val="0070C0"/>
+                </a:solidFill>
+                <a:latin typeface="微軟正黑體" panose="020B0604030504040204" pitchFamily="34" charset="-120"/>
+              </a:rPr>
+              <a:t>JS</a:t>
+            </a:r>
+          </a:p>
+          <a:p>
+            <a:pPr marL="0" indent="0" algn="ctr">
+              <a:lnSpc>
+                <a:spcPct val="150000"/>
+              </a:lnSpc>
+              <a:buNone/>
+            </a:pPr>
+            <a:r>
+              <a:rPr lang="en-US" altLang="zh-TW" sz="2500" dirty="0">
+                <a:solidFill>
+                  <a:srgbClr val="0070C0"/>
+                </a:solidFill>
+                <a:latin typeface="微軟正黑體" panose="020B0604030504040204" pitchFamily="34" charset="-120"/>
+              </a:rPr>
+              <a:t>document . </a:t>
+            </a:r>
+            <a:r>
+              <a:rPr lang="en-US" altLang="zh-TW" sz="2500" dirty="0" err="1">
+                <a:solidFill>
+                  <a:srgbClr val="0070C0"/>
+                </a:solidFill>
+                <a:latin typeface="微軟正黑體" panose="020B0604030504040204" pitchFamily="34" charset="-120"/>
+              </a:rPr>
+              <a:t>getElementBy</a:t>
+            </a:r>
+            <a:r>
+              <a:rPr lang="en-US" altLang="zh-TW" sz="2500" dirty="0" err="1">
+                <a:solidFill>
+                  <a:srgbClr val="FF0000"/>
+                </a:solidFill>
+                <a:latin typeface="微軟正黑體" panose="020B0604030504040204" pitchFamily="34" charset="-120"/>
+              </a:rPr>
+              <a:t>Id</a:t>
+            </a:r>
+            <a:r>
+              <a:rPr lang="en-US" altLang="zh-TW" sz="2500" dirty="0">
+                <a:solidFill>
+                  <a:srgbClr val="0070C0"/>
+                </a:solidFill>
+                <a:latin typeface="微軟正黑體" panose="020B0604030504040204" pitchFamily="34" charset="-120"/>
+              </a:rPr>
+              <a:t>("</a:t>
+            </a:r>
+            <a:r>
+              <a:rPr lang="en-US" altLang="zh-TW" sz="2500" dirty="0">
+                <a:solidFill>
+                  <a:srgbClr val="FF0000"/>
+                </a:solidFill>
+                <a:latin typeface="微軟正黑體" panose="020B0604030504040204" pitchFamily="34" charset="-120"/>
+              </a:rPr>
+              <a:t>id</a:t>
+            </a:r>
+            <a:r>
+              <a:rPr lang="en-US" altLang="zh-TW" sz="2500" dirty="0">
+                <a:solidFill>
+                  <a:srgbClr val="0070C0"/>
+                </a:solidFill>
+                <a:latin typeface="微軟正黑體" panose="020B0604030504040204" pitchFamily="34" charset="-120"/>
+              </a:rPr>
+              <a:t>")</a:t>
+            </a:r>
+          </a:p>
+          <a:p>
+            <a:pPr marL="0" indent="0" algn="ctr">
+              <a:lnSpc>
+                <a:spcPct val="150000"/>
+              </a:lnSpc>
+              <a:buNone/>
+            </a:pPr>
+            <a:r>
+              <a:rPr lang="en-US" altLang="zh-TW" sz="2500" dirty="0">
+                <a:solidFill>
+                  <a:srgbClr val="0070C0"/>
+                </a:solidFill>
+                <a:latin typeface="微軟正黑體" panose="020B0604030504040204" pitchFamily="34" charset="-120"/>
+              </a:rPr>
+              <a:t>document . </a:t>
+            </a:r>
+            <a:r>
+              <a:rPr lang="en-US" altLang="zh-TW" sz="2500" dirty="0" err="1">
+                <a:solidFill>
+                  <a:srgbClr val="0070C0"/>
+                </a:solidFill>
+                <a:latin typeface="微軟正黑體" panose="020B0604030504040204" pitchFamily="34" charset="-120"/>
+              </a:rPr>
+              <a:t>getElementsBy</a:t>
+            </a:r>
+            <a:r>
+              <a:rPr lang="en-US" altLang="zh-TW" sz="2500" dirty="0" err="1">
+                <a:solidFill>
+                  <a:srgbClr val="FF0000"/>
+                </a:solidFill>
+                <a:latin typeface="微軟正黑體" panose="020B0604030504040204" pitchFamily="34" charset="-120"/>
+              </a:rPr>
+              <a:t>ClassName</a:t>
+            </a:r>
+            <a:r>
+              <a:rPr lang="en-US" altLang="zh-TW" sz="2500" dirty="0">
+                <a:solidFill>
+                  <a:srgbClr val="0070C0"/>
+                </a:solidFill>
+                <a:latin typeface="微軟正黑體" panose="020B0604030504040204" pitchFamily="34" charset="-120"/>
+              </a:rPr>
+              <a:t>("</a:t>
+            </a:r>
+            <a:r>
+              <a:rPr lang="en-US" altLang="zh-TW" sz="2500" dirty="0">
+                <a:solidFill>
+                  <a:srgbClr val="FF0000"/>
+                </a:solidFill>
+                <a:latin typeface="微軟正黑體" panose="020B0604030504040204" pitchFamily="34" charset="-120"/>
+              </a:rPr>
+              <a:t>class </a:t>
+            </a:r>
+            <a:r>
+              <a:rPr lang="zh-TW" altLang="en-US" sz="2500" dirty="0">
+                <a:solidFill>
+                  <a:srgbClr val="FF0000"/>
+                </a:solidFill>
+                <a:latin typeface="微軟正黑體" panose="020B0604030504040204" pitchFamily="34" charset="-120"/>
+              </a:rPr>
+              <a:t>名稱</a:t>
+            </a:r>
+            <a:r>
+              <a:rPr lang="en-US" altLang="zh-TW" sz="2500" dirty="0">
+                <a:solidFill>
+                  <a:srgbClr val="0070C0"/>
+                </a:solidFill>
+                <a:latin typeface="微軟正黑體" panose="020B0604030504040204" pitchFamily="34" charset="-120"/>
+              </a:rPr>
+              <a:t>")</a:t>
+            </a:r>
+          </a:p>
+          <a:p>
+            <a:pPr marL="0" indent="0" algn="ctr">
+              <a:lnSpc>
+                <a:spcPct val="150000"/>
+              </a:lnSpc>
+              <a:buNone/>
+            </a:pPr>
+            <a:r>
+              <a:rPr lang="en-US" altLang="zh-TW" sz="2500" dirty="0">
+                <a:solidFill>
+                  <a:srgbClr val="0070C0"/>
+                </a:solidFill>
+                <a:latin typeface="微軟正黑體" panose="020B0604030504040204" pitchFamily="34" charset="-120"/>
+              </a:rPr>
+              <a:t>document . </a:t>
+            </a:r>
+            <a:r>
+              <a:rPr lang="en-US" altLang="zh-TW" sz="2500" dirty="0" err="1">
+                <a:solidFill>
+                  <a:srgbClr val="0070C0"/>
+                </a:solidFill>
+                <a:latin typeface="微軟正黑體" panose="020B0604030504040204" pitchFamily="34" charset="-120"/>
+              </a:rPr>
+              <a:t>getElementsBy</a:t>
+            </a:r>
+            <a:r>
+              <a:rPr lang="en-US" altLang="zh-TW" sz="2500" dirty="0" err="1">
+                <a:solidFill>
+                  <a:srgbClr val="FF0000"/>
+                </a:solidFill>
+                <a:latin typeface="微軟正黑體" panose="020B0604030504040204" pitchFamily="34" charset="-120"/>
+              </a:rPr>
+              <a:t>TagName</a:t>
+            </a:r>
+            <a:r>
+              <a:rPr lang="en-US" altLang="zh-TW" sz="2500" dirty="0">
+                <a:solidFill>
+                  <a:srgbClr val="0070C0"/>
+                </a:solidFill>
+                <a:latin typeface="微軟正黑體" panose="020B0604030504040204" pitchFamily="34" charset="-120"/>
+              </a:rPr>
+              <a:t>("</a:t>
+            </a:r>
+            <a:r>
+              <a:rPr lang="en-US" altLang="zh-TW" sz="2500" dirty="0">
+                <a:solidFill>
+                  <a:srgbClr val="FF0000"/>
+                </a:solidFill>
+                <a:latin typeface="微軟正黑體" panose="020B0604030504040204" pitchFamily="34" charset="-120"/>
+              </a:rPr>
+              <a:t>HTML </a:t>
+            </a:r>
+            <a:r>
+              <a:rPr lang="zh-TW" altLang="en-US" sz="2500" dirty="0">
+                <a:solidFill>
+                  <a:srgbClr val="FF0000"/>
+                </a:solidFill>
+                <a:latin typeface="微軟正黑體" panose="020B0604030504040204" pitchFamily="34" charset="-120"/>
+              </a:rPr>
+              <a:t>標籤</a:t>
+            </a:r>
+            <a:r>
+              <a:rPr lang="en-US" altLang="zh-TW" sz="2500" dirty="0">
+                <a:solidFill>
+                  <a:srgbClr val="0070C0"/>
+                </a:solidFill>
+                <a:latin typeface="微軟正黑體" panose="020B0604030504040204" pitchFamily="34" charset="-120"/>
+              </a:rPr>
+              <a:t>")</a:t>
+            </a:r>
+          </a:p>
+          <a:p>
+            <a:pPr marL="0" indent="0" algn="ctr">
+              <a:lnSpc>
+                <a:spcPct val="150000"/>
+              </a:lnSpc>
+              <a:buNone/>
+            </a:pPr>
+            <a:endParaRPr lang="en-US" altLang="zh-TW" sz="3000" dirty="0">
+              <a:solidFill>
+                <a:srgbClr val="0070C0"/>
+              </a:solidFill>
+              <a:latin typeface="微軟正黑體" panose="020B0604030504040204" pitchFamily="34" charset="-120"/>
+            </a:endParaRPr>
+          </a:p>
+          <a:p>
+            <a:pPr marL="0" indent="0" algn="ctr">
+              <a:lnSpc>
+                <a:spcPct val="150000"/>
+              </a:lnSpc>
+              <a:buNone/>
+            </a:pPr>
+            <a:r>
+              <a:rPr lang="en-US" altLang="zh-TW" sz="3000" dirty="0" err="1">
+                <a:solidFill>
+                  <a:srgbClr val="0070C0"/>
+                </a:solidFill>
+                <a:latin typeface="微軟正黑體" panose="020B0604030504040204" pitchFamily="34" charset="-120"/>
+              </a:rPr>
+              <a:t>JQuery</a:t>
+            </a:r>
+            <a:endParaRPr lang="en-US" altLang="zh-TW" sz="3000" dirty="0">
+              <a:solidFill>
+                <a:srgbClr val="0070C0"/>
+              </a:solidFill>
+              <a:latin typeface="微軟正黑體" panose="020B0604030504040204" pitchFamily="34" charset="-120"/>
+            </a:endParaRPr>
+          </a:p>
+          <a:p>
+            <a:pPr marL="0" indent="0" algn="ctr">
+              <a:lnSpc>
+                <a:spcPct val="150000"/>
+              </a:lnSpc>
+              <a:buNone/>
+            </a:pPr>
+            <a:r>
+              <a:rPr lang="en-US" altLang="zh-TW" sz="3000" dirty="0">
+                <a:solidFill>
+                  <a:srgbClr val="0070C0"/>
+                </a:solidFill>
+                <a:latin typeface="微軟正黑體" panose="020B0604030504040204" pitchFamily="34" charset="-120"/>
+              </a:rPr>
+              <a:t>$ ("</a:t>
+            </a:r>
+            <a:r>
+              <a:rPr lang="en-US" altLang="zh-TW" sz="3000" dirty="0">
+                <a:solidFill>
+                  <a:srgbClr val="FF0000"/>
+                </a:solidFill>
+                <a:latin typeface="微軟正黑體" panose="020B0604030504040204" pitchFamily="34" charset="-120"/>
+              </a:rPr>
+              <a:t>#id</a:t>
+            </a:r>
+            <a:r>
+              <a:rPr lang="en-US" altLang="zh-TW" sz="3000" dirty="0">
+                <a:solidFill>
+                  <a:srgbClr val="0070C0"/>
+                </a:solidFill>
+                <a:latin typeface="微軟正黑體" panose="020B0604030504040204" pitchFamily="34" charset="-120"/>
+              </a:rPr>
+              <a:t>")</a:t>
+            </a:r>
+          </a:p>
+          <a:p>
+            <a:pPr marL="0" indent="0" algn="ctr">
+              <a:lnSpc>
+                <a:spcPct val="150000"/>
+              </a:lnSpc>
+              <a:buNone/>
+            </a:pPr>
+            <a:r>
+              <a:rPr lang="en-US" altLang="zh-TW" sz="3000" dirty="0">
+                <a:solidFill>
+                  <a:srgbClr val="0070C0"/>
+                </a:solidFill>
+                <a:latin typeface="微軟正黑體" panose="020B0604030504040204" pitchFamily="34" charset="-120"/>
+              </a:rPr>
+              <a:t>$("</a:t>
+            </a:r>
+            <a:r>
+              <a:rPr lang="en-US" altLang="zh-TW" sz="3000" dirty="0">
+                <a:solidFill>
+                  <a:srgbClr val="FF0000"/>
+                </a:solidFill>
+                <a:latin typeface="微軟正黑體" panose="020B0604030504040204" pitchFamily="34" charset="-120"/>
+              </a:rPr>
+              <a:t>.</a:t>
+            </a:r>
+            <a:r>
+              <a:rPr lang="zh-TW" altLang="en-US" sz="3200" dirty="0">
+                <a:solidFill>
+                  <a:srgbClr val="FF0000"/>
+                </a:solidFill>
+                <a:latin typeface="微軟正黑體" panose="020B0604030504040204" pitchFamily="34" charset="-120"/>
+              </a:rPr>
+              <a:t> </a:t>
+            </a:r>
+            <a:r>
+              <a:rPr lang="en-US" altLang="zh-TW" sz="3200" dirty="0">
+                <a:solidFill>
+                  <a:srgbClr val="FF0000"/>
+                </a:solidFill>
+                <a:latin typeface="微軟正黑體" panose="020B0604030504040204" pitchFamily="34" charset="-120"/>
+              </a:rPr>
+              <a:t>class </a:t>
+            </a:r>
+            <a:r>
+              <a:rPr lang="zh-TW" altLang="en-US" sz="3200" dirty="0">
+                <a:solidFill>
+                  <a:srgbClr val="FF0000"/>
+                </a:solidFill>
+                <a:latin typeface="微軟正黑體" panose="020B0604030504040204" pitchFamily="34" charset="-120"/>
+              </a:rPr>
+              <a:t>名稱</a:t>
+            </a:r>
+            <a:r>
+              <a:rPr lang="en-US" altLang="zh-TW" sz="3000" dirty="0">
+                <a:solidFill>
+                  <a:srgbClr val="0070C0"/>
+                </a:solidFill>
+                <a:latin typeface="微軟正黑體" panose="020B0604030504040204" pitchFamily="34" charset="-120"/>
+              </a:rPr>
+              <a:t>")</a:t>
+            </a:r>
+          </a:p>
+          <a:p>
+            <a:pPr marL="0" indent="0" algn="ctr">
+              <a:lnSpc>
+                <a:spcPct val="150000"/>
+              </a:lnSpc>
+              <a:buNone/>
+            </a:pPr>
+            <a:r>
+              <a:rPr lang="en-US" altLang="zh-TW" sz="3000" dirty="0">
+                <a:solidFill>
+                  <a:srgbClr val="0070C0"/>
+                </a:solidFill>
+                <a:latin typeface="微軟正黑體" panose="020B0604030504040204" pitchFamily="34" charset="-120"/>
+              </a:rPr>
+              <a:t>$("</a:t>
+            </a:r>
+            <a:r>
+              <a:rPr lang="en-US" altLang="zh-TW" sz="3200" dirty="0">
+                <a:solidFill>
+                  <a:srgbClr val="FF0000"/>
+                </a:solidFill>
+                <a:latin typeface="微軟正黑體" panose="020B0604030504040204" pitchFamily="34" charset="-120"/>
+              </a:rPr>
+              <a:t>HTML </a:t>
+            </a:r>
+            <a:r>
+              <a:rPr lang="zh-TW" altLang="en-US" sz="3200" dirty="0">
+                <a:solidFill>
+                  <a:srgbClr val="FF0000"/>
+                </a:solidFill>
+                <a:latin typeface="微軟正黑體" panose="020B0604030504040204" pitchFamily="34" charset="-120"/>
+              </a:rPr>
+              <a:t>標籤</a:t>
+            </a:r>
+            <a:r>
+              <a:rPr lang="en-US" altLang="zh-TW" sz="3000" dirty="0">
+                <a:solidFill>
+                  <a:srgbClr val="0070C0"/>
+                </a:solidFill>
+                <a:latin typeface="微軟正黑體" panose="020B0604030504040204" pitchFamily="34" charset="-120"/>
+              </a:rPr>
+              <a:t>")</a:t>
+            </a:r>
+          </a:p>
+          <a:p>
+            <a:pPr>
+              <a:lnSpc>
+                <a:spcPct val="150000"/>
+              </a:lnSpc>
+            </a:pPr>
+            <a:endParaRPr lang="en-US" altLang="zh-TW" dirty="0"/>
+          </a:p>
+        </p:txBody>
+      </p:sp>
+      <p:pic>
+        <p:nvPicPr>
+          <p:cNvPr id="18" name="圖片 17">
+            <a:extLst>
+              <a:ext uri="{FF2B5EF4-FFF2-40B4-BE49-F238E27FC236}">
+                <a16:creationId xmlns:a16="http://schemas.microsoft.com/office/drawing/2014/main" id="{CFE0CD66-241B-4AAB-BB07-D2FCD0BDC08A}"/>
+              </a:ext>
+            </a:extLst>
+          </p:cNvPr>
+          <p:cNvPicPr>
+            <a:picLocks noChangeAspect="1"/>
+          </p:cNvPicPr>
+          <p:nvPr/>
+        </p:nvPicPr>
+        <p:blipFill>
+          <a:blip r:embed="rId3">
+            <a:extLst>
+              <a:ext uri="{28A0092B-C50C-407E-A947-70E740481C1C}">
+                <a14:useLocalDpi xmlns:a14="http://schemas.microsoft.com/office/drawing/2010/main" val="0"/>
+              </a:ext>
+            </a:extLst>
+          </a:blip>
+          <a:stretch>
+            <a:fillRect/>
+          </a:stretch>
+        </p:blipFill>
+        <p:spPr>
+          <a:xfrm>
+            <a:off x="6350074" y="3340596"/>
+            <a:ext cx="2536676" cy="2536676"/>
+          </a:xfrm>
+          <a:prstGeom prst="rect">
+            <a:avLst/>
+          </a:prstGeom>
+        </p:spPr>
+      </p:pic>
+    </p:spTree>
+    <p:extLst>
+      <p:ext uri="{BB962C8B-B14F-4D97-AF65-F5344CB8AC3E}">
+        <p14:creationId xmlns:p14="http://schemas.microsoft.com/office/powerpoint/2010/main" val="601437839"/>
+      </p:ext>
+    </p:extLst>
+  </p:cSld>
+  <p:clrMapOvr>
+    <a:masterClrMapping/>
+  </p:clrMapOvr>
+</p:sld>
+</file>
+
+<file path=ppt/slides/slide6.xml><?xml version="1.0" encoding="utf-8"?>
+<p:sld xmlns:a="http://schemas.openxmlformats.org/drawingml/2006/main" xmlns:r="http://schemas.openxmlformats.org/officeDocument/2006/relationships" xmlns:p="http://schemas.openxmlformats.org/presentationml/2006/main">
+  <p:cSld>
+    <p:spTree>
+      <p:nvGrpSpPr>
+        <p:cNvPr id="1" name=""/>
+        <p:cNvGrpSpPr/>
+        <p:nvPr/>
+      </p:nvGrpSpPr>
+      <p:grpSpPr>
+        <a:xfrm>
+          <a:off x="0" y="0"/>
+          <a:ext cx="0" cy="0"/>
+          <a:chOff x="0" y="0"/>
+          <a:chExt cx="0" cy="0"/>
+        </a:xfrm>
+      </p:grpSpPr>
+      <p:sp>
+        <p:nvSpPr>
+          <p:cNvPr id="2" name="標題 1"/>
+          <p:cNvSpPr>
+            <a:spLocks noGrp="1"/>
+          </p:cNvSpPr>
+          <p:nvPr>
+            <p:ph type="title"/>
+          </p:nvPr>
+        </p:nvSpPr>
+        <p:spPr>
+          <a:xfrm>
+            <a:off x="0" y="1"/>
+            <a:ext cx="9144000" cy="836712"/>
+          </a:xfrm>
+        </p:spPr>
+        <p:txBody>
+          <a:bodyPr anchor="b">
+            <a:normAutofit/>
+          </a:bodyPr>
+          <a:lstStyle/>
+          <a:p>
+            <a:pPr algn="ctr"/>
+            <a:r>
+              <a:rPr lang="zh-TW" altLang="en-US" sz="4000" dirty="0">
+                <a:solidFill>
+                  <a:srgbClr val="0070C0"/>
+                </a:solidFill>
+                <a:latin typeface="微軟正黑體" panose="020B0604030504040204" pitchFamily="34" charset="-120"/>
+              </a:rPr>
+              <a:t>為什麼要用 </a:t>
+            </a:r>
+            <a:r>
+              <a:rPr lang="en-US" altLang="zh-TW" sz="4000" dirty="0" err="1">
+                <a:solidFill>
+                  <a:srgbClr val="0070C0"/>
+                </a:solidFill>
+                <a:latin typeface="微軟正黑體" panose="020B0604030504040204" pitchFamily="34" charset="-120"/>
+              </a:rPr>
+              <a:t>JQuery</a:t>
+            </a:r>
+            <a:r>
+              <a:rPr lang="zh-TW" altLang="en-US" sz="4000" dirty="0">
+                <a:solidFill>
+                  <a:srgbClr val="0070C0"/>
+                </a:solidFill>
+                <a:latin typeface="微軟正黑體" panose="020B0604030504040204" pitchFamily="34" charset="-120"/>
+              </a:rPr>
+              <a:t> </a:t>
+            </a:r>
+            <a:r>
+              <a:rPr lang="en-US" altLang="zh-TW" sz="4000" dirty="0">
+                <a:solidFill>
+                  <a:srgbClr val="0070C0"/>
+                </a:solidFill>
+                <a:latin typeface="微軟正黑體" panose="020B0604030504040204" pitchFamily="34" charset="-120"/>
+              </a:rPr>
+              <a:t>?</a:t>
+            </a:r>
+            <a:endParaRPr lang="zh-TW" altLang="en-US" sz="4000" dirty="0">
+              <a:solidFill>
+                <a:srgbClr val="0070C0"/>
+              </a:solidFill>
+              <a:latin typeface="微軟正黑體" panose="020B0604030504040204" pitchFamily="34" charset="-120"/>
+              <a:ea typeface="微軟正黑體" panose="020B0604030504040204" pitchFamily="34" charset="-120"/>
+            </a:endParaRPr>
+          </a:p>
+        </p:txBody>
+      </p:sp>
+      <p:sp>
+        <p:nvSpPr>
+          <p:cNvPr id="5" name="內容版面配置區 4">
+            <a:extLst>
+              <a:ext uri="{FF2B5EF4-FFF2-40B4-BE49-F238E27FC236}">
+                <a16:creationId xmlns:a16="http://schemas.microsoft.com/office/drawing/2014/main" id="{6E0B32DB-5057-9F4F-9670-073195DD147E}"/>
+              </a:ext>
+            </a:extLst>
+          </p:cNvPr>
+          <p:cNvSpPr>
+            <a:spLocks noGrp="1"/>
+          </p:cNvSpPr>
+          <p:nvPr>
+            <p:ph idx="1"/>
+          </p:nvPr>
+        </p:nvSpPr>
+        <p:spPr>
+          <a:xfrm>
+            <a:off x="5322961" y="2097924"/>
+            <a:ext cx="1728193" cy="714152"/>
+          </a:xfrm>
+        </p:spPr>
+        <p:txBody>
+          <a:bodyPr>
+            <a:normAutofit/>
+          </a:bodyPr>
+          <a:lstStyle/>
+          <a:p>
+            <a:pPr marL="0" indent="0" algn="ctr">
+              <a:lnSpc>
+                <a:spcPct val="150000"/>
+              </a:lnSpc>
+              <a:buNone/>
+            </a:pPr>
+            <a:r>
+              <a:rPr lang="zh-TW" altLang="en-US" sz="3000" dirty="0">
+                <a:solidFill>
+                  <a:srgbClr val="0070C0"/>
+                </a:solidFill>
+                <a:latin typeface="微軟正黑體" panose="020B0604030504040204" pitchFamily="34" charset="-120"/>
+              </a:rPr>
+              <a:t>原生 </a:t>
+            </a:r>
+            <a:r>
+              <a:rPr lang="en-US" altLang="zh-TW" sz="3000" dirty="0">
+                <a:solidFill>
+                  <a:srgbClr val="0070C0"/>
+                </a:solidFill>
+                <a:latin typeface="微軟正黑體" panose="020B0604030504040204" pitchFamily="34" charset="-120"/>
+              </a:rPr>
+              <a:t>JS</a:t>
+            </a:r>
+          </a:p>
+        </p:txBody>
+      </p:sp>
+      <p:grpSp>
+        <p:nvGrpSpPr>
+          <p:cNvPr id="12" name="群組 11">
+            <a:extLst>
+              <a:ext uri="{FF2B5EF4-FFF2-40B4-BE49-F238E27FC236}">
+                <a16:creationId xmlns:a16="http://schemas.microsoft.com/office/drawing/2014/main" id="{A4D53AE1-0235-3142-B40E-CCF8AF37AB5B}"/>
+              </a:ext>
+            </a:extLst>
+          </p:cNvPr>
+          <p:cNvGrpSpPr/>
+          <p:nvPr/>
+        </p:nvGrpSpPr>
+        <p:grpSpPr>
+          <a:xfrm>
+            <a:off x="683568" y="1058664"/>
+            <a:ext cx="2183955" cy="2124321"/>
+            <a:chOff x="251520" y="1051936"/>
+            <a:chExt cx="2183955" cy="2124321"/>
+          </a:xfrm>
+        </p:grpSpPr>
+        <p:sp>
+          <p:nvSpPr>
+            <p:cNvPr id="10" name="內容版面配置區 4">
+              <a:extLst>
+                <a:ext uri="{FF2B5EF4-FFF2-40B4-BE49-F238E27FC236}">
+                  <a16:creationId xmlns:a16="http://schemas.microsoft.com/office/drawing/2014/main" id="{B8BE1894-2CC6-574B-BC34-22F8D56FDFCF}"/>
+                </a:ext>
+              </a:extLst>
+            </p:cNvPr>
+            <p:cNvSpPr txBox="1">
+              <a:spLocks/>
+            </p:cNvSpPr>
+            <p:nvPr/>
+          </p:nvSpPr>
+          <p:spPr>
+            <a:xfrm>
+              <a:off x="485060" y="1051936"/>
+              <a:ext cx="1728192" cy="714152"/>
+            </a:xfrm>
+            <a:prstGeom prst="rect">
+              <a:avLst/>
+            </a:prstGeom>
+          </p:spPr>
+          <p:txBody>
+            <a:bodyPr vert="horz" lIns="91440" tIns="45720" rIns="91440" bIns="45720" rtlCol="0">
+              <a:normAutofit/>
+            </a:bodyPr>
+            <a:lstStyle>
+              <a:lvl1pPr marL="171450" indent="-171450" algn="l" defTabSz="685800" rtl="0" eaLnBrk="1" latinLnBrk="0" hangingPunct="1">
+                <a:lnSpc>
+                  <a:spcPct val="90000"/>
+                </a:lnSpc>
+                <a:spcBef>
+                  <a:spcPts val="750"/>
+                </a:spcBef>
+                <a:buFont typeface="Arial" panose="020B0604020202020204" pitchFamily="34" charset="0"/>
+                <a:buChar char="•"/>
+                <a:defRPr sz="2100" kern="1200">
+                  <a:solidFill>
+                    <a:schemeClr val="tx1"/>
+                  </a:solidFill>
+                  <a:latin typeface="+mn-lt"/>
+                  <a:ea typeface="微軟正黑體" panose="020B0604030504040204" pitchFamily="34" charset="-120"/>
+                  <a:cs typeface="+mn-cs"/>
+                </a:defRPr>
+              </a:lvl1pPr>
+              <a:lvl2pPr marL="514350" indent="-171450" algn="l" defTabSz="685800" rtl="0" eaLnBrk="1" latinLnBrk="0" hangingPunct="1">
+                <a:lnSpc>
+                  <a:spcPct val="90000"/>
+                </a:lnSpc>
+                <a:spcBef>
+                  <a:spcPts val="375"/>
+                </a:spcBef>
+                <a:buFont typeface="Arial" panose="020B0604020202020204" pitchFamily="34" charset="0"/>
+                <a:buChar char="•"/>
+                <a:defRPr sz="1800" kern="1200">
+                  <a:solidFill>
+                    <a:schemeClr val="tx1"/>
+                  </a:solidFill>
+                  <a:latin typeface="+mn-lt"/>
+                  <a:ea typeface="微軟正黑體" panose="020B0604030504040204" pitchFamily="34" charset="-120"/>
+                  <a:cs typeface="+mn-cs"/>
+                </a:defRPr>
+              </a:lvl2pPr>
+              <a:lvl3pPr marL="857250" indent="-171450" algn="l" defTabSz="685800" rtl="0" eaLnBrk="1" latinLnBrk="0" hangingPunct="1">
+                <a:lnSpc>
+                  <a:spcPct val="90000"/>
+                </a:lnSpc>
+                <a:spcBef>
+                  <a:spcPts val="375"/>
+                </a:spcBef>
+                <a:buFont typeface="Arial" panose="020B0604020202020204" pitchFamily="34" charset="0"/>
+                <a:buChar char="•"/>
+                <a:defRPr sz="1500" kern="1200">
+                  <a:solidFill>
+                    <a:schemeClr val="tx1"/>
+                  </a:solidFill>
+                  <a:latin typeface="+mn-lt"/>
+                  <a:ea typeface="微軟正黑體" panose="020B0604030504040204" pitchFamily="34" charset="-120"/>
+                  <a:cs typeface="+mn-cs"/>
+                </a:defRPr>
+              </a:lvl3pPr>
+              <a:lvl4pPr marL="1200150" indent="-171450" algn="l" defTabSz="685800" rtl="0" eaLnBrk="1" latinLnBrk="0" hangingPunct="1">
+                <a:lnSpc>
+                  <a:spcPct val="90000"/>
+                </a:lnSpc>
+                <a:spcBef>
+                  <a:spcPts val="375"/>
+                </a:spcBef>
+                <a:buFont typeface="Arial" panose="020B0604020202020204" pitchFamily="34" charset="0"/>
+                <a:buChar char="•"/>
+                <a:defRPr sz="1350" kern="1200">
+                  <a:solidFill>
+                    <a:schemeClr val="tx1"/>
+                  </a:solidFill>
+                  <a:latin typeface="+mn-lt"/>
+                  <a:ea typeface="微軟正黑體" panose="020B0604030504040204" pitchFamily="34" charset="-120"/>
+                  <a:cs typeface="+mn-cs"/>
+                </a:defRPr>
+              </a:lvl4pPr>
+              <a:lvl5pPr marL="1543050" indent="-171450" algn="l" defTabSz="685800" rtl="0" eaLnBrk="1" latinLnBrk="0" hangingPunct="1">
+                <a:lnSpc>
+                  <a:spcPct val="90000"/>
+                </a:lnSpc>
+                <a:spcBef>
+                  <a:spcPts val="375"/>
+                </a:spcBef>
+                <a:buFont typeface="Arial" panose="020B0604020202020204" pitchFamily="34" charset="0"/>
+                <a:buChar char="•"/>
+                <a:defRPr sz="1350" kern="1200">
+                  <a:solidFill>
+                    <a:schemeClr val="tx1"/>
+                  </a:solidFill>
+                  <a:latin typeface="+mn-lt"/>
+                  <a:ea typeface="微軟正黑體" panose="020B0604030504040204" pitchFamily="34" charset="-120"/>
+                  <a:cs typeface="+mn-cs"/>
+                </a:defRPr>
+              </a:lvl5pPr>
+              <a:lvl6pPr marL="1885950" indent="-171450" algn="l" defTabSz="685800" rtl="0" eaLnBrk="1" latinLnBrk="0" hangingPunct="1">
+                <a:lnSpc>
+                  <a:spcPct val="90000"/>
+                </a:lnSpc>
+                <a:spcBef>
+                  <a:spcPts val="375"/>
+                </a:spcBef>
+                <a:buFont typeface="Arial" panose="020B0604020202020204" pitchFamily="34" charset="0"/>
+                <a:buChar char="•"/>
+                <a:defRPr sz="1350" kern="1200">
+                  <a:solidFill>
+                    <a:schemeClr val="tx1"/>
+                  </a:solidFill>
+                  <a:latin typeface="+mn-lt"/>
+                  <a:ea typeface="+mn-ea"/>
+                  <a:cs typeface="+mn-cs"/>
+                </a:defRPr>
+              </a:lvl6pPr>
+              <a:lvl7pPr marL="2228850" indent="-171450" algn="l" defTabSz="685800" rtl="0" eaLnBrk="1" latinLnBrk="0" hangingPunct="1">
+                <a:lnSpc>
+                  <a:spcPct val="90000"/>
+                </a:lnSpc>
+                <a:spcBef>
+                  <a:spcPts val="375"/>
+                </a:spcBef>
+                <a:buFont typeface="Arial" panose="020B0604020202020204" pitchFamily="34" charset="0"/>
+                <a:buChar char="•"/>
+                <a:defRPr sz="1350" kern="1200">
+                  <a:solidFill>
+                    <a:schemeClr val="tx1"/>
+                  </a:solidFill>
+                  <a:latin typeface="+mn-lt"/>
+                  <a:ea typeface="+mn-ea"/>
+                  <a:cs typeface="+mn-cs"/>
+                </a:defRPr>
+              </a:lvl7pPr>
+              <a:lvl8pPr marL="2571750" indent="-171450" algn="l" defTabSz="685800" rtl="0" eaLnBrk="1" latinLnBrk="0" hangingPunct="1">
+                <a:lnSpc>
+                  <a:spcPct val="90000"/>
+                </a:lnSpc>
+                <a:spcBef>
+                  <a:spcPts val="375"/>
+                </a:spcBef>
+                <a:buFont typeface="Arial" panose="020B0604020202020204" pitchFamily="34" charset="0"/>
+                <a:buChar char="•"/>
+                <a:defRPr sz="1350" kern="1200">
+                  <a:solidFill>
+                    <a:schemeClr val="tx1"/>
+                  </a:solidFill>
+                  <a:latin typeface="+mn-lt"/>
+                  <a:ea typeface="+mn-ea"/>
+                  <a:cs typeface="+mn-cs"/>
+                </a:defRPr>
+              </a:lvl8pPr>
+              <a:lvl9pPr marL="2914650" indent="-171450" algn="l" defTabSz="685800" rtl="0" eaLnBrk="1" latinLnBrk="0" hangingPunct="1">
+                <a:lnSpc>
+                  <a:spcPct val="90000"/>
+                </a:lnSpc>
+                <a:spcBef>
+                  <a:spcPts val="375"/>
+                </a:spcBef>
+                <a:buFont typeface="Arial" panose="020B0604020202020204" pitchFamily="34" charset="0"/>
+                <a:buChar char="•"/>
+                <a:defRPr sz="1350" kern="1200">
+                  <a:solidFill>
+                    <a:schemeClr val="tx1"/>
+                  </a:solidFill>
+                  <a:latin typeface="+mn-lt"/>
+                  <a:ea typeface="+mn-ea"/>
+                  <a:cs typeface="+mn-cs"/>
+                </a:defRPr>
+              </a:lvl9pPr>
+            </a:lstStyle>
+            <a:p>
+              <a:pPr marL="0" indent="0" algn="ctr">
+                <a:lnSpc>
+                  <a:spcPct val="120000"/>
+                </a:lnSpc>
+                <a:buNone/>
+              </a:pPr>
+              <a:r>
+                <a:rPr kumimoji="1" lang="zh-TW" altLang="en-US" sz="3200" dirty="0">
+                  <a:solidFill>
+                    <a:srgbClr val="0070C0"/>
+                  </a:solidFill>
+                </a:rPr>
+                <a:t>取得</a:t>
+              </a:r>
+              <a:r>
+                <a:rPr kumimoji="1" lang="en-US" altLang="zh-TW" sz="3200" dirty="0">
+                  <a:solidFill>
+                    <a:srgbClr val="0070C0"/>
+                  </a:solidFill>
+                </a:rPr>
+                <a:t>ul li</a:t>
+              </a:r>
+              <a:endParaRPr kumimoji="1" lang="zh-TW" altLang="en-US" sz="3200" dirty="0">
+                <a:solidFill>
+                  <a:srgbClr val="0070C0"/>
+                </a:solidFill>
+              </a:endParaRPr>
+            </a:p>
+          </p:txBody>
+        </p:sp>
+        <p:pic>
+          <p:nvPicPr>
+            <p:cNvPr id="11" name="圖片 10" descr="一張含有 文字 的圖片&#10;&#10;自動產生的描述">
+              <a:extLst>
+                <a:ext uri="{FF2B5EF4-FFF2-40B4-BE49-F238E27FC236}">
+                  <a16:creationId xmlns:a16="http://schemas.microsoft.com/office/drawing/2014/main" id="{D04E9FEB-B9BD-224D-9F36-F03E96915B79}"/>
+                </a:ext>
+              </a:extLst>
+            </p:cNvPr>
+            <p:cNvPicPr>
+              <a:picLocks noChangeAspect="1"/>
+            </p:cNvPicPr>
+            <p:nvPr/>
+          </p:nvPicPr>
+          <p:blipFill>
+            <a:blip r:embed="rId3">
+              <a:extLst>
+                <a:ext uri="{28A0092B-C50C-407E-A947-70E740481C1C}">
+                  <a14:useLocalDpi xmlns:a14="http://schemas.microsoft.com/office/drawing/2010/main" val="0"/>
+                </a:ext>
+              </a:extLst>
+            </a:blip>
+            <a:stretch>
+              <a:fillRect/>
+            </a:stretch>
+          </p:blipFill>
+          <p:spPr>
+            <a:xfrm>
+              <a:off x="251520" y="1720287"/>
+              <a:ext cx="2183955" cy="1455970"/>
+            </a:xfrm>
+            <a:prstGeom prst="rect">
+              <a:avLst/>
+            </a:prstGeom>
+          </p:spPr>
+        </p:pic>
+      </p:grpSp>
+      <p:pic>
+        <p:nvPicPr>
+          <p:cNvPr id="14" name="圖片 13" descr="一張含有 文字 的圖片&#10;&#10;自動產生的描述">
+            <a:extLst>
+              <a:ext uri="{FF2B5EF4-FFF2-40B4-BE49-F238E27FC236}">
+                <a16:creationId xmlns:a16="http://schemas.microsoft.com/office/drawing/2014/main" id="{9F2D6F80-040F-2540-AFEA-90119CE166D6}"/>
+              </a:ext>
+            </a:extLst>
+          </p:cNvPr>
+          <p:cNvPicPr>
+            <a:picLocks noChangeAspect="1"/>
+          </p:cNvPicPr>
+          <p:nvPr/>
+        </p:nvPicPr>
+        <p:blipFill>
+          <a:blip r:embed="rId4">
+            <a:extLst>
+              <a:ext uri="{28A0092B-C50C-407E-A947-70E740481C1C}">
+                <a14:useLocalDpi xmlns:a14="http://schemas.microsoft.com/office/drawing/2010/main" val="0"/>
+              </a:ext>
+            </a:extLst>
+          </a:blip>
+          <a:stretch>
+            <a:fillRect/>
+          </a:stretch>
+        </p:blipFill>
+        <p:spPr>
+          <a:xfrm>
+            <a:off x="3347864" y="2852936"/>
+            <a:ext cx="5678388" cy="3072873"/>
+          </a:xfrm>
+          <a:prstGeom prst="rect">
+            <a:avLst/>
+          </a:prstGeom>
+        </p:spPr>
+      </p:pic>
+    </p:spTree>
+    <p:extLst>
+      <p:ext uri="{BB962C8B-B14F-4D97-AF65-F5344CB8AC3E}">
+        <p14:creationId xmlns:p14="http://schemas.microsoft.com/office/powerpoint/2010/main" val="2647301037"/>
+      </p:ext>
+    </p:extLst>
+  </p:cSld>
+  <p:clrMapOvr>
+    <a:masterClrMapping/>
+  </p:clrMapOvr>
+</p:sld>
+</file>
+
+<file path=ppt/slides/slide7.xml><?xml version="1.0" encoding="utf-8"?>
+<p:sld xmlns:a="http://schemas.openxmlformats.org/drawingml/2006/main" xmlns:r="http://schemas.openxmlformats.org/officeDocument/2006/relationships" xmlns:p="http://schemas.openxmlformats.org/presentationml/2006/main">
+  <p:cSld>
+    <p:spTree>
+      <p:nvGrpSpPr>
+        <p:cNvPr id="1" name=""/>
+        <p:cNvGrpSpPr/>
+        <p:nvPr/>
+      </p:nvGrpSpPr>
+      <p:grpSpPr>
+        <a:xfrm>
+          <a:off x="0" y="0"/>
+          <a:ext cx="0" cy="0"/>
+          <a:chOff x="0" y="0"/>
+          <a:chExt cx="0" cy="0"/>
+        </a:xfrm>
+      </p:grpSpPr>
+      <p:sp>
+        <p:nvSpPr>
+          <p:cNvPr id="2" name="標題 1"/>
+          <p:cNvSpPr>
+            <a:spLocks noGrp="1"/>
+          </p:cNvSpPr>
+          <p:nvPr>
+            <p:ph type="title"/>
+          </p:nvPr>
+        </p:nvSpPr>
+        <p:spPr>
+          <a:xfrm>
+            <a:off x="0" y="1"/>
+            <a:ext cx="9144000" cy="836712"/>
+          </a:xfrm>
+        </p:spPr>
+        <p:txBody>
+          <a:bodyPr anchor="b">
+            <a:normAutofit/>
+          </a:bodyPr>
+          <a:lstStyle/>
+          <a:p>
+            <a:pPr algn="ctr"/>
+            <a:r>
+              <a:rPr lang="zh-TW" altLang="en-US" sz="4000" dirty="0">
+                <a:solidFill>
+                  <a:srgbClr val="0070C0"/>
+                </a:solidFill>
+                <a:latin typeface="微軟正黑體" panose="020B0604030504040204" pitchFamily="34" charset="-120"/>
+              </a:rPr>
+              <a:t>為什麼要用 </a:t>
+            </a:r>
+            <a:r>
+              <a:rPr lang="en-US" altLang="zh-TW" sz="4000" dirty="0" err="1">
+                <a:solidFill>
+                  <a:srgbClr val="0070C0"/>
+                </a:solidFill>
+                <a:latin typeface="微軟正黑體" panose="020B0604030504040204" pitchFamily="34" charset="-120"/>
+              </a:rPr>
+              <a:t>JQuery</a:t>
+            </a:r>
+            <a:r>
+              <a:rPr lang="zh-TW" altLang="en-US" sz="4000" dirty="0">
+                <a:solidFill>
+                  <a:srgbClr val="0070C0"/>
+                </a:solidFill>
+                <a:latin typeface="微軟正黑體" panose="020B0604030504040204" pitchFamily="34" charset="-120"/>
+              </a:rPr>
+              <a:t> </a:t>
+            </a:r>
+            <a:r>
+              <a:rPr lang="en-US" altLang="zh-TW" sz="4000" dirty="0">
+                <a:solidFill>
+                  <a:srgbClr val="0070C0"/>
+                </a:solidFill>
+                <a:latin typeface="微軟正黑體" panose="020B0604030504040204" pitchFamily="34" charset="-120"/>
+              </a:rPr>
+              <a:t>?</a:t>
+            </a:r>
+            <a:endParaRPr lang="zh-TW" altLang="en-US" sz="4000" dirty="0">
+              <a:solidFill>
+                <a:srgbClr val="0070C0"/>
+              </a:solidFill>
+              <a:latin typeface="微軟正黑體" panose="020B0604030504040204" pitchFamily="34" charset="-120"/>
+              <a:ea typeface="微軟正黑體" panose="020B0604030504040204" pitchFamily="34" charset="-120"/>
+            </a:endParaRPr>
+          </a:p>
+        </p:txBody>
+      </p:sp>
+      <p:sp>
+        <p:nvSpPr>
+          <p:cNvPr id="5" name="內容版面配置區 4">
+            <a:extLst>
+              <a:ext uri="{FF2B5EF4-FFF2-40B4-BE49-F238E27FC236}">
+                <a16:creationId xmlns:a16="http://schemas.microsoft.com/office/drawing/2014/main" id="{6E0B32DB-5057-9F4F-9670-073195DD147E}"/>
+              </a:ext>
+            </a:extLst>
+          </p:cNvPr>
+          <p:cNvSpPr>
+            <a:spLocks noGrp="1"/>
+          </p:cNvSpPr>
+          <p:nvPr>
+            <p:ph idx="1"/>
+          </p:nvPr>
+        </p:nvSpPr>
+        <p:spPr>
+          <a:xfrm>
+            <a:off x="3605147" y="1084243"/>
+            <a:ext cx="1933705" cy="836712"/>
+          </a:xfrm>
+        </p:spPr>
+        <p:txBody>
+          <a:bodyPr>
+            <a:normAutofit/>
+          </a:bodyPr>
+          <a:lstStyle/>
+          <a:p>
+            <a:pPr marL="0" indent="0" algn="ctr">
+              <a:lnSpc>
+                <a:spcPct val="150000"/>
+              </a:lnSpc>
+              <a:buNone/>
+            </a:pPr>
+            <a:r>
+              <a:rPr lang="en-US" altLang="zh-TW" sz="3000" dirty="0" err="1">
+                <a:solidFill>
+                  <a:srgbClr val="0070C0"/>
+                </a:solidFill>
+                <a:latin typeface="微軟正黑體" panose="020B0604030504040204" pitchFamily="34" charset="-120"/>
+              </a:rPr>
+              <a:t>JQuery</a:t>
+            </a:r>
+            <a:endParaRPr lang="en-US" altLang="zh-TW" sz="3000" dirty="0">
+              <a:solidFill>
+                <a:srgbClr val="0070C0"/>
+              </a:solidFill>
+              <a:latin typeface="微軟正黑體" panose="020B0604030504040204" pitchFamily="34" charset="-120"/>
+            </a:endParaRPr>
+          </a:p>
+        </p:txBody>
+      </p:sp>
+      <p:pic>
+        <p:nvPicPr>
+          <p:cNvPr id="18" name="圖片 17">
+            <a:extLst>
+              <a:ext uri="{FF2B5EF4-FFF2-40B4-BE49-F238E27FC236}">
+                <a16:creationId xmlns:a16="http://schemas.microsoft.com/office/drawing/2014/main" id="{CFE0CD66-241B-4AAB-BB07-D2FCD0BDC08A}"/>
+              </a:ext>
+            </a:extLst>
+          </p:cNvPr>
+          <p:cNvPicPr>
+            <a:picLocks noChangeAspect="1"/>
+          </p:cNvPicPr>
+          <p:nvPr/>
+        </p:nvPicPr>
+        <p:blipFill>
+          <a:blip r:embed="rId3">
+            <a:extLst>
+              <a:ext uri="{28A0092B-C50C-407E-A947-70E740481C1C}">
+                <a14:useLocalDpi xmlns:a14="http://schemas.microsoft.com/office/drawing/2010/main" val="0"/>
+              </a:ext>
+            </a:extLst>
+          </a:blip>
+          <a:stretch>
+            <a:fillRect/>
+          </a:stretch>
+        </p:blipFill>
+        <p:spPr>
+          <a:xfrm>
+            <a:off x="6350074" y="3340596"/>
+            <a:ext cx="2536676" cy="2536676"/>
+          </a:xfrm>
+          <a:prstGeom prst="rect">
+            <a:avLst/>
+          </a:prstGeom>
+        </p:spPr>
+      </p:pic>
+      <p:pic>
+        <p:nvPicPr>
+          <p:cNvPr id="4" name="圖片 3" descr="一張含有 時鐘, 物件, 儀錶 的圖片&#10;&#10;自動產生的描述">
+            <a:extLst>
+              <a:ext uri="{FF2B5EF4-FFF2-40B4-BE49-F238E27FC236}">
+                <a16:creationId xmlns:a16="http://schemas.microsoft.com/office/drawing/2014/main" id="{876A1D6C-5BF9-F44A-8976-91E3B9913F79}"/>
+              </a:ext>
+            </a:extLst>
+          </p:cNvPr>
+          <p:cNvPicPr>
+            <a:picLocks noChangeAspect="1"/>
+          </p:cNvPicPr>
+          <p:nvPr/>
+        </p:nvPicPr>
+        <p:blipFill>
+          <a:blip r:embed="rId4">
+            <a:extLst>
+              <a:ext uri="{28A0092B-C50C-407E-A947-70E740481C1C}">
+                <a14:useLocalDpi xmlns:a14="http://schemas.microsoft.com/office/drawing/2010/main" val="0"/>
+              </a:ext>
+            </a:extLst>
+          </a:blip>
+          <a:stretch>
+            <a:fillRect/>
+          </a:stretch>
+        </p:blipFill>
+        <p:spPr>
+          <a:xfrm>
+            <a:off x="3059832" y="1895279"/>
+            <a:ext cx="3024336" cy="2575411"/>
+          </a:xfrm>
+          <a:prstGeom prst="rect">
+            <a:avLst/>
+          </a:prstGeom>
+        </p:spPr>
+      </p:pic>
+      <p:grpSp>
+        <p:nvGrpSpPr>
+          <p:cNvPr id="6" name="群組 5">
+            <a:extLst>
+              <a:ext uri="{FF2B5EF4-FFF2-40B4-BE49-F238E27FC236}">
+                <a16:creationId xmlns:a16="http://schemas.microsoft.com/office/drawing/2014/main" id="{7D289C47-AFF7-6743-B18D-7BA49FF2E1F8}"/>
+              </a:ext>
+            </a:extLst>
+          </p:cNvPr>
+          <p:cNvGrpSpPr/>
+          <p:nvPr/>
+        </p:nvGrpSpPr>
+        <p:grpSpPr>
+          <a:xfrm>
+            <a:off x="330561" y="1216275"/>
+            <a:ext cx="2183955" cy="2124321"/>
+            <a:chOff x="251520" y="1051936"/>
+            <a:chExt cx="2183955" cy="2124321"/>
+          </a:xfrm>
+        </p:grpSpPr>
+        <p:sp>
+          <p:nvSpPr>
+            <p:cNvPr id="7" name="內容版面配置區 4">
+              <a:extLst>
+                <a:ext uri="{FF2B5EF4-FFF2-40B4-BE49-F238E27FC236}">
+                  <a16:creationId xmlns:a16="http://schemas.microsoft.com/office/drawing/2014/main" id="{7D482D64-90D3-B94B-90E6-8580B9E6B244}"/>
+                </a:ext>
+              </a:extLst>
+            </p:cNvPr>
+            <p:cNvSpPr txBox="1">
+              <a:spLocks/>
+            </p:cNvSpPr>
+            <p:nvPr/>
+          </p:nvSpPr>
+          <p:spPr>
+            <a:xfrm>
+              <a:off x="485060" y="1051936"/>
+              <a:ext cx="1728192" cy="714152"/>
+            </a:xfrm>
+            <a:prstGeom prst="rect">
+              <a:avLst/>
+            </a:prstGeom>
+          </p:spPr>
+          <p:txBody>
+            <a:bodyPr vert="horz" lIns="91440" tIns="45720" rIns="91440" bIns="45720" rtlCol="0">
+              <a:normAutofit/>
+            </a:bodyPr>
+            <a:lstStyle>
+              <a:lvl1pPr marL="171450" indent="-171450" algn="l" defTabSz="685800" rtl="0" eaLnBrk="1" latinLnBrk="0" hangingPunct="1">
+                <a:lnSpc>
+                  <a:spcPct val="90000"/>
+                </a:lnSpc>
+                <a:spcBef>
+                  <a:spcPts val="750"/>
+                </a:spcBef>
+                <a:buFont typeface="Arial" panose="020B0604020202020204" pitchFamily="34" charset="0"/>
+                <a:buChar char="•"/>
+                <a:defRPr sz="2100" kern="1200">
+                  <a:solidFill>
+                    <a:schemeClr val="tx1"/>
+                  </a:solidFill>
+                  <a:latin typeface="+mn-lt"/>
+                  <a:ea typeface="微軟正黑體" panose="020B0604030504040204" pitchFamily="34" charset="-120"/>
+                  <a:cs typeface="+mn-cs"/>
+                </a:defRPr>
+              </a:lvl1pPr>
+              <a:lvl2pPr marL="514350" indent="-171450" algn="l" defTabSz="685800" rtl="0" eaLnBrk="1" latinLnBrk="0" hangingPunct="1">
+                <a:lnSpc>
+                  <a:spcPct val="90000"/>
+                </a:lnSpc>
+                <a:spcBef>
+                  <a:spcPts val="375"/>
+                </a:spcBef>
+                <a:buFont typeface="Arial" panose="020B0604020202020204" pitchFamily="34" charset="0"/>
+                <a:buChar char="•"/>
+                <a:defRPr sz="1800" kern="1200">
+                  <a:solidFill>
+                    <a:schemeClr val="tx1"/>
+                  </a:solidFill>
+                  <a:latin typeface="+mn-lt"/>
+                  <a:ea typeface="微軟正黑體" panose="020B0604030504040204" pitchFamily="34" charset="-120"/>
+                  <a:cs typeface="+mn-cs"/>
+                </a:defRPr>
+              </a:lvl2pPr>
+              <a:lvl3pPr marL="857250" indent="-171450" algn="l" defTabSz="685800" rtl="0" eaLnBrk="1" latinLnBrk="0" hangingPunct="1">
+                <a:lnSpc>
+                  <a:spcPct val="90000"/>
+                </a:lnSpc>
+                <a:spcBef>
+                  <a:spcPts val="375"/>
+                </a:spcBef>
+                <a:buFont typeface="Arial" panose="020B0604020202020204" pitchFamily="34" charset="0"/>
+                <a:buChar char="•"/>
+                <a:defRPr sz="1500" kern="1200">
+                  <a:solidFill>
+                    <a:schemeClr val="tx1"/>
+                  </a:solidFill>
+                  <a:latin typeface="+mn-lt"/>
+                  <a:ea typeface="微軟正黑體" panose="020B0604030504040204" pitchFamily="34" charset="-120"/>
+                  <a:cs typeface="+mn-cs"/>
+                </a:defRPr>
+              </a:lvl3pPr>
+              <a:lvl4pPr marL="1200150" indent="-171450" algn="l" defTabSz="685800" rtl="0" eaLnBrk="1" latinLnBrk="0" hangingPunct="1">
+                <a:lnSpc>
+                  <a:spcPct val="90000"/>
+                </a:lnSpc>
+                <a:spcBef>
+                  <a:spcPts val="375"/>
+                </a:spcBef>
+                <a:buFont typeface="Arial" panose="020B0604020202020204" pitchFamily="34" charset="0"/>
+                <a:buChar char="•"/>
+                <a:defRPr sz="1350" kern="1200">
+                  <a:solidFill>
+                    <a:schemeClr val="tx1"/>
+                  </a:solidFill>
+                  <a:latin typeface="+mn-lt"/>
+                  <a:ea typeface="微軟正黑體" panose="020B0604030504040204" pitchFamily="34" charset="-120"/>
+                  <a:cs typeface="+mn-cs"/>
+                </a:defRPr>
+              </a:lvl4pPr>
+              <a:lvl5pPr marL="1543050" indent="-171450" algn="l" defTabSz="685800" rtl="0" eaLnBrk="1" latinLnBrk="0" hangingPunct="1">
+                <a:lnSpc>
+                  <a:spcPct val="90000"/>
+                </a:lnSpc>
+                <a:spcBef>
+                  <a:spcPts val="375"/>
+                </a:spcBef>
+                <a:buFont typeface="Arial" panose="020B0604020202020204" pitchFamily="34" charset="0"/>
+                <a:buChar char="•"/>
+                <a:defRPr sz="1350" kern="1200">
+                  <a:solidFill>
+                    <a:schemeClr val="tx1"/>
+                  </a:solidFill>
+                  <a:latin typeface="+mn-lt"/>
+                  <a:ea typeface="微軟正黑體" panose="020B0604030504040204" pitchFamily="34" charset="-120"/>
+                  <a:cs typeface="+mn-cs"/>
+                </a:defRPr>
+              </a:lvl5pPr>
+              <a:lvl6pPr marL="1885950" indent="-171450" algn="l" defTabSz="685800" rtl="0" eaLnBrk="1" latinLnBrk="0" hangingPunct="1">
+                <a:lnSpc>
+                  <a:spcPct val="90000"/>
+                </a:lnSpc>
+                <a:spcBef>
+                  <a:spcPts val="375"/>
+                </a:spcBef>
+                <a:buFont typeface="Arial" panose="020B0604020202020204" pitchFamily="34" charset="0"/>
+                <a:buChar char="•"/>
+                <a:defRPr sz="1350" kern="1200">
+                  <a:solidFill>
+                    <a:schemeClr val="tx1"/>
+                  </a:solidFill>
+                  <a:latin typeface="+mn-lt"/>
+                  <a:ea typeface="+mn-ea"/>
+                  <a:cs typeface="+mn-cs"/>
+                </a:defRPr>
+              </a:lvl6pPr>
+              <a:lvl7pPr marL="2228850" indent="-171450" algn="l" defTabSz="685800" rtl="0" eaLnBrk="1" latinLnBrk="0" hangingPunct="1">
+                <a:lnSpc>
+                  <a:spcPct val="90000"/>
+                </a:lnSpc>
+                <a:spcBef>
+                  <a:spcPts val="375"/>
+                </a:spcBef>
+                <a:buFont typeface="Arial" panose="020B0604020202020204" pitchFamily="34" charset="0"/>
+                <a:buChar char="•"/>
+                <a:defRPr sz="1350" kern="1200">
+                  <a:solidFill>
+                    <a:schemeClr val="tx1"/>
+                  </a:solidFill>
+                  <a:latin typeface="+mn-lt"/>
+                  <a:ea typeface="+mn-ea"/>
+                  <a:cs typeface="+mn-cs"/>
+                </a:defRPr>
+              </a:lvl7pPr>
+              <a:lvl8pPr marL="2571750" indent="-171450" algn="l" defTabSz="685800" rtl="0" eaLnBrk="1" latinLnBrk="0" hangingPunct="1">
+                <a:lnSpc>
+                  <a:spcPct val="90000"/>
+                </a:lnSpc>
+                <a:spcBef>
+                  <a:spcPts val="375"/>
+                </a:spcBef>
+                <a:buFont typeface="Arial" panose="020B0604020202020204" pitchFamily="34" charset="0"/>
+                <a:buChar char="•"/>
+                <a:defRPr sz="1350" kern="1200">
+                  <a:solidFill>
+                    <a:schemeClr val="tx1"/>
+                  </a:solidFill>
+                  <a:latin typeface="+mn-lt"/>
+                  <a:ea typeface="+mn-ea"/>
+                  <a:cs typeface="+mn-cs"/>
+                </a:defRPr>
+              </a:lvl8pPr>
+              <a:lvl9pPr marL="2914650" indent="-171450" algn="l" defTabSz="685800" rtl="0" eaLnBrk="1" latinLnBrk="0" hangingPunct="1">
+                <a:lnSpc>
+                  <a:spcPct val="90000"/>
+                </a:lnSpc>
+                <a:spcBef>
+                  <a:spcPts val="375"/>
+                </a:spcBef>
+                <a:buFont typeface="Arial" panose="020B0604020202020204" pitchFamily="34" charset="0"/>
+                <a:buChar char="•"/>
+                <a:defRPr sz="1350" kern="1200">
+                  <a:solidFill>
+                    <a:schemeClr val="tx1"/>
+                  </a:solidFill>
+                  <a:latin typeface="+mn-lt"/>
+                  <a:ea typeface="+mn-ea"/>
+                  <a:cs typeface="+mn-cs"/>
+                </a:defRPr>
+              </a:lvl9pPr>
+            </a:lstStyle>
+            <a:p>
+              <a:pPr marL="0" indent="0" algn="ctr">
+                <a:lnSpc>
+                  <a:spcPct val="120000"/>
+                </a:lnSpc>
+                <a:buNone/>
+              </a:pPr>
+              <a:r>
+                <a:rPr kumimoji="1" lang="zh-TW" altLang="en-US" sz="3200" dirty="0">
+                  <a:solidFill>
+                    <a:srgbClr val="0070C0"/>
+                  </a:solidFill>
+                </a:rPr>
+                <a:t>取得</a:t>
+              </a:r>
+              <a:r>
+                <a:rPr kumimoji="1" lang="en-US" altLang="zh-TW" sz="3200" dirty="0">
+                  <a:solidFill>
+                    <a:srgbClr val="0070C0"/>
+                  </a:solidFill>
+                </a:rPr>
+                <a:t>ul li</a:t>
+              </a:r>
+              <a:endParaRPr kumimoji="1" lang="zh-TW" altLang="en-US" sz="3200" dirty="0">
+                <a:solidFill>
+                  <a:srgbClr val="0070C0"/>
+                </a:solidFill>
+              </a:endParaRPr>
+            </a:p>
+          </p:txBody>
+        </p:sp>
+        <p:pic>
+          <p:nvPicPr>
+            <p:cNvPr id="8" name="圖片 7" descr="一張含有 文字 的圖片&#10;&#10;自動產生的描述">
+              <a:extLst>
+                <a:ext uri="{FF2B5EF4-FFF2-40B4-BE49-F238E27FC236}">
+                  <a16:creationId xmlns:a16="http://schemas.microsoft.com/office/drawing/2014/main" id="{B32513AB-BE98-B048-9FCE-B7C180B92C69}"/>
+                </a:ext>
+              </a:extLst>
+            </p:cNvPr>
+            <p:cNvPicPr>
+              <a:picLocks noChangeAspect="1"/>
+            </p:cNvPicPr>
+            <p:nvPr/>
+          </p:nvPicPr>
+          <p:blipFill>
+            <a:blip r:embed="rId5">
+              <a:extLst>
+                <a:ext uri="{28A0092B-C50C-407E-A947-70E740481C1C}">
+                  <a14:useLocalDpi xmlns:a14="http://schemas.microsoft.com/office/drawing/2010/main" val="0"/>
+                </a:ext>
+              </a:extLst>
+            </a:blip>
+            <a:stretch>
+              <a:fillRect/>
+            </a:stretch>
+          </p:blipFill>
+          <p:spPr>
+            <a:xfrm>
+              <a:off x="251520" y="1720287"/>
+              <a:ext cx="2183955" cy="1455970"/>
+            </a:xfrm>
+            <a:prstGeom prst="rect">
+              <a:avLst/>
+            </a:prstGeom>
+          </p:spPr>
+        </p:pic>
+      </p:grpSp>
+    </p:spTree>
+    <p:extLst>
+      <p:ext uri="{BB962C8B-B14F-4D97-AF65-F5344CB8AC3E}">
+        <p14:creationId xmlns:p14="http://schemas.microsoft.com/office/powerpoint/2010/main" val="1048760645"/>
+      </p:ext>
+    </p:extLst>
+  </p:cSld>
+  <p:clrMapOvr>
+    <a:masterClrMapping/>
+  </p:clrMapOvr>
+</p:sld>
+</file>
+
+<file path=ppt/slides/slide8.xml><?xml version="1.0" encoding="utf-8"?>
+<p:sld xmlns:a="http://schemas.openxmlformats.org/drawingml/2006/main" xmlns:r="http://schemas.openxmlformats.org/officeDocument/2006/relationships" xmlns:p="http://schemas.openxmlformats.org/presentationml/2006/main">
+  <p:cSld>
+    <p:spTree>
+      <p:nvGrpSpPr>
+        <p:cNvPr id="1" name=""/>
+        <p:cNvGrpSpPr/>
+        <p:nvPr/>
+      </p:nvGrpSpPr>
+      <p:grpSpPr>
+        <a:xfrm>
+          <a:off x="0" y="0"/>
+          <a:ext cx="0" cy="0"/>
+          <a:chOff x="0" y="0"/>
+          <a:chExt cx="0" cy="0"/>
+        </a:xfrm>
+      </p:grpSpPr>
+      <p:sp>
+        <p:nvSpPr>
+          <p:cNvPr id="2" name="標題 1"/>
+          <p:cNvSpPr>
+            <a:spLocks noGrp="1"/>
+          </p:cNvSpPr>
+          <p:nvPr>
+            <p:ph type="title"/>
+          </p:nvPr>
+        </p:nvSpPr>
+        <p:spPr>
+          <a:xfrm>
+            <a:off x="0" y="1"/>
+            <a:ext cx="9144000" cy="836712"/>
+          </a:xfrm>
+        </p:spPr>
+        <p:txBody>
+          <a:bodyPr anchor="b">
+            <a:normAutofit/>
+          </a:bodyPr>
+          <a:lstStyle/>
+          <a:p>
+            <a:pPr algn="ctr"/>
+            <a:r>
+              <a:rPr lang="en-US" altLang="zh-TW" sz="4000" dirty="0">
+                <a:solidFill>
+                  <a:srgbClr val="0070C0"/>
+                </a:solidFill>
+                <a:latin typeface="微軟正黑體" panose="020B0604030504040204" pitchFamily="34" charset="-120"/>
+              </a:rPr>
+              <a:t>$(document).ready( function () {}</a:t>
+            </a:r>
+            <a:r>
+              <a:rPr lang="zh-TW" altLang="en-US" sz="4000" dirty="0">
+                <a:solidFill>
+                  <a:srgbClr val="0070C0"/>
+                </a:solidFill>
+                <a:latin typeface="微軟正黑體" panose="020B0604030504040204" pitchFamily="34" charset="-120"/>
+              </a:rPr>
+              <a:t> </a:t>
+            </a:r>
+            <a:r>
+              <a:rPr lang="en-US" altLang="zh-TW" sz="4000" dirty="0">
+                <a:solidFill>
+                  <a:srgbClr val="0070C0"/>
+                </a:solidFill>
+                <a:latin typeface="微軟正黑體" panose="020B0604030504040204" pitchFamily="34" charset="-120"/>
+              </a:rPr>
+              <a:t>)</a:t>
+            </a:r>
+            <a:endParaRPr lang="zh-TW" altLang="en-US" sz="4000" dirty="0">
+              <a:solidFill>
+                <a:srgbClr val="0070C0"/>
+              </a:solidFill>
+              <a:latin typeface="微軟正黑體" panose="020B0604030504040204" pitchFamily="34" charset="-120"/>
+              <a:ea typeface="微軟正黑體" panose="020B0604030504040204" pitchFamily="34" charset="-120"/>
+            </a:endParaRPr>
+          </a:p>
+        </p:txBody>
+      </p:sp>
+      <p:sp>
+        <p:nvSpPr>
+          <p:cNvPr id="5" name="內容版面配置區 4">
+            <a:extLst>
+              <a:ext uri="{FF2B5EF4-FFF2-40B4-BE49-F238E27FC236}">
+                <a16:creationId xmlns:a16="http://schemas.microsoft.com/office/drawing/2014/main" id="{6E0B32DB-5057-9F4F-9670-073195DD147E}"/>
+              </a:ext>
+            </a:extLst>
+          </p:cNvPr>
+          <p:cNvSpPr>
+            <a:spLocks noGrp="1"/>
+          </p:cNvSpPr>
+          <p:nvPr>
+            <p:ph idx="1"/>
+          </p:nvPr>
+        </p:nvSpPr>
+        <p:spPr>
+          <a:xfrm>
+            <a:off x="251520" y="1124745"/>
+            <a:ext cx="8640960" cy="836712"/>
+          </a:xfrm>
+        </p:spPr>
+        <p:txBody>
+          <a:bodyPr/>
+          <a:lstStyle/>
+          <a:p>
+            <a:pPr marL="0" indent="0" algn="ctr">
+              <a:lnSpc>
+                <a:spcPct val="150000"/>
+              </a:lnSpc>
+              <a:buNone/>
+            </a:pPr>
+            <a:r>
+              <a:rPr lang="zh-TW" altLang="en-US" sz="2500" dirty="0">
+                <a:solidFill>
+                  <a:srgbClr val="0070C0"/>
+                </a:solidFill>
+              </a:rPr>
+              <a:t>為了防止在網頁完全加載完之前運行</a:t>
+            </a:r>
+            <a:r>
+              <a:rPr lang="en-US" altLang="zh-TW" sz="2500" dirty="0" err="1">
+                <a:solidFill>
+                  <a:srgbClr val="0070C0"/>
+                </a:solidFill>
+              </a:rPr>
+              <a:t>JQuery</a:t>
+            </a:r>
+            <a:endParaRPr lang="en-US" altLang="zh-TW" sz="2500" dirty="0">
+              <a:solidFill>
+                <a:srgbClr val="0070C0"/>
+              </a:solidFill>
+            </a:endParaRPr>
+          </a:p>
+        </p:txBody>
+      </p:sp>
+      <p:sp>
+        <p:nvSpPr>
+          <p:cNvPr id="3" name="文字方塊 2">
+            <a:extLst>
+              <a:ext uri="{FF2B5EF4-FFF2-40B4-BE49-F238E27FC236}">
+                <a16:creationId xmlns:a16="http://schemas.microsoft.com/office/drawing/2014/main" id="{F83584EC-BA96-4810-AB19-D58535C90265}"/>
+              </a:ext>
+            </a:extLst>
+          </p:cNvPr>
+          <p:cNvSpPr txBox="1"/>
+          <p:nvPr/>
+        </p:nvSpPr>
+        <p:spPr>
+          <a:xfrm>
+            <a:off x="1822570" y="2448058"/>
+            <a:ext cx="5498860" cy="1961884"/>
+          </a:xfrm>
+          <a:prstGeom prst="rect">
+            <a:avLst/>
+          </a:prstGeom>
+          <a:noFill/>
+        </p:spPr>
+        <p:txBody>
+          <a:bodyPr wrap="square" rtlCol="0">
+            <a:spAutoFit/>
+          </a:bodyPr>
+          <a:lstStyle/>
+          <a:p>
+            <a:pPr>
+              <a:lnSpc>
+                <a:spcPct val="150000"/>
+              </a:lnSpc>
+            </a:pPr>
+            <a:r>
+              <a:rPr lang="en-US" altLang="zh-TW" sz="2800" dirty="0">
+                <a:solidFill>
+                  <a:srgbClr val="0070C0"/>
+                </a:solidFill>
+                <a:latin typeface="微軟正黑體" panose="020B0604030504040204" pitchFamily="34" charset="-120"/>
+              </a:rPr>
+              <a:t>$(document).ready( function ()</a:t>
+            </a:r>
+            <a:r>
+              <a:rPr lang="zh-TW" altLang="en-US" sz="2800" dirty="0">
+                <a:solidFill>
+                  <a:srgbClr val="0070C0"/>
+                </a:solidFill>
+                <a:latin typeface="微軟正黑體" panose="020B0604030504040204" pitchFamily="34" charset="-120"/>
+              </a:rPr>
+              <a:t> </a:t>
+            </a:r>
+            <a:r>
+              <a:rPr lang="en-US" altLang="zh-TW" sz="2800" dirty="0">
+                <a:solidFill>
+                  <a:srgbClr val="0070C0"/>
+                </a:solidFill>
+                <a:latin typeface="微軟正黑體" panose="020B0604030504040204" pitchFamily="34" charset="-120"/>
+              </a:rPr>
+              <a:t>{</a:t>
+            </a:r>
+          </a:p>
+          <a:p>
+            <a:pPr>
+              <a:lnSpc>
+                <a:spcPct val="150000"/>
+              </a:lnSpc>
+            </a:pPr>
+            <a:r>
+              <a:rPr lang="en-US" altLang="zh-TW" sz="2800" dirty="0">
+                <a:solidFill>
+                  <a:srgbClr val="0070C0"/>
+                </a:solidFill>
+                <a:latin typeface="微軟正黑體" panose="020B0604030504040204" pitchFamily="34" charset="-120"/>
+              </a:rPr>
+              <a:t>	</a:t>
+            </a:r>
+            <a:r>
+              <a:rPr lang="zh-TW" altLang="en-US" sz="2800" dirty="0">
+                <a:solidFill>
+                  <a:schemeClr val="accent2"/>
+                </a:solidFill>
+                <a:latin typeface="微軟正黑體" panose="020B0604030504040204" pitchFamily="34" charset="-120"/>
+                <a:ea typeface="微軟正黑體" panose="020B0604030504040204" pitchFamily="34" charset="-120"/>
+              </a:rPr>
+              <a:t>妳的</a:t>
+            </a:r>
+            <a:r>
+              <a:rPr lang="en-US" altLang="zh-TW" sz="2800" dirty="0" err="1">
+                <a:solidFill>
+                  <a:schemeClr val="accent2"/>
+                </a:solidFill>
+                <a:latin typeface="微軟正黑體" panose="020B0604030504040204" pitchFamily="34" charset="-120"/>
+                <a:ea typeface="微軟正黑體" panose="020B0604030504040204" pitchFamily="34" charset="-120"/>
+              </a:rPr>
+              <a:t>JQuery</a:t>
+            </a:r>
+            <a:r>
+              <a:rPr lang="zh-TW" altLang="en-US" sz="2800" dirty="0">
+                <a:solidFill>
+                  <a:schemeClr val="accent2"/>
+                </a:solidFill>
+                <a:latin typeface="微軟正黑體" panose="020B0604030504040204" pitchFamily="34" charset="-120"/>
+                <a:ea typeface="微軟正黑體" panose="020B0604030504040204" pitchFamily="34" charset="-120"/>
+              </a:rPr>
+              <a:t>程式</a:t>
+            </a:r>
+            <a:endParaRPr lang="en-US" altLang="zh-TW" sz="2800" dirty="0">
+              <a:solidFill>
+                <a:schemeClr val="accent2"/>
+              </a:solidFill>
+              <a:latin typeface="微軟正黑體" panose="020B0604030504040204" pitchFamily="34" charset="-120"/>
+              <a:ea typeface="微軟正黑體" panose="020B0604030504040204" pitchFamily="34" charset="-120"/>
+            </a:endParaRPr>
+          </a:p>
+          <a:p>
+            <a:pPr>
+              <a:lnSpc>
+                <a:spcPct val="150000"/>
+              </a:lnSpc>
+            </a:pPr>
+            <a:r>
+              <a:rPr lang="en-US" altLang="zh-TW" sz="2800" dirty="0">
+                <a:solidFill>
+                  <a:srgbClr val="0070C0"/>
+                </a:solidFill>
+                <a:latin typeface="微軟正黑體" panose="020B0604030504040204" pitchFamily="34" charset="-120"/>
+              </a:rPr>
+              <a:t>});</a:t>
+            </a:r>
+            <a:endParaRPr lang="en-US" altLang="zh-TW" sz="2800" dirty="0">
+              <a:solidFill>
+                <a:srgbClr val="0070C0"/>
+              </a:solidFill>
+            </a:endParaRPr>
+          </a:p>
+        </p:txBody>
+      </p:sp>
+    </p:spTree>
+    <p:extLst>
+      <p:ext uri="{BB962C8B-B14F-4D97-AF65-F5344CB8AC3E}">
+        <p14:creationId xmlns:p14="http://schemas.microsoft.com/office/powerpoint/2010/main" val="1745454859"/>
+      </p:ext>
+    </p:extLst>
+  </p:cSld>
+  <p:clrMapOvr>
+    <a:masterClrMapping/>
+  </p:clrMapOvr>
+</p:sld>
+</file>
+
+<file path=ppt/slides/slide9.xml><?xml version="1.0" encoding="utf-8"?>
+<p:sld xmlns:a="http://schemas.openxmlformats.org/drawingml/2006/main" xmlns:r="http://schemas.openxmlformats.org/officeDocument/2006/relationships" xmlns:p="http://schemas.openxmlformats.org/presentationml/2006/main">
+  <p:cSld>
+    <p:spTree>
+      <p:nvGrpSpPr>
+        <p:cNvPr id="1" name=""/>
+        <p:cNvGrpSpPr/>
+        <p:nvPr/>
+      </p:nvGrpSpPr>
+      <p:grpSpPr>
+        <a:xfrm>
+          <a:off x="0" y="0"/>
+          <a:ext cx="0" cy="0"/>
+          <a:chOff x="0" y="0"/>
+          <a:chExt cx="0" cy="0"/>
+        </a:xfrm>
+      </p:grpSpPr>
+      <p:sp>
+        <p:nvSpPr>
+          <p:cNvPr id="2" name="標題 1"/>
+          <p:cNvSpPr>
+            <a:spLocks noGrp="1"/>
+          </p:cNvSpPr>
+          <p:nvPr>
+            <p:ph type="title"/>
+          </p:nvPr>
+        </p:nvSpPr>
+        <p:spPr>
+          <a:xfrm>
+            <a:off x="0" y="1"/>
+            <a:ext cx="9144000" cy="836712"/>
+          </a:xfrm>
+        </p:spPr>
+        <p:txBody>
+          <a:bodyPr anchor="b">
+            <a:normAutofit/>
+          </a:bodyPr>
+          <a:lstStyle/>
+          <a:p>
+            <a:pPr algn="ctr"/>
+            <a:r>
+              <a:rPr lang="zh-TW" altLang="en-US" sz="4000" dirty="0">
+                <a:solidFill>
+                  <a:srgbClr val="0070C0"/>
+                </a:solidFill>
+                <a:latin typeface="微軟正黑體" panose="020B0604030504040204" pitchFamily="34" charset="-120"/>
+              </a:rPr>
+              <a:t>改變目標元素</a:t>
+            </a:r>
+            <a:r>
+              <a:rPr lang="zh-TW" altLang="en-US" sz="4000" dirty="0">
+                <a:solidFill>
+                  <a:srgbClr val="00B050"/>
+                </a:solidFill>
+                <a:latin typeface="微軟正黑體" panose="020B0604030504040204" pitchFamily="34" charset="-120"/>
+              </a:rPr>
+              <a:t>內容</a:t>
+            </a:r>
+          </a:p>
+        </p:txBody>
+      </p:sp>
+      <p:sp>
+        <p:nvSpPr>
+          <p:cNvPr id="5" name="內容版面配置區 4">
+            <a:extLst>
+              <a:ext uri="{FF2B5EF4-FFF2-40B4-BE49-F238E27FC236}">
+                <a16:creationId xmlns:a16="http://schemas.microsoft.com/office/drawing/2014/main" id="{6E0B32DB-5057-9F4F-9670-073195DD147E}"/>
+              </a:ext>
+            </a:extLst>
+          </p:cNvPr>
+          <p:cNvSpPr>
+            <a:spLocks noGrp="1"/>
+          </p:cNvSpPr>
+          <p:nvPr>
+            <p:ph idx="1"/>
+          </p:nvPr>
+        </p:nvSpPr>
+        <p:spPr>
+          <a:xfrm>
+            <a:off x="251520" y="1628800"/>
+            <a:ext cx="8640960" cy="3024336"/>
+          </a:xfrm>
+        </p:spPr>
+        <p:txBody>
+          <a:bodyPr>
+            <a:noAutofit/>
+          </a:bodyPr>
+          <a:lstStyle/>
+          <a:p>
+            <a:pPr marL="0" indent="0" algn="ctr">
+              <a:lnSpc>
+                <a:spcPct val="150000"/>
+              </a:lnSpc>
+              <a:buNone/>
+            </a:pPr>
+            <a:r>
+              <a:rPr lang="zh-TW" altLang="en-US" sz="2700" dirty="0">
+                <a:solidFill>
+                  <a:srgbClr val="0070C0"/>
+                </a:solidFill>
+                <a:latin typeface="微軟正黑體" panose="020B0604030504040204" pitchFamily="34" charset="-120"/>
+              </a:rPr>
+              <a:t>原生 </a:t>
+            </a:r>
+            <a:r>
+              <a:rPr lang="en-US" altLang="zh-TW" sz="2700" dirty="0">
+                <a:solidFill>
+                  <a:srgbClr val="0070C0"/>
+                </a:solidFill>
+                <a:latin typeface="微軟正黑體" panose="020B0604030504040204" pitchFamily="34" charset="-120"/>
+              </a:rPr>
+              <a:t>JS</a:t>
+            </a:r>
+          </a:p>
+          <a:p>
+            <a:pPr marL="0" indent="0" algn="ctr">
+              <a:lnSpc>
+                <a:spcPct val="150000"/>
+              </a:lnSpc>
+              <a:buNone/>
+            </a:pPr>
+            <a:r>
+              <a:rPr lang="en-US" altLang="zh-TW" sz="2700" dirty="0" err="1">
+                <a:solidFill>
+                  <a:srgbClr val="0070C0"/>
+                </a:solidFill>
+                <a:latin typeface="微軟正黑體" panose="020B0604030504040204" pitchFamily="34" charset="-120"/>
+              </a:rPr>
+              <a:t>HTMLElement</a:t>
+            </a:r>
+            <a:r>
+              <a:rPr lang="en-US" altLang="zh-TW" sz="2700" dirty="0">
+                <a:solidFill>
+                  <a:srgbClr val="0070C0"/>
+                </a:solidFill>
+                <a:latin typeface="微軟正黑體" panose="020B0604030504040204" pitchFamily="34" charset="-120"/>
+              </a:rPr>
+              <a:t> . </a:t>
+            </a:r>
+            <a:r>
+              <a:rPr lang="en-US" altLang="zh-TW" sz="2700" dirty="0" err="1">
+                <a:solidFill>
+                  <a:srgbClr val="00B050"/>
+                </a:solidFill>
+                <a:latin typeface="微軟正黑體" panose="020B0604030504040204" pitchFamily="34" charset="-120"/>
+              </a:rPr>
+              <a:t>innerHTML</a:t>
+            </a:r>
+            <a:r>
+              <a:rPr lang="en-US" altLang="zh-TW" sz="2700" dirty="0">
+                <a:solidFill>
+                  <a:srgbClr val="0070C0"/>
+                </a:solidFill>
+                <a:latin typeface="微軟正黑體" panose="020B0604030504040204" pitchFamily="34" charset="-120"/>
+              </a:rPr>
+              <a:t> = </a:t>
+            </a:r>
+            <a:r>
+              <a:rPr lang="en-US" altLang="zh-TW" sz="2700" dirty="0">
+                <a:solidFill>
+                  <a:schemeClr val="accent2"/>
+                </a:solidFill>
+                <a:latin typeface="微軟正黑體" panose="020B0604030504040204" pitchFamily="34" charset="-120"/>
+              </a:rPr>
+              <a:t>" "</a:t>
+            </a:r>
+          </a:p>
+          <a:p>
+            <a:pPr marL="0" indent="0" algn="ctr">
+              <a:lnSpc>
+                <a:spcPct val="150000"/>
+              </a:lnSpc>
+              <a:buNone/>
+            </a:pPr>
+            <a:endParaRPr lang="en-US" altLang="zh-TW" sz="2700" dirty="0">
+              <a:solidFill>
+                <a:schemeClr val="accent2"/>
+              </a:solidFill>
+              <a:latin typeface="微軟正黑體" panose="020B0604030504040204" pitchFamily="34" charset="-120"/>
+            </a:endParaRPr>
+          </a:p>
+          <a:p>
+            <a:pPr marL="0" indent="0" algn="ctr">
+              <a:lnSpc>
+                <a:spcPct val="150000"/>
+              </a:lnSpc>
+              <a:buNone/>
+            </a:pPr>
+            <a:r>
+              <a:rPr lang="en-US" altLang="zh-TW" sz="2700" dirty="0" err="1">
+                <a:solidFill>
+                  <a:srgbClr val="0070C0"/>
+                </a:solidFill>
+                <a:latin typeface="微軟正黑體" panose="020B0604030504040204" pitchFamily="34" charset="-120"/>
+              </a:rPr>
+              <a:t>JQuery</a:t>
+            </a:r>
+            <a:endParaRPr lang="en-US" altLang="zh-TW" sz="2700" dirty="0">
+              <a:solidFill>
+                <a:srgbClr val="0070C0"/>
+              </a:solidFill>
+              <a:latin typeface="微軟正黑體" panose="020B0604030504040204" pitchFamily="34" charset="-120"/>
+            </a:endParaRPr>
+          </a:p>
+          <a:p>
+            <a:pPr marL="0" indent="0" algn="ctr">
+              <a:lnSpc>
+                <a:spcPct val="150000"/>
+              </a:lnSpc>
+              <a:buNone/>
+            </a:pPr>
+            <a:r>
+              <a:rPr lang="en-US" altLang="zh-TW" sz="2700" dirty="0">
+                <a:solidFill>
+                  <a:srgbClr val="0070C0"/>
+                </a:solidFill>
+                <a:latin typeface="微軟正黑體" panose="020B0604030504040204" pitchFamily="34" charset="-120"/>
+              </a:rPr>
+              <a:t>$ ("</a:t>
+            </a:r>
+            <a:r>
+              <a:rPr lang="en-US" altLang="zh-TW" sz="2700" dirty="0">
+                <a:solidFill>
+                  <a:srgbClr val="FF0000"/>
+                </a:solidFill>
+                <a:latin typeface="微軟正黑體" panose="020B0604030504040204" pitchFamily="34" charset="-120"/>
+              </a:rPr>
+              <a:t>#id</a:t>
+            </a:r>
+            <a:r>
+              <a:rPr lang="en-US" altLang="zh-TW" sz="2700" dirty="0">
+                <a:solidFill>
+                  <a:srgbClr val="0070C0"/>
+                </a:solidFill>
+                <a:latin typeface="微軟正黑體" panose="020B0604030504040204" pitchFamily="34" charset="-120"/>
+              </a:rPr>
+              <a:t>") </a:t>
+            </a:r>
+            <a:r>
+              <a:rPr lang="en-US" altLang="zh-TW" sz="2700" dirty="0">
+                <a:solidFill>
+                  <a:srgbClr val="00B050"/>
+                </a:solidFill>
+                <a:latin typeface="微軟正黑體" panose="020B0604030504040204" pitchFamily="34" charset="-120"/>
+              </a:rPr>
+              <a:t>/</a:t>
+            </a:r>
+            <a:r>
+              <a:rPr lang="en-US" altLang="zh-TW" sz="2700" dirty="0">
+                <a:solidFill>
+                  <a:srgbClr val="0070C0"/>
+                </a:solidFill>
+                <a:latin typeface="微軟正黑體" panose="020B0604030504040204" pitchFamily="34" charset="-120"/>
+              </a:rPr>
+              <a:t> $("</a:t>
+            </a:r>
+            <a:r>
+              <a:rPr lang="en-US" altLang="zh-TW" sz="2700" dirty="0">
+                <a:solidFill>
+                  <a:srgbClr val="FF0000"/>
+                </a:solidFill>
+                <a:latin typeface="微軟正黑體" panose="020B0604030504040204" pitchFamily="34" charset="-120"/>
+              </a:rPr>
+              <a:t>.</a:t>
+            </a:r>
+            <a:r>
+              <a:rPr lang="zh-TW" altLang="en-US" sz="2700" dirty="0">
+                <a:solidFill>
+                  <a:srgbClr val="FF0000"/>
+                </a:solidFill>
+                <a:latin typeface="微軟正黑體" panose="020B0604030504040204" pitchFamily="34" charset="-120"/>
+              </a:rPr>
+              <a:t> </a:t>
+            </a:r>
+            <a:r>
+              <a:rPr lang="en-US" altLang="zh-TW" sz="2700" dirty="0">
+                <a:solidFill>
+                  <a:srgbClr val="FF0000"/>
+                </a:solidFill>
+                <a:latin typeface="微軟正黑體" panose="020B0604030504040204" pitchFamily="34" charset="-120"/>
+              </a:rPr>
+              <a:t>class </a:t>
+            </a:r>
+            <a:r>
+              <a:rPr lang="zh-TW" altLang="en-US" sz="2700" dirty="0">
+                <a:solidFill>
+                  <a:srgbClr val="FF0000"/>
+                </a:solidFill>
+                <a:latin typeface="微軟正黑體" panose="020B0604030504040204" pitchFamily="34" charset="-120"/>
+              </a:rPr>
+              <a:t>名稱</a:t>
+            </a:r>
+            <a:r>
+              <a:rPr lang="en-US" altLang="zh-TW" sz="2700" dirty="0">
+                <a:solidFill>
+                  <a:srgbClr val="0070C0"/>
+                </a:solidFill>
+                <a:latin typeface="微軟正黑體" panose="020B0604030504040204" pitchFamily="34" charset="-120"/>
+              </a:rPr>
+              <a:t>") </a:t>
+            </a:r>
+            <a:r>
+              <a:rPr lang="en-US" altLang="zh-TW" sz="2700" dirty="0">
+                <a:solidFill>
+                  <a:srgbClr val="00B050"/>
+                </a:solidFill>
+                <a:latin typeface="微軟正黑體" panose="020B0604030504040204" pitchFamily="34" charset="-120"/>
+              </a:rPr>
+              <a:t>/</a:t>
+            </a:r>
+            <a:r>
+              <a:rPr lang="en-US" altLang="zh-TW" sz="2700" dirty="0">
+                <a:solidFill>
+                  <a:srgbClr val="0070C0"/>
+                </a:solidFill>
+                <a:latin typeface="微軟正黑體" panose="020B0604030504040204" pitchFamily="34" charset="-120"/>
+              </a:rPr>
+              <a:t> $("</a:t>
+            </a:r>
+            <a:r>
+              <a:rPr lang="en-US" altLang="zh-TW" sz="2700" dirty="0">
+                <a:solidFill>
+                  <a:srgbClr val="FF0000"/>
+                </a:solidFill>
+                <a:latin typeface="微軟正黑體" panose="020B0604030504040204" pitchFamily="34" charset="-120"/>
+              </a:rPr>
+              <a:t>HTML </a:t>
+            </a:r>
+            <a:r>
+              <a:rPr lang="zh-TW" altLang="en-US" sz="2700" dirty="0">
+                <a:solidFill>
+                  <a:srgbClr val="FF0000"/>
+                </a:solidFill>
+                <a:latin typeface="微軟正黑體" panose="020B0604030504040204" pitchFamily="34" charset="-120"/>
+              </a:rPr>
+              <a:t>標籤</a:t>
+            </a:r>
+            <a:r>
+              <a:rPr lang="en-US" altLang="zh-TW" sz="2700" dirty="0">
+                <a:solidFill>
+                  <a:srgbClr val="0070C0"/>
+                </a:solidFill>
+                <a:latin typeface="微軟正黑體" panose="020B0604030504040204" pitchFamily="34" charset="-120"/>
+              </a:rPr>
+              <a:t>")</a:t>
+            </a:r>
+            <a:r>
+              <a:rPr lang="zh-TW" altLang="en-US" sz="2700" dirty="0">
+                <a:solidFill>
+                  <a:srgbClr val="0070C0"/>
+                </a:solidFill>
+                <a:latin typeface="微軟正黑體" panose="020B0604030504040204" pitchFamily="34" charset="-120"/>
+              </a:rPr>
+              <a:t> </a:t>
+            </a:r>
+            <a:r>
+              <a:rPr lang="en-US" altLang="zh-TW" sz="2700" dirty="0">
+                <a:solidFill>
+                  <a:srgbClr val="0070C0"/>
+                </a:solidFill>
+                <a:latin typeface="微軟正黑體" panose="020B0604030504040204" pitchFamily="34" charset="-120"/>
+              </a:rPr>
+              <a:t>. html(</a:t>
+            </a:r>
+            <a:r>
+              <a:rPr lang="en-US" altLang="zh-TW" sz="2700" dirty="0">
+                <a:solidFill>
+                  <a:schemeClr val="accent2"/>
+                </a:solidFill>
+                <a:latin typeface="微軟正黑體" panose="020B0604030504040204" pitchFamily="34" charset="-120"/>
+              </a:rPr>
+              <a:t>" "</a:t>
+            </a:r>
+            <a:r>
+              <a:rPr lang="en-US" altLang="zh-TW" sz="2700" dirty="0">
+                <a:solidFill>
+                  <a:srgbClr val="0070C0"/>
+                </a:solidFill>
+                <a:latin typeface="微軟正黑體" panose="020B0604030504040204" pitchFamily="34" charset="-120"/>
+              </a:rPr>
+              <a:t>)</a:t>
+            </a:r>
+          </a:p>
+        </p:txBody>
+      </p:sp>
+    </p:spTree>
+    <p:extLst>
+      <p:ext uri="{BB962C8B-B14F-4D97-AF65-F5344CB8AC3E}">
+        <p14:creationId xmlns:p14="http://schemas.microsoft.com/office/powerpoint/2010/main" val="3924188805"/>
       </p:ext>
     </p:extLst>
   </p:cSld>
